--- a/Courses/Software-Sciences/Module-2-DS-and-Algo-New/05.1-Sets-and-Dictionaries-Basics/05.1-Sets-and-Dictionaries-Basics.pptx
+++ b/Courses/Software-Sciences/Module-2-DS-and-Algo-New/05.1-Sets-and-Dictionaries-Basics/05.1-Sets-and-Dictionaries-Basics.pptx
@@ -287,7 +287,7 @@
             </a:lvl1pPr>
           </a:lstStyle>
           <a:p>
-            <a:endParaRPr lang="bg-BG"/>
+            <a:endParaRPr lang="bg-BG" dirty="0"/>
           </a:p>
         </p:txBody>
       </p:sp>
@@ -326,9 +326,9 @@
           <a:p>
             <a:fld id="{4E087215-0C8F-4762-A664-737A353EC9A4}" type="datetimeFigureOut">
               <a:rPr lang="bg-BG" smtClean="0"/>
-              <a:t>1.2.2023 г.</a:t>
+              <a:t>6.7.2023 г.</a:t>
             </a:fld>
-            <a:endParaRPr lang="bg-BG"/>
+            <a:endParaRPr lang="bg-BG" dirty="0"/>
           </a:p>
         </p:txBody>
       </p:sp>
@@ -484,7 +484,7 @@
             </a:lvl1pPr>
           </a:lstStyle>
           <a:p>
-            <a:endParaRPr lang="en-US"/>
+            <a:endParaRPr lang="en-US" dirty="0"/>
           </a:p>
         </p:txBody>
       </p:sp>
@@ -517,9 +517,9 @@
           <a:p>
             <a:fld id="{72D84649-876A-46C9-8472-14CB09C070D8}" type="datetimeFigureOut">
               <a:rPr lang="en-US" smtClean="0"/>
-              <a:t>2/1/2023</a:t>
+              <a:t>7/6/2023</a:t>
             </a:fld>
-            <a:endParaRPr lang="en-US"/>
+            <a:endParaRPr lang="en-US" dirty="0"/>
           </a:p>
         </p:txBody>
       </p:sp>
@@ -552,7 +552,7 @@
           <a:bodyPr vert="horz" lIns="91440" tIns="45720" rIns="91440" bIns="45720" rtlCol="0" anchor="ctr"/>
           <a:lstStyle/>
           <a:p>
-            <a:endParaRPr lang="en-US"/>
+            <a:endParaRPr lang="en-US" dirty="0"/>
           </a:p>
         </p:txBody>
       </p:sp>
@@ -961,7 +961,7 @@
           <a:bodyPr/>
           <a:lstStyle/>
           <a:p>
-            <a:endParaRPr lang="bg-BG"/>
+            <a:endParaRPr lang="bg-BG" dirty="0"/>
           </a:p>
         </p:txBody>
       </p:sp>
@@ -1207,7 +1207,7 @@
           <a:bodyPr/>
           <a:lstStyle/>
           <a:p>
-            <a:endParaRPr lang="en-US"/>
+            <a:endParaRPr lang="en-US" dirty="0"/>
           </a:p>
         </p:txBody>
       </p:sp>
@@ -1342,7 +1342,7 @@
           <a:bodyPr/>
           <a:lstStyle/>
           <a:p>
-            <a:endParaRPr lang="en-US"/>
+            <a:endParaRPr lang="en-US" dirty="0"/>
           </a:p>
         </p:txBody>
       </p:sp>
@@ -1472,7 +1472,7 @@
               <a:pPr/>
               <a:t>33</a:t>
             </a:fld>
-            <a:endParaRPr lang="en-US"/>
+            <a:endParaRPr lang="en-US" dirty="0"/>
           </a:p>
         </p:txBody>
       </p:sp>
@@ -1510,17 +1510,17 @@
           </a:lstStyle>
           <a:p>
             <a:r>
-              <a:rPr lang="en-US"/>
+              <a:rPr lang="en-US" dirty="0"/>
               <a:t>© SoftUni – </a:t>
             </a:r>
             <a:r>
-              <a:rPr lang="en-US" u="sng">
+              <a:rPr lang="en-US" u="sng" dirty="0">
                 <a:hlinkClick r:id="rId3"/>
               </a:rPr>
               <a:t>https://softuni.org</a:t>
             </a:r>
             <a:r>
-              <a:rPr lang="en-US"/>
+              <a:rPr lang="en-US" dirty="0"/>
               <a:t>. Copyrighted document. Unauthorized copy or reproduction is not permitted.</a:t>
             </a:r>
           </a:p>
@@ -1583,7 +1583,7 @@
           <a:bodyPr/>
           <a:lstStyle/>
           <a:p>
-            <a:endParaRPr lang="en-US"/>
+            <a:endParaRPr lang="en-US" dirty="0"/>
           </a:p>
         </p:txBody>
       </p:sp>
@@ -1713,7 +1713,7 @@
               <a:pPr/>
               <a:t>34</a:t>
             </a:fld>
-            <a:endParaRPr lang="en-US"/>
+            <a:endParaRPr lang="en-US" dirty="0"/>
           </a:p>
         </p:txBody>
       </p:sp>
@@ -1751,17 +1751,17 @@
           </a:lstStyle>
           <a:p>
             <a:r>
-              <a:rPr lang="en-US"/>
+              <a:rPr lang="en-US" dirty="0"/>
               <a:t>© SoftUni – </a:t>
             </a:r>
             <a:r>
-              <a:rPr lang="en-US" u="sng">
+              <a:rPr lang="en-US" u="sng" dirty="0">
                 <a:hlinkClick r:id="rId3"/>
               </a:rPr>
               <a:t>https://softuni.org</a:t>
             </a:r>
             <a:r>
-              <a:rPr lang="en-US"/>
+              <a:rPr lang="en-US" dirty="0"/>
               <a:t>. Copyrighted document. Unauthorized copy or reproduction is not permitted.</a:t>
             </a:r>
           </a:p>
@@ -1861,7 +1861,7 @@
               <a:tabLst/>
               <a:defRPr/>
             </a:pPr>
-            <a:endParaRPr kumimoji="0" lang="en-US" altLang="ko-KR" sz="2398" b="0" i="0" u="none" strike="noStrike" kern="1200" cap="none" spc="0" normalizeH="0" baseline="0" noProof="0">
+            <a:endParaRPr kumimoji="0" lang="en-US" altLang="ko-KR" sz="2398" b="0" i="0" u="none" strike="noStrike" kern="1200" cap="none" spc="0" normalizeH="0" baseline="0" noProof="0" dirty="0">
               <a:ln>
                 <a:noFill/>
               </a:ln>
@@ -2490,7 +2490,7 @@
               <a:tabLst/>
               <a:defRPr/>
             </a:pPr>
-            <a:endParaRPr kumimoji="0" lang="en-US" altLang="ko-KR" sz="2398" b="0" i="0" u="none" strike="noStrike" kern="1200" cap="none" spc="0" normalizeH="0" baseline="0" noProof="0">
+            <a:endParaRPr kumimoji="0" lang="en-US" altLang="ko-KR" sz="2398" b="0" i="0" u="none" strike="noStrike" kern="1200" cap="none" spc="0" normalizeH="0" baseline="0" noProof="0" dirty="0">
               <a:ln>
                 <a:noFill/>
               </a:ln>
@@ -2613,7 +2613,7 @@
               <a:tabLst/>
               <a:defRPr/>
             </a:pPr>
-            <a:endParaRPr kumimoji="0" lang="en-US" altLang="ko-KR" sz="2398" b="0" i="0" u="none" strike="noStrike" kern="1200" cap="none" spc="0" normalizeH="0" baseline="0" noProof="0">
+            <a:endParaRPr kumimoji="0" lang="en-US" altLang="ko-KR" sz="2398" b="0" i="0" u="none" strike="noStrike" kern="1200" cap="none" spc="0" normalizeH="0" baseline="0" noProof="0" dirty="0">
               <a:ln>
                 <a:noFill/>
               </a:ln>
@@ -2886,7 +2886,7 @@
               <a:tabLst/>
               <a:defRPr/>
             </a:pPr>
-            <a:endParaRPr kumimoji="0" lang="en-US" altLang="ko-KR" sz="2398" b="0" i="0" u="none" strike="noStrike" kern="1200" cap="none" spc="0" normalizeH="0" baseline="0" noProof="0">
+            <a:endParaRPr kumimoji="0" lang="en-US" altLang="ko-KR" sz="2398" b="0" i="0" u="none" strike="noStrike" kern="1200" cap="none" spc="0" normalizeH="0" baseline="0" noProof="0" dirty="0">
               <a:ln>
                 <a:noFill/>
               </a:ln>
@@ -3072,7 +3072,7 @@
               <a:pPr/>
               <a:t>‹#›</a:t>
             </a:fld>
-            <a:endParaRPr lang="en-US" noProof="0"/>
+            <a:endParaRPr lang="en-US" noProof="0" dirty="0"/>
           </a:p>
         </p:txBody>
       </p:sp>
@@ -3226,7 +3226,7 @@
           </a:lstStyle>
           <a:p>
             <a:r>
-              <a:rPr lang="en-US" altLang="ko-KR" noProof="0"/>
+              <a:rPr lang="en-US" altLang="ko-KR" noProof="0" dirty="0"/>
               <a:t>Your Picture Here</a:t>
             </a:r>
           </a:p>
@@ -3290,7 +3290,7 @@
               <a:tabLst/>
               <a:defRPr/>
             </a:pPr>
-            <a:endParaRPr kumimoji="0" lang="en-US" altLang="ko-KR" sz="2398" b="0" i="0" u="none" strike="noStrike" kern="1200" cap="none" spc="0" normalizeH="0" baseline="0" noProof="0">
+            <a:endParaRPr kumimoji="0" lang="en-US" altLang="ko-KR" sz="2398" b="0" i="0" u="none" strike="noStrike" kern="1200" cap="none" spc="0" normalizeH="0" baseline="0" noProof="0" dirty="0">
               <a:ln>
                 <a:noFill/>
               </a:ln>
@@ -3365,7 +3365,7 @@
               <a:tabLst/>
               <a:defRPr/>
             </a:pPr>
-            <a:endParaRPr kumimoji="0" lang="en-US" altLang="ko-KR" sz="2398" b="0" i="0" u="none" strike="noStrike" kern="1200" cap="none" spc="0" normalizeH="0" baseline="0" noProof="0">
+            <a:endParaRPr kumimoji="0" lang="en-US" altLang="ko-KR" sz="2398" b="0" i="0" u="none" strike="noStrike" kern="1200" cap="none" spc="0" normalizeH="0" baseline="0" noProof="0" dirty="0">
               <a:ln>
                 <a:noFill/>
               </a:ln>
@@ -3446,7 +3446,7 @@
               <a:tabLst/>
               <a:defRPr/>
             </a:pPr>
-            <a:endParaRPr kumimoji="0" lang="en-US" altLang="ko-KR" sz="2398" b="0" i="0" u="none" strike="noStrike" kern="1200" cap="none" spc="0" normalizeH="0" baseline="0" noProof="0">
+            <a:endParaRPr kumimoji="0" lang="en-US" altLang="ko-KR" sz="2398" b="0" i="0" u="none" strike="noStrike" kern="1200" cap="none" spc="0" normalizeH="0" baseline="0" noProof="0" dirty="0">
               <a:ln>
                 <a:noFill/>
               </a:ln>
@@ -3527,7 +3527,7 @@
               <a:tabLst/>
               <a:defRPr/>
             </a:pPr>
-            <a:endParaRPr kumimoji="0" lang="en-US" altLang="ko-KR" sz="2398" b="0" i="0" u="none" strike="noStrike" kern="1200" cap="none" spc="0" normalizeH="0" baseline="0" noProof="0">
+            <a:endParaRPr kumimoji="0" lang="en-US" altLang="ko-KR" sz="2398" b="0" i="0" u="none" strike="noStrike" kern="1200" cap="none" spc="0" normalizeH="0" baseline="0" noProof="0" dirty="0">
               <a:ln>
                 <a:noFill/>
               </a:ln>
@@ -3731,7 +3731,7 @@
               <a:tabLst/>
               <a:defRPr/>
             </a:pPr>
-            <a:endParaRPr kumimoji="0" lang="en-US" altLang="ko-KR" sz="2398" b="0" i="0" u="none" strike="noStrike" kern="1200" cap="none" spc="0" normalizeH="0" baseline="0" noProof="0">
+            <a:endParaRPr kumimoji="0" lang="en-US" altLang="ko-KR" sz="2398" b="0" i="0" u="none" strike="noStrike" kern="1200" cap="none" spc="0" normalizeH="0" baseline="0" noProof="0" dirty="0">
               <a:ln>
                 <a:noFill/>
               </a:ln>
@@ -5237,7 +5237,7 @@
               <a:tabLst/>
               <a:defRPr/>
             </a:pPr>
-            <a:endParaRPr kumimoji="0" lang="en-US" altLang="ko-KR" sz="2398" b="0" i="0" u="none" strike="noStrike" kern="1200" cap="none" spc="0" normalizeH="0" baseline="0" noProof="0">
+            <a:endParaRPr kumimoji="0" lang="en-US" altLang="ko-KR" sz="2398" b="0" i="0" u="none" strike="noStrike" kern="1200" cap="none" spc="0" normalizeH="0" baseline="0" noProof="0" dirty="0">
               <a:ln>
                 <a:noFill/>
               </a:ln>
@@ -5565,7 +5565,7 @@
               <a:tabLst/>
               <a:defRPr/>
             </a:pPr>
-            <a:endParaRPr kumimoji="0" lang="en-US" altLang="ko-KR" sz="2398" b="0" i="0" u="none" strike="noStrike" kern="1200" cap="none" spc="0" normalizeH="0" baseline="0" noProof="0">
+            <a:endParaRPr kumimoji="0" lang="en-US" altLang="ko-KR" sz="2398" b="0" i="0" u="none" strike="noStrike" kern="1200" cap="none" spc="0" normalizeH="0" baseline="0" noProof="0" dirty="0">
               <a:ln>
                 <a:noFill/>
               </a:ln>
@@ -5735,7 +5735,7 @@
               <a:pPr/>
               <a:t>‹#›</a:t>
             </a:fld>
-            <a:endParaRPr lang="en-US" noProof="0"/>
+            <a:endParaRPr lang="en-US" noProof="0" dirty="0"/>
           </a:p>
         </p:txBody>
       </p:sp>
@@ -5930,7 +5930,7 @@
               <a:tabLst/>
               <a:defRPr/>
             </a:pPr>
-            <a:endParaRPr kumimoji="0" lang="en-US" altLang="ko-KR" sz="2398" b="0" i="0" u="none" strike="noStrike" kern="1200" cap="none" spc="0" normalizeH="0" baseline="0" noProof="0">
+            <a:endParaRPr kumimoji="0" lang="en-US" altLang="ko-KR" sz="2398" b="0" i="0" u="none" strike="noStrike" kern="1200" cap="none" spc="0" normalizeH="0" baseline="0" noProof="0" dirty="0">
               <a:ln>
                 <a:noFill/>
               </a:ln>
@@ -7191,7 +7191,7 @@
               <a:pPr/>
               <a:t>‹#›</a:t>
             </a:fld>
-            <a:endParaRPr lang="en-US" noProof="0"/>
+            <a:endParaRPr lang="en-US" noProof="0" dirty="0"/>
           </a:p>
         </p:txBody>
       </p:sp>
@@ -7259,7 +7259,7 @@
               <a:tabLst/>
               <a:defRPr/>
             </a:pPr>
-            <a:endParaRPr kumimoji="0" lang="en-US" altLang="ko-KR" sz="2398" b="0" i="0" u="none" strike="noStrike" kern="1200" cap="none" spc="0" normalizeH="0" baseline="0" noProof="0">
+            <a:endParaRPr kumimoji="0" lang="en-US" altLang="ko-KR" sz="2398" b="0" i="0" u="none" strike="noStrike" kern="1200" cap="none" spc="0" normalizeH="0" baseline="0" noProof="0" dirty="0">
               <a:ln>
                 <a:noFill/>
               </a:ln>
@@ -7627,7 +7627,7 @@
               <a:tabLst/>
               <a:defRPr/>
             </a:pPr>
-            <a:endParaRPr kumimoji="0" lang="en-US" altLang="ko-KR" sz="2398" b="0" i="0" u="none" strike="noStrike" kern="1200" cap="none" spc="0" normalizeH="0" baseline="0" noProof="0">
+            <a:endParaRPr kumimoji="0" lang="en-US" altLang="ko-KR" sz="2398" b="0" i="0" u="none" strike="noStrike" kern="1200" cap="none" spc="0" normalizeH="0" baseline="0" noProof="0" dirty="0">
               <a:ln>
                 <a:noFill/>
               </a:ln>
@@ -8281,43 +8281,17 @@
           <a:lstStyle/>
           <a:p>
             <a:r>
-              <a:rPr lang="en-US" sz="3550" dirty="0" err="1"/>
-              <a:t>Сетове</a:t>
-            </a:r>
-            <a:r>
               <a:rPr lang="en-US" sz="3550" dirty="0"/>
-              <a:t>, </a:t>
-            </a:r>
-            <a:r>
-              <a:rPr lang="en-US" sz="3550" dirty="0" err="1"/>
-              <a:t>мулти-речници</a:t>
-            </a:r>
-            <a:r>
-              <a:rPr lang="en-US" sz="3550" dirty="0"/>
-              <a:t> и </a:t>
-            </a:r>
-            <a:r>
-              <a:rPr lang="en-US" sz="3550" dirty="0" err="1">
-                <a:ea typeface="+mn-lt"/>
-                <a:cs typeface="+mn-lt"/>
-              </a:rPr>
-              <a:t>вложени</a:t>
+              <a:t>Сетове, мулти-речници и </a:t>
             </a:r>
             <a:r>
               <a:rPr lang="en-US" sz="3550" dirty="0">
                 <a:ea typeface="+mn-lt"/>
                 <a:cs typeface="+mn-lt"/>
               </a:rPr>
-              <a:t> </a:t>
-            </a:r>
-            <a:r>
-              <a:rPr lang="en-US" sz="3550" dirty="0" err="1">
-                <a:ea typeface="+mn-lt"/>
-                <a:cs typeface="+mn-lt"/>
-              </a:rPr>
-              <a:t>речници</a:t>
-            </a:r>
-            <a:endParaRPr lang="en-US" sz="3550" dirty="0" err="1"/>
+              <a:t>вложени речници</a:t>
+            </a:r>
+            <a:endParaRPr lang="en-US" sz="3550" dirty="0"/>
           </a:p>
         </p:txBody>
       </p:sp>
@@ -8339,16 +8313,8 @@
           <a:lstStyle/>
           <a:p>
             <a:r>
-              <a:rPr lang="en-US" sz="4750" dirty="0" err="1"/>
-              <a:t>Сетове</a:t>
-            </a:r>
-            <a:r>
               <a:rPr lang="en-US" sz="4750" dirty="0"/>
-              <a:t> и </a:t>
-            </a:r>
-            <a:r>
-              <a:rPr lang="en-US" sz="4750" dirty="0" err="1"/>
-              <a:t>речници</a:t>
+              <a:t>Сетове и речници</a:t>
             </a:r>
           </a:p>
         </p:txBody>
@@ -8374,25 +8340,11 @@
           <a:lstStyle/>
           <a:p>
             <a:r>
-              <a:rPr lang="en-US" sz="1800" dirty="0" err="1">
-                <a:ea typeface="+mn-lt"/>
-                <a:cs typeface="+mn-lt"/>
-              </a:rPr>
-              <a:t>Софтуерен</a:t>
-            </a:r>
-            <a:r>
               <a:rPr lang="en-US" sz="1800" dirty="0">
                 <a:ea typeface="+mn-lt"/>
                 <a:cs typeface="+mn-lt"/>
               </a:rPr>
-              <a:t> </a:t>
-            </a:r>
-            <a:r>
-              <a:rPr lang="en-US" sz="1800" dirty="0" err="1">
-                <a:ea typeface="+mn-lt"/>
-                <a:cs typeface="+mn-lt"/>
-              </a:rPr>
-              <a:t>университет</a:t>
+              <a:t>Софтуерен университет</a:t>
             </a:r>
             <a:endParaRPr lang="en-US" sz="1800" b="0" dirty="0">
               <a:ea typeface="+mn-lt"/>
@@ -8452,7 +8404,7 @@
           <a:lstStyle/>
           <a:p>
             <a:r>
-              <a:rPr lang="en-US" sz="2000" dirty="0" err="1">
+              <a:rPr lang="en-US" sz="2000" dirty="0">
                 <a:ea typeface="+mn-lt"/>
                 <a:cs typeface="+mn-lt"/>
               </a:rPr>
@@ -8483,25 +8435,11 @@
           <a:lstStyle/>
           <a:p>
             <a:r>
-              <a:rPr lang="en-US" sz="1800" dirty="0" err="1">
-                <a:ea typeface="+mn-lt"/>
-                <a:cs typeface="+mn-lt"/>
-              </a:rPr>
-              <a:t>Преподавателски</a:t>
-            </a:r>
-            <a:r>
               <a:rPr lang="en-US" sz="1800" dirty="0">
                 <a:ea typeface="+mn-lt"/>
                 <a:cs typeface="+mn-lt"/>
               </a:rPr>
-              <a:t> </a:t>
-            </a:r>
-            <a:r>
-              <a:rPr lang="en-US" sz="1800" dirty="0" err="1">
-                <a:ea typeface="+mn-lt"/>
-                <a:cs typeface="+mn-lt"/>
-              </a:rPr>
-              <a:t>екип</a:t>
+              <a:t>Преподавателски екип</a:t>
             </a:r>
             <a:endParaRPr lang="bg-BG" sz="1800" dirty="0"/>
           </a:p>
@@ -8612,84 +8550,17 @@
           <a:lstStyle/>
           <a:p>
             <a:r>
-              <a:rPr lang="en-US" sz="3950" dirty="0" err="1"/>
-              <a:t>Решение</a:t>
-            </a:r>
-            <a:r>
               <a:rPr lang="en-US" sz="3950" dirty="0"/>
-              <a:t>: </a:t>
+              <a:t>Решение: </a:t>
             </a:r>
             <a:r>
               <a:rPr lang="en-US" sz="3950" dirty="0">
                 <a:ea typeface="+mj-lt"/>
                 <a:cs typeface="+mj-lt"/>
               </a:rPr>
-              <a:t> </a:t>
-            </a:r>
-            <a:r>
-              <a:rPr lang="en-US" sz="3950" dirty="0" err="1">
-                <a:ea typeface="+mj-lt"/>
-                <a:cs typeface="+mj-lt"/>
-              </a:rPr>
-              <a:t>Брой</a:t>
-            </a:r>
-            <a:r>
-              <a:rPr lang="en-US" sz="3950" dirty="0">
-                <a:ea typeface="+mj-lt"/>
-                <a:cs typeface="+mj-lt"/>
-              </a:rPr>
-              <a:t> </a:t>
-            </a:r>
-            <a:r>
-              <a:rPr lang="en-US" sz="3950" dirty="0" err="1">
-                <a:ea typeface="+mj-lt"/>
-                <a:cs typeface="+mj-lt"/>
-              </a:rPr>
-              <a:t>на</a:t>
-            </a:r>
-            <a:r>
-              <a:rPr lang="en-US" sz="3950" dirty="0">
-                <a:ea typeface="+mj-lt"/>
-                <a:cs typeface="+mj-lt"/>
-              </a:rPr>
-              <a:t> </a:t>
-            </a:r>
-            <a:r>
-              <a:rPr lang="en-US" sz="3950" dirty="0" err="1">
-                <a:ea typeface="+mj-lt"/>
-                <a:cs typeface="+mj-lt"/>
-              </a:rPr>
-              <a:t>еднакви</a:t>
-            </a:r>
-            <a:r>
-              <a:rPr lang="en-US" sz="3950" dirty="0">
-                <a:ea typeface="+mj-lt"/>
-                <a:cs typeface="+mj-lt"/>
-              </a:rPr>
-              <a:t> </a:t>
-            </a:r>
-            <a:r>
-              <a:rPr lang="en-US" sz="3950" dirty="0" err="1">
-                <a:ea typeface="+mj-lt"/>
-                <a:cs typeface="+mj-lt"/>
-              </a:rPr>
-              <a:t>стойности</a:t>
-            </a:r>
-            <a:r>
-              <a:rPr lang="en-US" sz="3950" dirty="0">
-                <a:ea typeface="+mj-lt"/>
-                <a:cs typeface="+mj-lt"/>
-              </a:rPr>
-              <a:t> в </a:t>
-            </a:r>
-            <a:r>
-              <a:rPr lang="en-US" sz="3950" dirty="0" err="1">
-                <a:ea typeface="+mj-lt"/>
-                <a:cs typeface="+mj-lt"/>
-              </a:rPr>
-              <a:t>масив</a:t>
-            </a:r>
-            <a:endParaRPr lang="en-US" sz="3950" b="0" dirty="0" err="1">
+              <a:t> Брой на еднакви стойности в масив</a:t>
+            </a:r>
+            <a:endParaRPr lang="en-US" sz="3950" b="0" dirty="0">
               <a:ea typeface="+mj-lt"/>
               <a:cs typeface="+mj-lt"/>
             </a:endParaRPr>
@@ -9214,37 +9085,19 @@
           <a:p>
             <a:pPr algn="ctr"/>
             <a:r>
-              <a:rPr lang="en-US" sz="1950" dirty="0" err="1"/>
-              <a:t>Тествайте</a:t>
-            </a:r>
-            <a:r>
               <a:rPr lang="en-US" sz="1950" dirty="0"/>
-              <a:t> </a:t>
-            </a:r>
-            <a:r>
-              <a:rPr lang="en-US" sz="1950" dirty="0" err="1"/>
-              <a:t>решението</a:t>
-            </a:r>
-            <a:r>
-              <a:rPr lang="en-US" sz="1950" dirty="0"/>
-              <a:t> в Judge: </a:t>
+              <a:t>Тествайте решението в Judge: </a:t>
             </a:r>
             <a:r>
               <a:rPr lang="en-US" sz="1950" dirty="0">
                 <a:solidFill>
                   <a:schemeClr val="bg1"/>
                 </a:solidFill>
-                <a:hlinkClick r:id="rId2">
-                  <a:extLst>
-                    <a:ext uri="{A12FA001-AC4F-418D-AE19-62706E023703}">
-                      <ahyp:hlinkClr xmlns:ahyp="http://schemas.microsoft.com/office/drawing/2018/hyperlinkcolor" val="tx"/>
-                    </a:ext>
-                  </a:extLst>
-                </a:hlinkClick>
-              </a:rPr>
-              <a:t>https://judge.softuni.org/Contests/Practice/Index/3178#3</a:t>
-            </a:r>
-            <a:endParaRPr lang="en-US" sz="1950">
+                <a:hlinkClick r:id="rId2"/>
+              </a:rPr>
+              <a:t>https://judge.softuni.org/Contests/Practice/Index/4160#0</a:t>
+            </a:r>
+            <a:endParaRPr lang="en-US" sz="1950" dirty="0">
               <a:solidFill>
                 <a:schemeClr val="bg1"/>
               </a:solidFill>
@@ -9736,12 +9589,8 @@
               </a:lnSpc>
             </a:pPr>
             <a:r>
-              <a:rPr lang="en-GB" sz="3600" dirty="0" err="1"/>
-              <a:t>Използвайте</a:t>
-            </a:r>
-            <a:r>
               <a:rPr lang="en-GB" sz="3600" dirty="0"/>
-              <a:t> </a:t>
+              <a:t>Използвайте </a:t>
             </a:r>
             <a:r>
               <a:rPr lang="en-GB" sz="3600" b="1" dirty="0">
@@ -9749,17 +9598,9 @@
                   <a:schemeClr val="bg1"/>
                 </a:solidFill>
               </a:rPr>
-              <a:t>foreach-</a:t>
-            </a:r>
-            <a:r>
-              <a:rPr lang="en-GB" sz="3600" b="1" dirty="0" err="1">
-                <a:solidFill>
-                  <a:schemeClr val="bg1"/>
-                </a:solidFill>
-              </a:rPr>
-              <a:t>цикъл</a:t>
-            </a:r>
-            <a:endParaRPr lang="en-GB" sz="3600" b="1" dirty="0" err="1">
+              <a:t>foreach-цикъл</a:t>
+            </a:r>
+            <a:endParaRPr lang="en-GB" sz="3600" b="1" dirty="0">
               <a:solidFill>
                 <a:schemeClr val="bg1"/>
               </a:solidFill>
@@ -9778,74 +9619,10 @@
                   <a:srgbClr val="234465"/>
                 </a:solidFill>
               </a:rPr>
-              <a:t>Минаваме </a:t>
-            </a:r>
-            <a:r>
-              <a:rPr lang="en-GB" sz="3600" dirty="0" err="1">
-                <a:solidFill>
-                  <a:srgbClr val="234465"/>
-                </a:solidFill>
-              </a:rPr>
-              <a:t>през</a:t>
-            </a:r>
-            <a:r>
-              <a:rPr lang="en-GB" sz="3600" dirty="0">
-                <a:solidFill>
-                  <a:srgbClr val="234465"/>
-                </a:solidFill>
-              </a:rPr>
-              <a:t> </a:t>
-            </a:r>
-            <a:r>
-              <a:rPr lang="en-GB" sz="3600" dirty="0" err="1">
-                <a:solidFill>
-                  <a:srgbClr val="234465"/>
-                </a:solidFill>
-              </a:rPr>
-              <a:t>обекти</a:t>
-            </a:r>
-            <a:r>
-              <a:rPr lang="en-GB" sz="3600" dirty="0">
-                <a:solidFill>
-                  <a:srgbClr val="234465"/>
-                </a:solidFill>
-              </a:rPr>
-              <a:t> </a:t>
-            </a:r>
-            <a:r>
-              <a:rPr lang="en-GB" sz="3600" dirty="0" err="1">
-                <a:solidFill>
-                  <a:srgbClr val="234465"/>
-                </a:solidFill>
-              </a:rPr>
-              <a:t>от</a:t>
-            </a:r>
-            <a:r>
-              <a:rPr lang="en-GB" sz="3600" dirty="0">
-                <a:solidFill>
-                  <a:srgbClr val="234465"/>
-                </a:solidFill>
-              </a:rPr>
-              <a:t> </a:t>
-            </a:r>
-            <a:r>
-              <a:rPr lang="en-GB" sz="3600" dirty="0" err="1">
-                <a:solidFill>
-                  <a:srgbClr val="234465"/>
-                </a:solidFill>
-              </a:rPr>
-              <a:t>тип</a:t>
-            </a:r>
-            <a:r>
-              <a:rPr lang="en-GB" sz="3600" dirty="0">
-                <a:solidFill>
-                  <a:srgbClr val="234465"/>
-                </a:solidFill>
-              </a:rPr>
-              <a:t> </a:t>
-            </a:r>
-            <a:r>
-              <a:rPr lang="en-GB" sz="3600" b="1" dirty="0" err="1">
+              <a:t>Минаваме през обекти от тип </a:t>
+            </a:r>
+            <a:r>
+              <a:rPr lang="en-GB" sz="3600" b="1" dirty="0">
                 <a:solidFill>
                   <a:schemeClr val="bg1"/>
                 </a:solidFill>
@@ -9888,52 +9665,8 @@
               </a:lnSpc>
             </a:pPr>
             <a:r>
-              <a:rPr lang="en-GB" sz="3600" dirty="0" err="1"/>
-              <a:t>Речникът</a:t>
-            </a:r>
-            <a:r>
               <a:rPr lang="en-GB" sz="3600" dirty="0"/>
-              <a:t> </a:t>
-            </a:r>
-            <a:r>
-              <a:rPr lang="en-GB" sz="3600" dirty="0" err="1"/>
-              <a:t>не</a:t>
-            </a:r>
-            <a:r>
-              <a:rPr lang="en-GB" sz="3600" dirty="0"/>
-              <a:t> </a:t>
-            </a:r>
-            <a:r>
-              <a:rPr lang="en-GB" sz="3600" dirty="0" err="1"/>
-              <a:t>може</a:t>
-            </a:r>
-            <a:r>
-              <a:rPr lang="en-GB" sz="3600" dirty="0"/>
-              <a:t> </a:t>
-            </a:r>
-            <a:r>
-              <a:rPr lang="en-GB" sz="3600" dirty="0" err="1"/>
-              <a:t>да</a:t>
-            </a:r>
-            <a:r>
-              <a:rPr lang="en-GB" sz="3600" dirty="0"/>
-              <a:t> </a:t>
-            </a:r>
-            <a:r>
-              <a:rPr lang="en-GB" sz="3600" dirty="0" err="1"/>
-              <a:t>се</a:t>
-            </a:r>
-            <a:r>
-              <a:rPr lang="en-GB" sz="3600" dirty="0"/>
-              <a:t> </a:t>
-            </a:r>
-            <a:r>
-              <a:rPr lang="en-GB" sz="3600" dirty="0" err="1"/>
-              <a:t>модифицира</a:t>
-            </a:r>
-            <a:r>
-              <a:rPr lang="en-GB" sz="3600" dirty="0"/>
-              <a:t>(</a:t>
+              <a:t>Речникът не може да се модифицира(</a:t>
             </a:r>
             <a:r>
               <a:rPr lang="en-GB" sz="3600" b="1" dirty="0">
@@ -9979,26 +9712,10 @@
           <a:lstStyle/>
           <a:p>
             <a:r>
-              <a:rPr lang="en-US" sz="3950" dirty="0" err="1"/>
-              <a:t>Обхождане</a:t>
-            </a:r>
-            <a:r>
               <a:rPr lang="en-US" sz="3950" dirty="0"/>
-              <a:t> </a:t>
-            </a:r>
-            <a:r>
-              <a:rPr lang="en-US" sz="3950" dirty="0" err="1"/>
-              <a:t>на</a:t>
-            </a:r>
-            <a:r>
-              <a:rPr lang="en-US" sz="3950" dirty="0"/>
-              <a:t> </a:t>
-            </a:r>
-            <a:r>
-              <a:rPr lang="en-US" sz="3950" dirty="0" err="1"/>
-              <a:t>речник</a:t>
-            </a:r>
-            <a:endParaRPr lang="bg-BG" dirty="0" err="1"/>
+              <a:t>Обхождане на речник</a:t>
+            </a:r>
+            <a:endParaRPr lang="bg-BG" dirty="0"/>
           </a:p>
         </p:txBody>
       </p:sp>
@@ -10215,7 +9932,7 @@
               <a:defRPr/>
             </a:pPr>
             <a:r>
-              <a:rPr lang="en-GB"/>
+              <a:rPr lang="en-GB" dirty="0"/>
               <a:t>var fruits = new Dictionary&lt;string, double&gt;();</a:t>
             </a:r>
           </a:p>
@@ -10224,7 +9941,7 @@
               <a:defRPr/>
             </a:pPr>
             <a:r>
-              <a:rPr lang="en-GB"/>
+              <a:rPr lang="en-GB" dirty="0"/>
               <a:t>fruits.Add("banana", 2.20);</a:t>
             </a:r>
           </a:p>
@@ -10233,7 +9950,7 @@
               <a:defRPr/>
             </a:pPr>
             <a:r>
-              <a:rPr lang="en-GB"/>
+              <a:rPr lang="en-GB" dirty="0"/>
               <a:t>fruits.Add("kiwi", 4.50);</a:t>
             </a:r>
           </a:p>
@@ -10242,7 +9959,7 @@
               <a:defRPr/>
             </a:pPr>
             <a:r>
-              <a:rPr lang="en-GB"/>
+              <a:rPr lang="en-GB" dirty="0"/>
               <a:t>fruits.Add("orange", 3.20);</a:t>
             </a:r>
           </a:p>
@@ -10251,11 +9968,11 @@
               <a:defRPr/>
             </a:pPr>
             <a:r>
-              <a:rPr lang="en-GB"/>
+              <a:rPr lang="en-GB" dirty="0"/>
               <a:t>foreach (</a:t>
             </a:r>
             <a:r>
-              <a:rPr lang="en-GB">
+              <a:rPr lang="en-GB" dirty="0">
                 <a:solidFill>
                   <a:schemeClr val="bg1"/>
                 </a:solidFill>
@@ -10263,11 +9980,11 @@
               <a:t>var</a:t>
             </a:r>
             <a:r>
-              <a:rPr lang="en-GB"/>
+              <a:rPr lang="en-GB" dirty="0"/>
               <a:t> fruit </a:t>
             </a:r>
             <a:r>
-              <a:rPr lang="en-GB">
+              <a:rPr lang="en-GB" dirty="0">
                 <a:solidFill>
                   <a:schemeClr val="bg1"/>
                 </a:solidFill>
@@ -10275,7 +9992,7 @@
               <a:t>in</a:t>
             </a:r>
             <a:r>
-              <a:rPr lang="en-GB"/>
+              <a:rPr lang="en-GB" dirty="0"/>
               <a:t> fruits)</a:t>
             </a:r>
           </a:p>
@@ -10284,11 +10001,11 @@
               <a:defRPr/>
             </a:pPr>
             <a:r>
-              <a:rPr lang="en-GB"/>
+              <a:rPr lang="en-GB" dirty="0"/>
               <a:t>  Console.WriteLine($"{fruit.</a:t>
             </a:r>
             <a:r>
-              <a:rPr lang="en-GB">
+              <a:rPr lang="en-GB" dirty="0">
                 <a:solidFill>
                   <a:schemeClr val="bg1"/>
                 </a:solidFill>
@@ -10296,11 +10013,11 @@
               <a:t>Key</a:t>
             </a:r>
             <a:r>
-              <a:rPr lang="en-GB"/>
+              <a:rPr lang="en-GB" dirty="0"/>
               <a:t>} -&gt; {fruit.</a:t>
             </a:r>
             <a:r>
-              <a:rPr lang="en-GB">
+              <a:rPr lang="en-GB" dirty="0">
                 <a:solidFill>
                   <a:schemeClr val="bg1"/>
                 </a:solidFill>
@@ -10308,7 +10025,7 @@
               <a:t>Value</a:t>
             </a:r>
             <a:r>
-              <a:rPr lang="en-GB"/>
+              <a:rPr lang="en-GB" dirty="0"/>
               <a:t>}");</a:t>
             </a:r>
           </a:p>
@@ -11044,12 +10761,12 @@
           <a:lstStyle/>
           <a:p>
             <a:r>
-              <a:rPr lang="en-US" sz="5350" dirty="0" err="1">
+              <a:rPr lang="en-US" sz="5350" dirty="0">
                 <a:cs typeface="Arial"/>
               </a:rPr>
               <a:t>Мулти-речници</a:t>
             </a:r>
-            <a:endParaRPr lang="bg-BG" dirty="0" err="1"/>
+            <a:endParaRPr lang="bg-BG" dirty="0"/>
           </a:p>
         </p:txBody>
       </p:sp>
@@ -11123,105 +10840,21 @@
             </a:pPr>
             <a:r>
               <a:rPr lang="en-US" sz="3600" dirty="0"/>
-              <a:t> </a:t>
-            </a:r>
-            <a:r>
-              <a:rPr lang="en-US" sz="3600" dirty="0" err="1"/>
-              <a:t>Речникът</a:t>
+              <a:t> Речникът може да има </a:t>
+            </a:r>
+            <a:r>
+              <a:rPr lang="en-US" sz="3600" b="1" dirty="0">
+                <a:solidFill>
+                  <a:schemeClr val="bg1"/>
+                </a:solidFill>
+              </a:rPr>
+              <a:t>множество от стойности</a:t>
             </a:r>
             <a:r>
               <a:rPr lang="en-US" sz="3600" dirty="0"/>
-              <a:t> </a:t>
-            </a:r>
-            <a:r>
-              <a:rPr lang="en-US" sz="3600" dirty="0" err="1"/>
-              <a:t>може</a:t>
-            </a:r>
-            <a:r>
-              <a:rPr lang="en-US" sz="3600" dirty="0"/>
-              <a:t> </a:t>
-            </a:r>
-            <a:r>
-              <a:rPr lang="en-US" sz="3600" dirty="0" err="1"/>
-              <a:t>да</a:t>
-            </a:r>
-            <a:r>
-              <a:rPr lang="en-US" sz="3600" dirty="0"/>
-              <a:t> </a:t>
-            </a:r>
-            <a:r>
-              <a:rPr lang="en-US" sz="3600" dirty="0" err="1"/>
-              <a:t>има</a:t>
-            </a:r>
-            <a:r>
-              <a:rPr lang="en-US" sz="3600" dirty="0"/>
-              <a:t> </a:t>
-            </a:r>
-            <a:r>
-              <a:rPr lang="en-US" sz="3600" b="1" dirty="0" err="1">
-                <a:solidFill>
-                  <a:schemeClr val="bg1"/>
-                </a:solidFill>
-              </a:rPr>
-              <a:t>множество</a:t>
-            </a:r>
-            <a:r>
-              <a:rPr lang="en-US" sz="3600" b="1" dirty="0">
-                <a:solidFill>
-                  <a:schemeClr val="bg1"/>
-                </a:solidFill>
-              </a:rPr>
-              <a:t> </a:t>
-            </a:r>
-            <a:r>
-              <a:rPr lang="en-US" sz="3600" b="1" dirty="0" err="1">
-                <a:solidFill>
-                  <a:schemeClr val="bg1"/>
-                </a:solidFill>
-              </a:rPr>
-              <a:t>от</a:t>
-            </a:r>
-            <a:r>
-              <a:rPr lang="en-US" sz="3600" b="1" dirty="0">
-                <a:solidFill>
-                  <a:schemeClr val="bg1"/>
-                </a:solidFill>
-              </a:rPr>
-              <a:t> </a:t>
-            </a:r>
-            <a:r>
-              <a:rPr lang="en-US" sz="3600" b="1" dirty="0" err="1">
-                <a:solidFill>
-                  <a:schemeClr val="bg1"/>
-                </a:solidFill>
-              </a:rPr>
-              <a:t>стойности</a:t>
-            </a:r>
-            <a:r>
-              <a:rPr lang="en-US" sz="3600" dirty="0"/>
-              <a:t> </a:t>
-            </a:r>
-            <a:r>
-              <a:rPr lang="en-US" sz="3600" dirty="0" err="1"/>
-              <a:t>за</a:t>
-            </a:r>
-            <a:r>
-              <a:rPr lang="en-US" sz="3600" dirty="0"/>
-              <a:t> </a:t>
-            </a:r>
-            <a:r>
-              <a:rPr lang="en-US" sz="3600" dirty="0" err="1"/>
-              <a:t>даден</a:t>
-            </a:r>
-            <a:r>
-              <a:rPr lang="en-US" sz="3600" dirty="0"/>
-              <a:t> </a:t>
-            </a:r>
-            <a:r>
-              <a:rPr lang="en-US" sz="3600" dirty="0" err="1"/>
-              <a:t>ключ</a:t>
-            </a:r>
-            <a:endParaRPr lang="bg-BG" dirty="0" err="1"/>
+              <a:t> за даден ключ</a:t>
+            </a:r>
+            <a:endParaRPr lang="bg-BG" dirty="0"/>
           </a:p>
           <a:p>
             <a:pPr lvl="1" indent="-360045">
@@ -11233,60 +10866,8 @@
               </a:buClr>
             </a:pPr>
             <a:r>
-              <a:rPr lang="en-US" sz="3400" dirty="0" err="1"/>
-              <a:t>Пример</a:t>
-            </a:r>
-            <a:r>
               <a:rPr lang="en-US" sz="3400" dirty="0"/>
-              <a:t>: </a:t>
-            </a:r>
-            <a:r>
-              <a:rPr lang="en-US" sz="3400" dirty="0" err="1"/>
-              <a:t>студентите</a:t>
-            </a:r>
-            <a:r>
-              <a:rPr lang="en-US" sz="3400" dirty="0"/>
-              <a:t> </a:t>
-            </a:r>
-            <a:r>
-              <a:rPr lang="en-US" sz="3400" dirty="0" err="1"/>
-              <a:t>могат</a:t>
-            </a:r>
-            <a:r>
-              <a:rPr lang="en-US" sz="3400" dirty="0"/>
-              <a:t> </a:t>
-            </a:r>
-            <a:r>
-              <a:rPr lang="en-US" sz="3400" dirty="0" err="1"/>
-              <a:t>да</a:t>
-            </a:r>
-            <a:r>
-              <a:rPr lang="en-US" sz="3400" dirty="0"/>
-              <a:t> </a:t>
-            </a:r>
-            <a:r>
-              <a:rPr lang="en-US" sz="3400" dirty="0" err="1"/>
-              <a:t>имат</a:t>
-            </a:r>
-            <a:r>
-              <a:rPr lang="en-US" sz="3400" dirty="0"/>
-              <a:t> </a:t>
-            </a:r>
-            <a:r>
-              <a:rPr lang="en-US" sz="3400" dirty="0" err="1"/>
-              <a:t>много</a:t>
-            </a:r>
-            <a:r>
-              <a:rPr lang="en-US" sz="3400" dirty="0"/>
-              <a:t> </a:t>
-            </a:r>
-            <a:r>
-              <a:rPr lang="en-US" sz="3400" dirty="0" err="1"/>
-              <a:t>оценки</a:t>
-            </a:r>
-            <a:r>
-              <a:rPr lang="en-US" sz="3400" dirty="0"/>
-              <a:t>:</a:t>
+              <a:t>Пример: студентите могат да имат много оценки:</a:t>
             </a:r>
             <a:endParaRPr lang="en-US" sz="3400" dirty="0">
               <a:cs typeface="Calibri"/>
@@ -11302,16 +10883,10 @@
               </a:buClr>
             </a:pPr>
             <a:r>
-              <a:rPr lang="en-US" sz="3200" dirty="0" err="1">
-                <a:sym typeface="Wingdings" panose="05000000000000000000" pitchFamily="2" charset="2"/>
-              </a:rPr>
-              <a:t>Петър</a:t>
-            </a:r>
-            <a:r>
               <a:rPr lang="en-US" sz="3200" dirty="0">
                 <a:sym typeface="Wingdings" panose="05000000000000000000" pitchFamily="2" charset="2"/>
               </a:rPr>
-              <a:t> [</a:t>
+              <a:t>Петър [</a:t>
             </a:r>
             <a:r>
               <a:rPr lang="en-US" sz="3200" b="1" dirty="0">
@@ -11372,16 +10947,10 @@
               </a:buClr>
             </a:pPr>
             <a:r>
-              <a:rPr lang="en-US" sz="3200" dirty="0" err="1">
-                <a:sym typeface="Wingdings" panose="05000000000000000000" pitchFamily="2" charset="2"/>
-              </a:rPr>
-              <a:t>Кирил</a:t>
-            </a:r>
-            <a:r>
               <a:rPr lang="en-US" sz="3200" dirty="0">
                 <a:sym typeface="Wingdings" panose="05000000000000000000" pitchFamily="2" charset="2"/>
               </a:rPr>
-              <a:t>[</a:t>
+              <a:t>Кирил[</a:t>
             </a:r>
             <a:r>
               <a:rPr lang="en-US" sz="3200" b="1" dirty="0">
@@ -11520,10 +11089,10 @@
           <a:lstStyle/>
           <a:p>
             <a:r>
-              <a:rPr lang="en-US" sz="3950" dirty="0" err="1"/>
+              <a:rPr lang="en-US" sz="3950" dirty="0"/>
               <a:t>Мулти-речник</a:t>
             </a:r>
-            <a:endParaRPr lang="bg-BG" dirty="0" err="1"/>
+            <a:endParaRPr lang="bg-BG" dirty="0"/>
           </a:p>
         </p:txBody>
       </p:sp>
@@ -12504,123 +12073,21 @@
           <a:p>
             <a:pPr marL="360045" indent="-360045"/>
             <a:r>
-              <a:rPr lang="en-US" sz="3600" dirty="0" err="1">
-                <a:cs typeface="Calibri"/>
-              </a:rPr>
-              <a:t>Напишете</a:t>
-            </a:r>
-            <a:r>
               <a:rPr lang="en-US" sz="3600" dirty="0">
                 <a:cs typeface="Calibri"/>
               </a:rPr>
-              <a:t> </a:t>
-            </a:r>
-            <a:r>
-              <a:rPr lang="en-US" sz="3600" dirty="0" err="1">
+              <a:t>Напишете програма, която </a:t>
+            </a:r>
+            <a:r>
+              <a:rPr lang="en-US" sz="3600" b="1" dirty="0">
+                <a:solidFill>
+                  <a:schemeClr val="bg1"/>
+                </a:solidFill>
                 <a:cs typeface="Calibri"/>
               </a:rPr>
-              <a:t>програма</a:t>
-            </a:r>
-            <a:r>
-              <a:rPr lang="en-US" sz="3600" dirty="0">
-                <a:cs typeface="Calibri"/>
-              </a:rPr>
-              <a:t>, </a:t>
-            </a:r>
-            <a:r>
-              <a:rPr lang="en-US" sz="3600" dirty="0" err="1">
-                <a:cs typeface="Calibri"/>
-              </a:rPr>
-              <a:t>която</a:t>
-            </a:r>
-            <a:r>
-              <a:rPr lang="en-US" sz="3600" dirty="0">
-                <a:cs typeface="Calibri"/>
-              </a:rPr>
-              <a:t> </a:t>
-            </a:r>
-            <a:r>
-              <a:rPr lang="en-US" sz="3600" b="1" dirty="0" err="1">
-                <a:solidFill>
-                  <a:schemeClr val="bg1"/>
-                </a:solidFill>
-                <a:cs typeface="Calibri"/>
-              </a:rPr>
-              <a:t>прочита</a:t>
-            </a:r>
-            <a:r>
-              <a:rPr lang="en-US" sz="3600" b="1" dirty="0">
-                <a:solidFill>
-                  <a:schemeClr val="bg1"/>
-                </a:solidFill>
-                <a:cs typeface="Calibri"/>
-              </a:rPr>
-              <a:t> </a:t>
-            </a:r>
-            <a:r>
-              <a:rPr lang="en-US" sz="3600" b="1" dirty="0" err="1">
-                <a:solidFill>
-                  <a:schemeClr val="bg1"/>
-                </a:solidFill>
-                <a:cs typeface="Calibri"/>
-              </a:rPr>
-              <a:t>имената</a:t>
-            </a:r>
-            <a:r>
-              <a:rPr lang="en-US" sz="3600" b="1" dirty="0">
-                <a:solidFill>
-                  <a:schemeClr val="bg1"/>
-                </a:solidFill>
-                <a:cs typeface="Calibri"/>
-              </a:rPr>
-              <a:t> </a:t>
-            </a:r>
-            <a:r>
-              <a:rPr lang="en-US" sz="3600" b="1" dirty="0" err="1">
-                <a:solidFill>
-                  <a:schemeClr val="bg1"/>
-                </a:solidFill>
-                <a:cs typeface="Calibri"/>
-              </a:rPr>
-              <a:t>на</a:t>
-            </a:r>
-            <a:r>
-              <a:rPr lang="en-US" sz="3600" b="1" dirty="0">
-                <a:solidFill>
-                  <a:schemeClr val="bg1"/>
-                </a:solidFill>
-                <a:cs typeface="Calibri"/>
-              </a:rPr>
-              <a:t> </a:t>
-            </a:r>
-            <a:r>
-              <a:rPr lang="en-US" sz="3600" b="1" dirty="0" err="1">
-                <a:solidFill>
-                  <a:schemeClr val="bg1"/>
-                </a:solidFill>
-                <a:cs typeface="Calibri"/>
-              </a:rPr>
-              <a:t>учениците</a:t>
-            </a:r>
-            <a:r>
-              <a:rPr lang="en-US" sz="3600" b="1" dirty="0">
-                <a:solidFill>
-                  <a:schemeClr val="bg1"/>
-                </a:solidFill>
-                <a:cs typeface="Calibri"/>
-              </a:rPr>
-              <a:t> и </a:t>
-            </a:r>
-            <a:r>
-              <a:rPr lang="en-US" sz="3600" b="1" dirty="0" err="1">
-                <a:solidFill>
-                  <a:schemeClr val="bg1"/>
-                </a:solidFill>
-                <a:cs typeface="Calibri"/>
-              </a:rPr>
-              <a:t>оценките</a:t>
-            </a:r>
-            <a:endParaRPr lang="en-US" sz="3600" b="1" dirty="0" err="1">
+              <a:t>прочита имената на учениците и оценките</a:t>
+            </a:r>
+            <a:endParaRPr lang="en-US" sz="3600" b="1" dirty="0">
               <a:solidFill>
                 <a:schemeClr val="bg1"/>
               </a:solidFill>
@@ -12629,66 +12096,10 @@
           <a:p>
             <a:pPr marL="360045" indent="-360045"/>
             <a:r>
-              <a:rPr lang="en-US" sz="3600" dirty="0" err="1"/>
-              <a:t>Отпечатайте</a:t>
-            </a:r>
-            <a:r>
               <a:rPr lang="en-US" sz="3600" dirty="0"/>
-              <a:t> </a:t>
-            </a:r>
-            <a:r>
-              <a:rPr lang="en-US" sz="3600" dirty="0" err="1"/>
-              <a:t>оцениките</a:t>
-            </a:r>
-            <a:r>
-              <a:rPr lang="en-US" sz="3600" dirty="0"/>
-              <a:t> и </a:t>
-            </a:r>
-            <a:r>
-              <a:rPr lang="en-US" sz="3600" dirty="0" err="1"/>
-              <a:t>средно</a:t>
-            </a:r>
-            <a:r>
-              <a:rPr lang="en-US" sz="3600" dirty="0"/>
-              <a:t> </a:t>
-            </a:r>
-            <a:r>
-              <a:rPr lang="en-US" sz="3600" dirty="0" err="1"/>
-              <a:t>аретметичния</a:t>
-            </a:r>
-            <a:r>
-              <a:rPr lang="en-US" sz="3600" dirty="0"/>
-              <a:t> </a:t>
-            </a:r>
-            <a:r>
-              <a:rPr lang="en-US" sz="3600" dirty="0" err="1"/>
-              <a:t>успех</a:t>
-            </a:r>
-            <a:r>
-              <a:rPr lang="en-US" sz="3600" dirty="0"/>
-              <a:t> </a:t>
-            </a:r>
-            <a:r>
-              <a:rPr lang="en-US" sz="3600" dirty="0" err="1"/>
-              <a:t>за</a:t>
-            </a:r>
-            <a:r>
-              <a:rPr lang="en-US" sz="3600" dirty="0"/>
-              <a:t> </a:t>
-            </a:r>
-            <a:r>
-              <a:rPr lang="en-US" sz="3600" dirty="0" err="1"/>
-              <a:t>всеки</a:t>
-            </a:r>
-            <a:r>
-              <a:rPr lang="en-US" sz="3600" dirty="0"/>
-              <a:t> </a:t>
-            </a:r>
-            <a:r>
-              <a:rPr lang="en-US" sz="3600" dirty="0" err="1"/>
-              <a:t>ученик</a:t>
-            </a:r>
-            <a:endParaRPr lang="en-US" sz="3350" dirty="0" err="1">
+              <a:t>Отпечатайте оцениките и средно аретметичния успех за всеки ученик</a:t>
+            </a:r>
+            <a:endParaRPr lang="en-US" sz="3350" dirty="0">
               <a:cs typeface="Calibri"/>
             </a:endParaRPr>
           </a:p>
@@ -12712,48 +12123,8 @@
           <a:lstStyle/>
           <a:p>
             <a:r>
-              <a:rPr lang="en-US" sz="3950" dirty="0" err="1"/>
-              <a:t>Задача</a:t>
-            </a:r>
-            <a:r>
               <a:rPr lang="en-US" sz="3950" dirty="0"/>
-              <a:t>: </a:t>
-            </a:r>
-            <a:r>
-              <a:rPr lang="en-US" sz="3950" dirty="0" err="1"/>
-              <a:t>Средно</a:t>
-            </a:r>
-            <a:r>
-              <a:rPr lang="en-US" sz="3950" dirty="0"/>
-              <a:t> </a:t>
-            </a:r>
-            <a:r>
-              <a:rPr lang="en-US" sz="3950" dirty="0" err="1"/>
-              <a:t>аретметичен</a:t>
-            </a:r>
-            <a:r>
-              <a:rPr lang="en-US" sz="3950" dirty="0"/>
-              <a:t> </a:t>
-            </a:r>
-            <a:r>
-              <a:rPr lang="en-US" sz="3950" dirty="0" err="1"/>
-              <a:t>успех</a:t>
-            </a:r>
-            <a:r>
-              <a:rPr lang="en-US" sz="3950" dirty="0"/>
-              <a:t> </a:t>
-            </a:r>
-            <a:r>
-              <a:rPr lang="en-US" sz="3950" dirty="0" err="1"/>
-              <a:t>на</a:t>
-            </a:r>
-            <a:r>
-              <a:rPr lang="en-US" sz="3950" dirty="0"/>
-              <a:t> </a:t>
-            </a:r>
-            <a:r>
-              <a:rPr lang="en-US" sz="3950" dirty="0" err="1"/>
-              <a:t>ученици</a:t>
+              <a:t>Задача: Средно аретметичен успех на ученици</a:t>
             </a:r>
           </a:p>
         </p:txBody>
@@ -13351,75 +12722,15 @@
           <a:lstStyle/>
           <a:p>
             <a:r>
-              <a:rPr lang="en-US" sz="3300" dirty="0" err="1"/>
-              <a:t>Решение</a:t>
-            </a:r>
-            <a:r>
               <a:rPr lang="en-US" sz="3300" dirty="0"/>
-              <a:t>: </a:t>
-            </a:r>
-            <a:r>
-              <a:rPr lang="en-US" sz="3300" dirty="0" err="1">
-                <a:ea typeface="+mj-lt"/>
-                <a:cs typeface="+mj-lt"/>
-              </a:rPr>
-              <a:t>Средно</a:t>
+              <a:t>Решение: </a:t>
             </a:r>
             <a:r>
               <a:rPr lang="en-US" sz="3300" dirty="0">
                 <a:ea typeface="+mj-lt"/>
                 <a:cs typeface="+mj-lt"/>
               </a:rPr>
-              <a:t> </a:t>
-            </a:r>
-            <a:r>
-              <a:rPr lang="en-US" sz="3300" dirty="0" err="1">
-                <a:ea typeface="+mj-lt"/>
-                <a:cs typeface="+mj-lt"/>
-              </a:rPr>
-              <a:t>аретметичен</a:t>
-            </a:r>
-            <a:r>
-              <a:rPr lang="en-US" sz="3300" dirty="0">
-                <a:ea typeface="+mj-lt"/>
-                <a:cs typeface="+mj-lt"/>
-              </a:rPr>
-              <a:t> </a:t>
-            </a:r>
-            <a:r>
-              <a:rPr lang="en-US" sz="3300" dirty="0" err="1">
-                <a:ea typeface="+mj-lt"/>
-                <a:cs typeface="+mj-lt"/>
-              </a:rPr>
-              <a:t>успех</a:t>
-            </a:r>
-            <a:r>
-              <a:rPr lang="en-US" sz="3300" dirty="0">
-                <a:ea typeface="+mj-lt"/>
-                <a:cs typeface="+mj-lt"/>
-              </a:rPr>
-              <a:t> </a:t>
-            </a:r>
-            <a:r>
-              <a:rPr lang="en-US" sz="3300" dirty="0" err="1">
-                <a:ea typeface="+mj-lt"/>
-                <a:cs typeface="+mj-lt"/>
-              </a:rPr>
-              <a:t>на</a:t>
-            </a:r>
-            <a:r>
-              <a:rPr lang="en-US" sz="3300" dirty="0">
-                <a:ea typeface="+mj-lt"/>
-                <a:cs typeface="+mj-lt"/>
-              </a:rPr>
-              <a:t> </a:t>
-            </a:r>
-            <a:r>
-              <a:rPr lang="en-US" sz="3300" dirty="0" err="1">
-                <a:ea typeface="+mj-lt"/>
-                <a:cs typeface="+mj-lt"/>
-              </a:rPr>
-              <a:t>ученици</a:t>
+              <a:t>Средно аретметичен успех на ученици</a:t>
             </a:r>
             <a:r>
               <a:rPr lang="en-US" sz="3300" dirty="0"/>
@@ -13650,15 +12961,7 @@
             </a:pPr>
             <a:r>
               <a:rPr lang="en-US" sz="2400" dirty="0"/>
-              <a:t>var n = int.Parse(</a:t>
-            </a:r>
-            <a:r>
-              <a:rPr lang="en-US" sz="2400" dirty="0" err="1"/>
-              <a:t>Console.ReadLine</a:t>
-            </a:r>
-            <a:r>
-              <a:rPr lang="en-US" sz="2400" dirty="0"/>
-              <a:t>());</a:t>
+              <a:t>var n = int.Parse(Console.ReadLine());</a:t>
             </a:r>
             <a:endParaRPr lang="bg-BG" sz="2400" dirty="0"/>
           </a:p>
@@ -13861,79 +13164,7 @@
                 </a:solidFill>
                 <a:latin typeface="Consolas"/>
               </a:rPr>
-              <a:t>// </a:t>
-            </a:r>
-            <a:r>
-              <a:rPr lang="en-US" sz="2400" i="1" dirty="0" err="1">
-                <a:solidFill>
-                  <a:schemeClr val="accent2"/>
-                </a:solidFill>
-                <a:latin typeface="Consolas"/>
-              </a:rPr>
-              <a:t>Продължаваме</a:t>
-            </a:r>
-            <a:r>
-              <a:rPr lang="en-US" sz="2400" i="1" dirty="0">
-                <a:solidFill>
-                  <a:schemeClr val="accent2"/>
-                </a:solidFill>
-                <a:latin typeface="Consolas"/>
-              </a:rPr>
-              <a:t> </a:t>
-            </a:r>
-            <a:r>
-              <a:rPr lang="en-US" sz="2400" i="1" dirty="0" err="1">
-                <a:solidFill>
-                  <a:schemeClr val="accent2"/>
-                </a:solidFill>
-                <a:latin typeface="Consolas"/>
-              </a:rPr>
-              <a:t>на</a:t>
-            </a:r>
-            <a:r>
-              <a:rPr lang="en-US" sz="2400" i="1" dirty="0">
-                <a:solidFill>
-                  <a:schemeClr val="accent2"/>
-                </a:solidFill>
-                <a:latin typeface="Consolas"/>
-              </a:rPr>
-              <a:t> </a:t>
-            </a:r>
-            <a:r>
-              <a:rPr lang="en-US" sz="2400" i="1" dirty="0" err="1">
-                <a:solidFill>
-                  <a:schemeClr val="accent2"/>
-                </a:solidFill>
-                <a:latin typeface="Consolas"/>
-              </a:rPr>
-              <a:t>следващият</a:t>
-            </a:r>
-            <a:r>
-              <a:rPr lang="en-US" sz="2400" i="1" dirty="0">
-                <a:solidFill>
-                  <a:schemeClr val="accent2"/>
-                </a:solidFill>
-                <a:latin typeface="Consolas"/>
-              </a:rPr>
-              <a:t> </a:t>
-            </a:r>
-            <a:r>
-              <a:rPr lang="en-US" sz="2400" i="1" dirty="0" err="1">
-                <a:solidFill>
-                  <a:schemeClr val="accent2"/>
-                </a:solidFill>
-                <a:latin typeface="Consolas"/>
-              </a:rPr>
-              <a:t>слайд</a:t>
-            </a:r>
-            <a:r>
-              <a:rPr lang="en-US" sz="2400" i="1" dirty="0">
-                <a:solidFill>
-                  <a:schemeClr val="accent2"/>
-                </a:solidFill>
-                <a:latin typeface="Consolas"/>
-              </a:rPr>
-              <a:t> ... </a:t>
+              <a:t>// Продължаваме на следващият слайд ... </a:t>
             </a:r>
             <a:endParaRPr lang="en-US" sz="2400" i="1" dirty="0">
               <a:solidFill>
@@ -14698,78 +13929,22 @@
           <a:lstStyle/>
           <a:p>
             <a:r>
-              <a:rPr lang="en-US" sz="3300" dirty="0" err="1">
-                <a:ea typeface="+mj-lt"/>
-                <a:cs typeface="+mj-lt"/>
-              </a:rPr>
-              <a:t>Решение</a:t>
-            </a:r>
-            <a:r>
-              <a:rPr lang="en-US" sz="3300" dirty="0"/>
-              <a:t>: </a:t>
-            </a:r>
-            <a:r>
-              <a:rPr lang="en-US" sz="3300" dirty="0" err="1">
-                <a:ea typeface="+mj-lt"/>
-                <a:cs typeface="+mj-lt"/>
-              </a:rPr>
-              <a:t>Средно</a:t>
-            </a:r>
-            <a:r>
               <a:rPr lang="en-US" sz="3300" dirty="0">
                 <a:ea typeface="+mj-lt"/>
                 <a:cs typeface="+mj-lt"/>
               </a:rPr>
-              <a:t> </a:t>
-            </a:r>
-            <a:r>
-              <a:rPr lang="en-US" sz="3300" dirty="0" err="1">
-                <a:ea typeface="+mj-lt"/>
-                <a:cs typeface="+mj-lt"/>
-              </a:rPr>
-              <a:t>аретметичен</a:t>
+              <a:t>Решение</a:t>
+            </a:r>
+            <a:r>
+              <a:rPr lang="en-US" sz="3300" dirty="0"/>
+              <a:t>: </a:t>
             </a:r>
             <a:r>
               <a:rPr lang="en-US" sz="3300" dirty="0">
                 <a:ea typeface="+mj-lt"/>
                 <a:cs typeface="+mj-lt"/>
               </a:rPr>
-              <a:t> </a:t>
-            </a:r>
-            <a:r>
-              <a:rPr lang="en-US" sz="3300" dirty="0" err="1">
-                <a:ea typeface="+mj-lt"/>
-                <a:cs typeface="+mj-lt"/>
-              </a:rPr>
-              <a:t>успех</a:t>
-            </a:r>
-            <a:r>
-              <a:rPr lang="en-US" sz="3300" dirty="0">
-                <a:ea typeface="+mj-lt"/>
-                <a:cs typeface="+mj-lt"/>
-              </a:rPr>
-              <a:t> </a:t>
-            </a:r>
-            <a:r>
-              <a:rPr lang="en-US" sz="3300" dirty="0" err="1">
-                <a:ea typeface="+mj-lt"/>
-                <a:cs typeface="+mj-lt"/>
-              </a:rPr>
-              <a:t>на</a:t>
-            </a:r>
-            <a:r>
-              <a:rPr lang="en-US" sz="3300" dirty="0">
-                <a:ea typeface="+mj-lt"/>
-                <a:cs typeface="+mj-lt"/>
-              </a:rPr>
-              <a:t> </a:t>
-            </a:r>
-            <a:r>
-              <a:rPr lang="en-US" sz="3300" dirty="0" err="1">
-                <a:ea typeface="+mj-lt"/>
-                <a:cs typeface="+mj-lt"/>
-              </a:rPr>
-              <a:t>ученици</a:t>
+              <a:t>Средно аретметичен успех на ученици</a:t>
             </a:r>
             <a:r>
               <a:rPr lang="en-US" sz="3300" dirty="0"/>
@@ -15002,15 +14177,7 @@
             </a:pPr>
             <a:r>
               <a:rPr lang="en-US" sz="2400" dirty="0"/>
-              <a:t>  var name = </a:t>
-            </a:r>
-            <a:r>
-              <a:rPr lang="en-US" sz="2400" dirty="0" err="1"/>
-              <a:t>pair.Key</a:t>
-            </a:r>
-            <a:r>
-              <a:rPr lang="en-US" sz="2400" dirty="0"/>
-              <a:t>;</a:t>
+              <a:t>  var name = pair.Key;</a:t>
             </a:r>
             <a:endParaRPr lang="bg-BG" sz="2400" dirty="0"/>
           </a:p>
@@ -15036,15 +14203,7 @@
             </a:pPr>
             <a:r>
               <a:rPr lang="en-US" sz="2400" dirty="0"/>
-              <a:t>  var studentGrades = </a:t>
-            </a:r>
-            <a:r>
-              <a:rPr lang="en-US" sz="2400" dirty="0" err="1"/>
-              <a:t>pair.Value</a:t>
-            </a:r>
-            <a:r>
-              <a:rPr lang="en-US" sz="2400" dirty="0"/>
-              <a:t>;</a:t>
+              <a:t>  var studentGrades = pair.Value;</a:t>
             </a:r>
             <a:endParaRPr lang="bg-BG" sz="2400" dirty="0"/>
           </a:p>
@@ -15070,15 +14229,7 @@
             </a:pPr>
             <a:r>
               <a:rPr lang="en-US" sz="2400" dirty="0"/>
-              <a:t>  var average = </a:t>
-            </a:r>
-            <a:r>
-              <a:rPr lang="en-US" sz="2400" dirty="0" err="1"/>
-              <a:t>studentGrades.Average</a:t>
-            </a:r>
-            <a:r>
-              <a:rPr lang="en-US" sz="2400" dirty="0"/>
-              <a:t>();</a:t>
+              <a:t>  var average = studentGrades.Average();</a:t>
             </a:r>
             <a:endParaRPr lang="bg-BG" sz="2400" dirty="0"/>
           </a:p>
@@ -15339,28 +14490,16 @@
           <a:p>
             <a:pPr algn="ctr"/>
             <a:r>
-              <a:rPr lang="en-US" sz="1950" dirty="0" err="1"/>
-              <a:t>Тествайте</a:t>
-            </a:r>
-            <a:r>
               <a:rPr lang="en-US" sz="1950" dirty="0"/>
-              <a:t> </a:t>
-            </a:r>
-            <a:r>
-              <a:rPr lang="en-US" sz="1950" dirty="0" err="1"/>
-              <a:t>решението</a:t>
-            </a:r>
-            <a:r>
-              <a:rPr lang="en-US" sz="1950" dirty="0"/>
-              <a:t> в Judge: </a:t>
+              <a:t>Тествайте решението в Judge: </a:t>
             </a:r>
             <a:r>
               <a:rPr lang="en-US" sz="1950" dirty="0">
                 <a:hlinkClick r:id="rId2"/>
               </a:rPr>
-              <a:t>https://judge.softuni.org/Contests/Practice/Index/3178#4</a:t>
-            </a:r>
-            <a:endParaRPr lang="en-US" sz="1950">
+              <a:t>https://judge.softuni.org/Contests/Practice/Index/4160#1</a:t>
+            </a:r>
+            <a:endParaRPr lang="en-US" sz="1950" dirty="0">
               <a:cs typeface="Calibri"/>
             </a:endParaRPr>
           </a:p>
@@ -15813,100 +14952,20 @@
           <a:p>
             <a:pPr marL="360045" indent="-360045"/>
             <a:r>
-              <a:rPr lang="en-US" sz="3600" dirty="0" err="1">
-                <a:cs typeface="Calibri"/>
-              </a:rPr>
-              <a:t>Речници</a:t>
-            </a:r>
-            <a:r>
               <a:rPr lang="en-US" sz="3600" dirty="0">
                 <a:cs typeface="Calibri"/>
               </a:rPr>
-              <a:t> </a:t>
-            </a:r>
-            <a:r>
-              <a:rPr lang="en-US" sz="3600" dirty="0" err="1">
-                <a:cs typeface="Calibri"/>
-              </a:rPr>
-              <a:t>съдържащи</a:t>
-            </a:r>
-            <a:r>
-              <a:rPr lang="en-US" sz="3600" dirty="0">
-                <a:cs typeface="Calibri"/>
-              </a:rPr>
-              <a:t> </a:t>
-            </a:r>
-            <a:r>
-              <a:rPr lang="en-US" sz="3600" dirty="0" err="1">
-                <a:cs typeface="Calibri"/>
-              </a:rPr>
-              <a:t>речници</a:t>
-            </a:r>
-            <a:r>
-              <a:rPr lang="en-US" sz="3600" dirty="0">
-                <a:cs typeface="Calibri"/>
-              </a:rPr>
-              <a:t> </a:t>
-            </a:r>
-            <a:r>
-              <a:rPr lang="en-US" sz="3600" dirty="0" err="1">
-                <a:cs typeface="Calibri"/>
-              </a:rPr>
-              <a:t>като</a:t>
-            </a:r>
-            <a:r>
-              <a:rPr lang="en-US" sz="3600" dirty="0">
-                <a:cs typeface="Calibri"/>
-              </a:rPr>
-              <a:t> </a:t>
-            </a:r>
-            <a:r>
-              <a:rPr lang="en-US" sz="3600" dirty="0" err="1">
-                <a:cs typeface="Calibri"/>
-              </a:rPr>
-              <a:t>стойност</a:t>
-            </a:r>
-            <a:endParaRPr lang="en-US" sz="3600" dirty="0" err="1"/>
+              <a:t>Речници съдържащи речници като стойност</a:t>
+            </a:r>
+            <a:endParaRPr lang="en-US" sz="3600" dirty="0"/>
           </a:p>
           <a:p>
             <a:pPr marL="360045" indent="-360045"/>
             <a:r>
-              <a:rPr lang="en-US" sz="3600" dirty="0" err="1"/>
-              <a:t>Пример</a:t>
-            </a:r>
-            <a:r>
               <a:rPr lang="en-US" sz="3600" dirty="0"/>
-              <a:t>: </a:t>
-            </a:r>
-            <a:r>
-              <a:rPr lang="en-US" sz="3600" dirty="0" err="1"/>
-              <a:t>населенито</a:t>
-            </a:r>
-            <a:r>
-              <a:rPr lang="en-US" sz="3600" dirty="0"/>
-              <a:t> </a:t>
-            </a:r>
-            <a:r>
-              <a:rPr lang="en-US" sz="3600" dirty="0" err="1"/>
-              <a:t>по</a:t>
-            </a:r>
-            <a:r>
-              <a:rPr lang="en-US" sz="3600" dirty="0"/>
-              <a:t> </a:t>
-            </a:r>
-            <a:r>
-              <a:rPr lang="en-US" sz="3600" dirty="0" err="1"/>
-              <a:t>държави</a:t>
-            </a:r>
-            <a:r>
-              <a:rPr lang="en-US" sz="3600" dirty="0"/>
-              <a:t> и </a:t>
-            </a:r>
-            <a:r>
-              <a:rPr lang="en-US" sz="3600" dirty="0" err="1"/>
-              <a:t>градове</a:t>
-            </a:r>
-            <a:endParaRPr lang="en-US" sz="3600" dirty="0" err="1">
+              <a:t>Пример: населенито по държави и градове</a:t>
+            </a:r>
+            <a:endParaRPr lang="en-US" sz="3600" dirty="0">
               <a:cs typeface="Calibri"/>
             </a:endParaRPr>
           </a:p>
@@ -15928,27 +14987,13 @@
           <a:lstStyle/>
           <a:p>
             <a:r>
-              <a:rPr lang="en-US" sz="3950" dirty="0" err="1">
-                <a:ea typeface="+mj-lt"/>
-                <a:cs typeface="+mj-lt"/>
-              </a:rPr>
-              <a:t>Вложени</a:t>
-            </a:r>
-            <a:r>
               <a:rPr lang="en-US" sz="3950" dirty="0">
                 <a:ea typeface="+mj-lt"/>
                 <a:cs typeface="+mj-lt"/>
               </a:rPr>
-              <a:t> </a:t>
-            </a:r>
-            <a:r>
-              <a:rPr lang="en-US" sz="3950" dirty="0" err="1">
-                <a:ea typeface="+mj-lt"/>
-                <a:cs typeface="+mj-lt"/>
-              </a:rPr>
-              <a:t>речници</a:t>
-            </a:r>
-            <a:endParaRPr lang="bg-BG">
+              <a:t>Вложени речници</a:t>
+            </a:r>
+            <a:endParaRPr lang="bg-BG" dirty="0">
               <a:cs typeface="Calibri"/>
             </a:endParaRPr>
           </a:p>
@@ -17309,110 +16354,20 @@
           <a:p>
             <a:pPr marL="360045" indent="-360045"/>
             <a:r>
-              <a:rPr lang="en-GB" sz="3350" dirty="0" err="1">
-                <a:cs typeface="Calibri"/>
-              </a:rPr>
-              <a:t>Ако</a:t>
-            </a:r>
-            <a:r>
               <a:rPr lang="en-GB" sz="3350" dirty="0">
                 <a:cs typeface="Calibri"/>
               </a:rPr>
-              <a:t> </a:t>
-            </a:r>
-            <a:r>
-              <a:rPr lang="en-GB" sz="3350" dirty="0" err="1">
+              <a:t>Ако получите магазин, който съществува просто </a:t>
+            </a:r>
+            <a:r>
+              <a:rPr lang="en-GB" sz="3350" b="1" dirty="0">
+                <a:solidFill>
+                  <a:schemeClr val="bg1"/>
+                </a:solidFill>
                 <a:cs typeface="Calibri"/>
               </a:rPr>
-              <a:t>получите</a:t>
-            </a:r>
-            <a:r>
-              <a:rPr lang="en-GB" sz="3350" dirty="0">
-                <a:cs typeface="Calibri"/>
-              </a:rPr>
-              <a:t> </a:t>
-            </a:r>
-            <a:r>
-              <a:rPr lang="en-GB" sz="3350" dirty="0" err="1">
-                <a:cs typeface="Calibri"/>
-              </a:rPr>
-              <a:t>магазин</a:t>
-            </a:r>
-            <a:r>
-              <a:rPr lang="en-GB" sz="3350" dirty="0">
-                <a:cs typeface="Calibri"/>
-              </a:rPr>
-              <a:t>, </a:t>
-            </a:r>
-            <a:r>
-              <a:rPr lang="en-GB" sz="3350" dirty="0" err="1">
-                <a:cs typeface="Calibri"/>
-              </a:rPr>
-              <a:t>който</a:t>
-            </a:r>
-            <a:r>
-              <a:rPr lang="en-GB" sz="3350" dirty="0">
-                <a:cs typeface="Calibri"/>
-              </a:rPr>
-              <a:t> </a:t>
-            </a:r>
-            <a:r>
-              <a:rPr lang="en-GB" sz="3350" dirty="0" err="1">
-                <a:cs typeface="Calibri"/>
-              </a:rPr>
-              <a:t>съществува</a:t>
-            </a:r>
-            <a:r>
-              <a:rPr lang="en-GB" sz="3350" dirty="0">
-                <a:cs typeface="Calibri"/>
-              </a:rPr>
-              <a:t> </a:t>
-            </a:r>
-            <a:r>
-              <a:rPr lang="en-GB" sz="3350" dirty="0" err="1">
-                <a:cs typeface="Calibri"/>
-              </a:rPr>
-              <a:t>просто</a:t>
-            </a:r>
-            <a:r>
-              <a:rPr lang="en-GB" sz="3350" dirty="0">
-                <a:cs typeface="Calibri"/>
-              </a:rPr>
-              <a:t> </a:t>
-            </a:r>
-            <a:r>
-              <a:rPr lang="en-GB" sz="3350" b="1" dirty="0" err="1">
-                <a:solidFill>
-                  <a:schemeClr val="bg1"/>
-                </a:solidFill>
-                <a:cs typeface="Calibri"/>
-              </a:rPr>
-              <a:t>добавете</a:t>
-            </a:r>
-            <a:r>
-              <a:rPr lang="en-GB" sz="3350" b="1" dirty="0">
-                <a:solidFill>
-                  <a:schemeClr val="bg1"/>
-                </a:solidFill>
-                <a:cs typeface="Calibri"/>
-              </a:rPr>
-              <a:t> </a:t>
-            </a:r>
-            <a:r>
-              <a:rPr lang="en-GB" sz="3350" b="1" dirty="0" err="1">
-                <a:solidFill>
-                  <a:schemeClr val="bg1"/>
-                </a:solidFill>
-                <a:cs typeface="Calibri"/>
-              </a:rPr>
-              <a:t>продукта</a:t>
-            </a:r>
-            <a:endParaRPr lang="en-GB" sz="3350" b="1" dirty="0">
-              <a:solidFill>
-                <a:schemeClr val="bg1"/>
-              </a:solidFill>
-              <a:cs typeface="Calibri"/>
-            </a:endParaRPr>
+              <a:t>добавете продукта</a:t>
+            </a:r>
           </a:p>
           <a:p>
             <a:pPr marL="360045" indent="-360045"/>
@@ -17453,24 +16408,8 @@
           <a:lstStyle/>
           <a:p>
             <a:r>
-              <a:rPr lang="en-US" sz="3950" dirty="0" err="1"/>
-              <a:t>Задача</a:t>
-            </a:r>
-            <a:r>
               <a:rPr lang="en-US" sz="3950" dirty="0"/>
-              <a:t>: </a:t>
-            </a:r>
-            <a:r>
-              <a:rPr lang="en-US" sz="3950" dirty="0" err="1"/>
-              <a:t>Хранителен</a:t>
-            </a:r>
-            <a:r>
-              <a:rPr lang="en-US" sz="3950" dirty="0"/>
-              <a:t> </a:t>
-            </a:r>
-            <a:r>
-              <a:rPr lang="en-US" sz="3950" dirty="0" err="1"/>
-              <a:t>магазин</a:t>
+              <a:t>Задача: Хранителен магазин</a:t>
             </a:r>
           </a:p>
         </p:txBody>
@@ -18358,40 +17297,15 @@
           <a:lstStyle/>
           <a:p>
             <a:r>
-              <a:rPr lang="en-US" sz="3950" dirty="0" err="1"/>
-              <a:t>Решение</a:t>
-            </a:r>
-            <a:r>
               <a:rPr lang="en-US" sz="3950" dirty="0"/>
-              <a:t>: </a:t>
+              <a:t>Решение: </a:t>
             </a:r>
             <a:r>
               <a:rPr lang="en-US" sz="3950" dirty="0">
                 <a:ea typeface="+mj-lt"/>
                 <a:cs typeface="+mj-lt"/>
               </a:rPr>
-              <a:t> </a:t>
-            </a:r>
-            <a:r>
-              <a:rPr lang="en-US" sz="3950" dirty="0" err="1">
-                <a:ea typeface="+mj-lt"/>
-                <a:cs typeface="+mj-lt"/>
-              </a:rPr>
-              <a:t>Хранителен</a:t>
-            </a:r>
-            <a:r>
-              <a:rPr lang="en-US" sz="3950" dirty="0">
-                <a:ea typeface="+mj-lt"/>
-                <a:cs typeface="+mj-lt"/>
-              </a:rPr>
-              <a:t> </a:t>
-            </a:r>
-            <a:r>
-              <a:rPr lang="en-US" sz="3950" dirty="0" err="1">
-                <a:ea typeface="+mj-lt"/>
-                <a:cs typeface="+mj-lt"/>
-              </a:rPr>
-              <a:t>магазин</a:t>
+              <a:t> Хранителен магазин</a:t>
             </a:r>
             <a:r>
               <a:rPr lang="en-US" sz="3950" dirty="0"/>
@@ -18738,79 +17652,7 @@
                 </a:solidFill>
                 <a:latin typeface="Consolas"/>
               </a:rPr>
-              <a:t>// </a:t>
-            </a:r>
-            <a:r>
-              <a:rPr lang="en-US" sz="2400" i="1" dirty="0" err="1">
-                <a:solidFill>
-                  <a:schemeClr val="accent2"/>
-                </a:solidFill>
-                <a:latin typeface="Consolas"/>
-              </a:rPr>
-              <a:t>Продължаваме</a:t>
-            </a:r>
-            <a:r>
-              <a:rPr lang="en-US" sz="2400" i="1" dirty="0">
-                <a:solidFill>
-                  <a:schemeClr val="accent2"/>
-                </a:solidFill>
-                <a:latin typeface="Consolas"/>
-              </a:rPr>
-              <a:t> </a:t>
-            </a:r>
-            <a:r>
-              <a:rPr lang="en-US" sz="2400" i="1" dirty="0" err="1">
-                <a:solidFill>
-                  <a:schemeClr val="accent2"/>
-                </a:solidFill>
-                <a:latin typeface="Consolas"/>
-              </a:rPr>
-              <a:t>на</a:t>
-            </a:r>
-            <a:r>
-              <a:rPr lang="en-US" sz="2400" i="1" dirty="0">
-                <a:solidFill>
-                  <a:schemeClr val="accent2"/>
-                </a:solidFill>
-                <a:latin typeface="Consolas"/>
-              </a:rPr>
-              <a:t> </a:t>
-            </a:r>
-            <a:r>
-              <a:rPr lang="en-US" sz="2400" i="1" dirty="0" err="1">
-                <a:solidFill>
-                  <a:schemeClr val="accent2"/>
-                </a:solidFill>
-                <a:latin typeface="Consolas"/>
-              </a:rPr>
-              <a:t>следващият</a:t>
-            </a:r>
-            <a:r>
-              <a:rPr lang="en-US" sz="2400" i="1" dirty="0">
-                <a:solidFill>
-                  <a:schemeClr val="accent2"/>
-                </a:solidFill>
-                <a:latin typeface="Consolas"/>
-              </a:rPr>
-              <a:t> </a:t>
-            </a:r>
-            <a:r>
-              <a:rPr lang="en-US" sz="2400" i="1" dirty="0" err="1">
-                <a:solidFill>
-                  <a:schemeClr val="accent2"/>
-                </a:solidFill>
-                <a:latin typeface="Consolas"/>
-              </a:rPr>
-              <a:t>слайд</a:t>
-            </a:r>
-            <a:r>
-              <a:rPr lang="en-US" sz="2400" i="1" dirty="0">
-                <a:solidFill>
-                  <a:schemeClr val="accent2"/>
-                </a:solidFill>
-                <a:latin typeface="Consolas"/>
-              </a:rPr>
-              <a:t> ... </a:t>
+              <a:t>// Продължаваме на следващият слайд ... </a:t>
             </a:r>
             <a:endParaRPr lang="en-US" sz="2400" b="0" dirty="0">
               <a:solidFill>
@@ -19300,14 +18142,14 @@
               </a:buClr>
             </a:pPr>
             <a:r>
-              <a:rPr lang="en-US" sz="3550" b="1" dirty="0" err="1">
+              <a:rPr lang="en-US" sz="3550" b="1" dirty="0">
                 <a:solidFill>
                   <a:schemeClr val="bg1"/>
                 </a:solidFill>
               </a:rPr>
               <a:t>Мулти-речници</a:t>
             </a:r>
-            <a:endParaRPr lang="en-US" sz="3550" b="1" dirty="0" err="1">
+            <a:endParaRPr lang="en-US" sz="3550" b="1" dirty="0">
               <a:solidFill>
                 <a:schemeClr val="bg1"/>
               </a:solidFill>
@@ -19317,68 +18159,20 @@
           <a:p>
             <a:pPr lvl="1" indent="-360045"/>
             <a:r>
-              <a:rPr lang="en-US" sz="3350" dirty="0" err="1"/>
-              <a:t>Ключ</a:t>
-            </a:r>
-            <a:r>
               <a:rPr lang="en-US" sz="3350" dirty="0"/>
-              <a:t> с </a:t>
-            </a:r>
-            <a:r>
-              <a:rPr lang="en-US" sz="3350" dirty="0" err="1"/>
-              <a:t>множество</a:t>
-            </a:r>
-            <a:r>
-              <a:rPr lang="en-US" sz="3350" dirty="0"/>
-              <a:t> </a:t>
-            </a:r>
-            <a:r>
-              <a:rPr lang="en-US" sz="3350" dirty="0" err="1"/>
-              <a:t>стойности</a:t>
-            </a:r>
-            <a:endParaRPr lang="en-US" sz="3350" dirty="0" err="1">
+              <a:t>Ключ с множество стойности</a:t>
+            </a:r>
+            <a:endParaRPr lang="en-US" sz="3350" dirty="0">
               <a:cs typeface="Calibri"/>
             </a:endParaRPr>
           </a:p>
           <a:p>
             <a:pPr lvl="1" indent="-360045"/>
             <a:r>
-              <a:rPr lang="en-US" sz="3350" dirty="0" err="1"/>
-              <a:t>Речник</a:t>
-            </a:r>
-            <a:r>
               <a:rPr lang="en-US" sz="3350" dirty="0"/>
-              <a:t>, </a:t>
-            </a:r>
-            <a:r>
-              <a:rPr lang="en-US" sz="3350" dirty="0" err="1"/>
-              <a:t>който</a:t>
-            </a:r>
-            <a:r>
-              <a:rPr lang="en-US" sz="3350" dirty="0"/>
-              <a:t> </a:t>
-            </a:r>
-            <a:r>
-              <a:rPr lang="en-US" sz="3350" dirty="0" err="1"/>
-              <a:t>съдържа</a:t>
-            </a:r>
-            <a:r>
-              <a:rPr lang="en-US" sz="3350" dirty="0"/>
-              <a:t> </a:t>
-            </a:r>
-            <a:r>
-              <a:rPr lang="en-US" sz="3350" dirty="0" err="1"/>
-              <a:t>много</a:t>
-            </a:r>
-            <a:r>
-              <a:rPr lang="en-US" sz="3350" dirty="0"/>
-              <a:t> </a:t>
-            </a:r>
-            <a:r>
-              <a:rPr lang="en-US" sz="3350" dirty="0" err="1"/>
-              <a:t>речници</a:t>
-            </a:r>
-            <a:endParaRPr lang="en-US" sz="3350" dirty="0" err="1">
+              <a:t>Речник, който съдържа много речници</a:t>
+            </a:r>
+            <a:endParaRPr lang="en-US" sz="3350" dirty="0">
               <a:cs typeface="Calibri"/>
             </a:endParaRPr>
           </a:p>
@@ -19495,10 +18289,10 @@
           <a:lstStyle/>
           <a:p>
             <a:r>
-              <a:rPr lang="en-GB" sz="3950" dirty="0" err="1"/>
+              <a:rPr lang="en-GB" sz="3950" dirty="0"/>
               <a:t>Съдържание</a:t>
             </a:r>
-            <a:endParaRPr lang="bg-BG" dirty="0" err="1"/>
+            <a:endParaRPr lang="bg-BG" dirty="0"/>
           </a:p>
         </p:txBody>
       </p:sp>
@@ -20012,40 +18806,15 @@
           <a:lstStyle/>
           <a:p>
             <a:r>
-              <a:rPr lang="en-US" sz="3950" dirty="0" err="1"/>
-              <a:t>Решение</a:t>
-            </a:r>
-            <a:r>
               <a:rPr lang="en-US" sz="3950" dirty="0"/>
-              <a:t>: </a:t>
+              <a:t>Решение: </a:t>
             </a:r>
             <a:r>
               <a:rPr lang="en-US" sz="3950" dirty="0">
                 <a:ea typeface="+mj-lt"/>
                 <a:cs typeface="+mj-lt"/>
               </a:rPr>
-              <a:t> </a:t>
-            </a:r>
-            <a:r>
-              <a:rPr lang="en-US" sz="3950" dirty="0" err="1">
-                <a:ea typeface="+mj-lt"/>
-                <a:cs typeface="+mj-lt"/>
-              </a:rPr>
-              <a:t>Хранителен</a:t>
-            </a:r>
-            <a:r>
-              <a:rPr lang="en-US" sz="3950" dirty="0">
-                <a:ea typeface="+mj-lt"/>
-                <a:cs typeface="+mj-lt"/>
-              </a:rPr>
-              <a:t> </a:t>
-            </a:r>
-            <a:r>
-              <a:rPr lang="en-US" sz="3950" dirty="0" err="1">
-                <a:ea typeface="+mj-lt"/>
-                <a:cs typeface="+mj-lt"/>
-              </a:rPr>
-              <a:t>магазин</a:t>
+              <a:t> Хранителен магазин</a:t>
             </a:r>
             <a:r>
               <a:rPr lang="en-US" sz="3950" dirty="0"/>
@@ -20330,23 +19099,7 @@
             </a:pPr>
             <a:r>
               <a:rPr lang="en-GB" sz="2400" dirty="0"/>
-              <a:t>var orderedShops = </a:t>
-            </a:r>
-            <a:r>
-              <a:rPr lang="en-GB" sz="2400" dirty="0" err="1"/>
-              <a:t>shops.OrderBy</a:t>
-            </a:r>
-            <a:r>
-              <a:rPr lang="en-GB" sz="2400" dirty="0"/>
-              <a:t>(s =&gt; </a:t>
-            </a:r>
-            <a:r>
-              <a:rPr lang="en-GB" sz="2400" dirty="0" err="1"/>
-              <a:t>s.Key</a:t>
-            </a:r>
-            <a:r>
-              <a:rPr lang="en-GB" sz="2400" dirty="0"/>
-              <a:t>)</a:t>
+              <a:t>var orderedShops = shops.OrderBy(s =&gt; s.Key)</a:t>
             </a:r>
           </a:p>
           <a:p>
@@ -20360,15 +19113,7 @@
             </a:pPr>
             <a:r>
               <a:rPr lang="en-GB" sz="2400" dirty="0"/>
-              <a:t>  .ToDictionary(x =&gt; x.Key, x =&gt; </a:t>
-            </a:r>
-            <a:r>
-              <a:rPr lang="en-GB" sz="2400" dirty="0" err="1"/>
-              <a:t>x.Value</a:t>
-            </a:r>
-            <a:r>
-              <a:rPr lang="en-GB" sz="2400" dirty="0"/>
-              <a:t>);</a:t>
+              <a:t>  .ToDictionary(x =&gt; x.Key, x =&gt; x.Value);</a:t>
             </a:r>
             <a:endParaRPr lang="bg-BG" sz="2400" dirty="0"/>
           </a:p>
@@ -20413,54 +19158,9 @@
                 </a:solidFill>
                 <a:latin typeface="Consolas"/>
               </a:rPr>
-              <a:t> </a:t>
-            </a:r>
-            <a:r>
-              <a:rPr lang="en-GB" sz="2400" i="1" dirty="0" err="1">
-                <a:solidFill>
-                  <a:schemeClr val="accent2"/>
-                </a:solidFill>
-                <a:latin typeface="Consolas"/>
-              </a:rPr>
-              <a:t>Отпечатайте</a:t>
-            </a:r>
-            <a:r>
-              <a:rPr lang="en-GB" sz="2400" i="1" dirty="0">
-                <a:solidFill>
-                  <a:schemeClr val="accent2"/>
-                </a:solidFill>
-                <a:latin typeface="Consolas"/>
-              </a:rPr>
-              <a:t> </a:t>
-            </a:r>
-            <a:r>
-              <a:rPr lang="en-GB" sz="2400" i="1" dirty="0" err="1">
-                <a:solidFill>
-                  <a:schemeClr val="accent2"/>
-                </a:solidFill>
-                <a:latin typeface="Consolas"/>
-              </a:rPr>
-              <a:t>сортирания</a:t>
-            </a:r>
-            <a:r>
-              <a:rPr lang="en-GB" sz="2400" i="1" dirty="0">
-                <a:solidFill>
-                  <a:schemeClr val="accent2"/>
-                </a:solidFill>
-                <a:latin typeface="Consolas"/>
-              </a:rPr>
-              <a:t> </a:t>
-            </a:r>
-            <a:r>
-              <a:rPr lang="en-GB" sz="2400" i="1" dirty="0" err="1">
-                <a:solidFill>
-                  <a:schemeClr val="accent2"/>
-                </a:solidFill>
-                <a:latin typeface="Consolas"/>
-              </a:rPr>
-              <a:t>речник</a:t>
-            </a:r>
-            <a:endParaRPr lang="en-US" sz="2400" i="1" dirty="0" err="1">
+              <a:t> Отпечатайте сортирания речник</a:t>
+            </a:r>
+            <a:endParaRPr lang="en-US" sz="2400" i="1" dirty="0">
               <a:solidFill>
                 <a:schemeClr val="accent2"/>
               </a:solidFill>
@@ -20619,28 +19319,16 @@
           <a:p>
             <a:pPr algn="ctr"/>
             <a:r>
-              <a:rPr lang="en-US" sz="1950" dirty="0" err="1"/>
-              <a:t>Тествайте</a:t>
-            </a:r>
-            <a:r>
               <a:rPr lang="en-US" sz="1950" dirty="0"/>
-              <a:t> </a:t>
-            </a:r>
-            <a:r>
-              <a:rPr lang="en-US" sz="1950" dirty="0" err="1"/>
-              <a:t>решението</a:t>
-            </a:r>
-            <a:r>
-              <a:rPr lang="en-US" sz="1950" dirty="0"/>
-              <a:t> в Judge: </a:t>
+              <a:t>Тествайте решението в Judge: </a:t>
             </a:r>
             <a:r>
               <a:rPr lang="en-US" sz="1950" dirty="0">
                 <a:hlinkClick r:id="rId2"/>
               </a:rPr>
-              <a:t>https://judge.softuni.org/Contests/Practice/Index/3178#5</a:t>
-            </a:r>
-            <a:endParaRPr lang="en-US" sz="1950">
+              <a:t>https://judge.softuni.org/Contests/Practice/Index/4160#2</a:t>
+            </a:r>
+            <a:endParaRPr lang="en-US" sz="1950" dirty="0">
               <a:cs typeface="Calibri"/>
             </a:endParaRPr>
           </a:p>
@@ -21047,245 +19735,65 @@
               <a:buChar char="§"/>
             </a:pPr>
             <a:r>
-              <a:rPr lang="en-US" sz="3350" dirty="0" err="1">
-                <a:ea typeface="+mn-lt"/>
-                <a:cs typeface="+mn-lt"/>
-              </a:rPr>
-              <a:t>Напишете</a:t>
-            </a:r>
-            <a:r>
               <a:rPr lang="en-US" sz="3350" dirty="0">
                 <a:ea typeface="+mn-lt"/>
                 <a:cs typeface="+mn-lt"/>
               </a:rPr>
-              <a:t> </a:t>
-            </a:r>
-            <a:r>
-              <a:rPr lang="en-US" sz="3350" dirty="0" err="1">
+              <a:t>Напишете програма, която чете </a:t>
+            </a:r>
+            <a:r>
+              <a:rPr lang="en-US" sz="3350" b="1" dirty="0">
+                <a:solidFill>
+                  <a:schemeClr val="bg1"/>
+                </a:solidFill>
                 <a:ea typeface="+mn-lt"/>
                 <a:cs typeface="+mn-lt"/>
               </a:rPr>
-              <a:t>програма</a:t>
+              <a:t>континенти, държави и </a:t>
+            </a:r>
+            <a:br>
+              <a:rPr lang="en-US" sz="3350" b="1" dirty="0">
+                <a:solidFill>
+                  <a:schemeClr val="bg1"/>
+                </a:solidFill>
+                <a:ea typeface="+mn-lt"/>
+                <a:cs typeface="+mn-lt"/>
+              </a:rPr>
+            </a:br>
+            <a:r>
+              <a:rPr lang="en-US" sz="3350" b="1" dirty="0">
+                <a:solidFill>
+                  <a:schemeClr val="bg1"/>
+                </a:solidFill>
+                <a:ea typeface="+mn-lt"/>
+                <a:cs typeface="+mn-lt"/>
+              </a:rPr>
+              <a:t>градове</a:t>
             </a:r>
             <a:r>
               <a:rPr lang="en-US" sz="3350" dirty="0">
                 <a:ea typeface="+mn-lt"/>
                 <a:cs typeface="+mn-lt"/>
               </a:rPr>
-              <a:t>, </a:t>
-            </a:r>
-            <a:r>
-              <a:rPr lang="en-US" sz="3350" dirty="0" err="1">
+              <a:t>. След това ги сложете в </a:t>
+            </a:r>
+            <a:r>
+              <a:rPr lang="en-US" sz="3350" b="1" dirty="0">
+                <a:solidFill>
+                  <a:schemeClr val="bg1"/>
+                </a:solidFill>
                 <a:ea typeface="+mn-lt"/>
                 <a:cs typeface="+mn-lt"/>
               </a:rPr>
-              <a:t>която</a:t>
+              <a:t>сложен списък</a:t>
             </a:r>
             <a:r>
               <a:rPr lang="en-US" sz="3350" dirty="0">
                 <a:ea typeface="+mn-lt"/>
                 <a:cs typeface="+mn-lt"/>
               </a:rPr>
-              <a:t> </a:t>
-            </a:r>
-            <a:r>
-              <a:rPr lang="en-US" sz="3350" dirty="0" err="1">
-                <a:ea typeface="+mn-lt"/>
-                <a:cs typeface="+mn-lt"/>
-              </a:rPr>
-              <a:t>чете</a:t>
-            </a:r>
-            <a:r>
-              <a:rPr lang="en-US" sz="3350" dirty="0">
-                <a:ea typeface="+mn-lt"/>
-                <a:cs typeface="+mn-lt"/>
-              </a:rPr>
-              <a:t> </a:t>
-            </a:r>
-            <a:r>
-              <a:rPr lang="en-US" sz="3350" b="1" dirty="0" err="1">
-                <a:solidFill>
-                  <a:schemeClr val="bg1"/>
-                </a:solidFill>
-                <a:ea typeface="+mn-lt"/>
-                <a:cs typeface="+mn-lt"/>
-              </a:rPr>
-              <a:t>континенти</a:t>
-            </a:r>
-            <a:r>
-              <a:rPr lang="en-US" sz="3350" b="1" dirty="0">
-                <a:solidFill>
-                  <a:schemeClr val="bg1"/>
-                </a:solidFill>
-                <a:ea typeface="+mn-lt"/>
-                <a:cs typeface="+mn-lt"/>
-              </a:rPr>
-              <a:t>, </a:t>
-            </a:r>
-            <a:r>
-              <a:rPr lang="en-US" sz="3350" b="1" dirty="0" err="1">
-                <a:solidFill>
-                  <a:schemeClr val="bg1"/>
-                </a:solidFill>
-                <a:ea typeface="+mn-lt"/>
-                <a:cs typeface="+mn-lt"/>
-              </a:rPr>
-              <a:t>държави</a:t>
-            </a:r>
-            <a:r>
-              <a:rPr lang="en-US" sz="3350" b="1" dirty="0">
-                <a:solidFill>
-                  <a:schemeClr val="bg1"/>
-                </a:solidFill>
-                <a:ea typeface="+mn-lt"/>
-                <a:cs typeface="+mn-lt"/>
-              </a:rPr>
-              <a:t> и </a:t>
-            </a:r>
-            <a:br>
-              <a:rPr lang="en-US" sz="3350" b="1" dirty="0">
-                <a:solidFill>
-                  <a:schemeClr val="bg1"/>
-                </a:solidFill>
-                <a:ea typeface="+mn-lt"/>
-                <a:cs typeface="+mn-lt"/>
-              </a:rPr>
-            </a:br>
-            <a:r>
-              <a:rPr lang="en-US" sz="3350" b="1" dirty="0" err="1">
-                <a:solidFill>
-                  <a:schemeClr val="bg1"/>
-                </a:solidFill>
-                <a:ea typeface="+mn-lt"/>
-                <a:cs typeface="+mn-lt"/>
-              </a:rPr>
-              <a:t>градове</a:t>
-            </a:r>
-            <a:r>
-              <a:rPr lang="en-US" sz="3350" dirty="0">
-                <a:ea typeface="+mn-lt"/>
-                <a:cs typeface="+mn-lt"/>
-              </a:rPr>
-              <a:t>. </a:t>
-            </a:r>
-            <a:r>
-              <a:rPr lang="en-US" sz="3350" dirty="0" err="1">
-                <a:ea typeface="+mn-lt"/>
-                <a:cs typeface="+mn-lt"/>
-              </a:rPr>
-              <a:t>След</a:t>
-            </a:r>
-            <a:r>
-              <a:rPr lang="en-US" sz="3350" dirty="0">
-                <a:ea typeface="+mn-lt"/>
-                <a:cs typeface="+mn-lt"/>
-              </a:rPr>
-              <a:t> </a:t>
-            </a:r>
-            <a:r>
-              <a:rPr lang="en-US" sz="3350" dirty="0" err="1">
-                <a:ea typeface="+mn-lt"/>
-                <a:cs typeface="+mn-lt"/>
-              </a:rPr>
-              <a:t>това</a:t>
-            </a:r>
-            <a:r>
-              <a:rPr lang="en-US" sz="3350" dirty="0">
-                <a:ea typeface="+mn-lt"/>
-                <a:cs typeface="+mn-lt"/>
-              </a:rPr>
-              <a:t> </a:t>
-            </a:r>
-            <a:r>
-              <a:rPr lang="en-US" sz="3350" dirty="0" err="1">
-                <a:ea typeface="+mn-lt"/>
-                <a:cs typeface="+mn-lt"/>
-              </a:rPr>
-              <a:t>ги</a:t>
-            </a:r>
-            <a:r>
-              <a:rPr lang="en-US" sz="3350" dirty="0">
-                <a:ea typeface="+mn-lt"/>
-                <a:cs typeface="+mn-lt"/>
-              </a:rPr>
-              <a:t> </a:t>
-            </a:r>
-            <a:r>
-              <a:rPr lang="en-US" sz="3350" dirty="0" err="1">
-                <a:ea typeface="+mn-lt"/>
-                <a:cs typeface="+mn-lt"/>
-              </a:rPr>
-              <a:t>сложете</a:t>
-            </a:r>
-            <a:r>
-              <a:rPr lang="en-US" sz="3350" dirty="0">
-                <a:ea typeface="+mn-lt"/>
-                <a:cs typeface="+mn-lt"/>
-              </a:rPr>
-              <a:t> в </a:t>
-            </a:r>
-            <a:r>
-              <a:rPr lang="en-US" sz="3350" b="1" dirty="0" err="1">
-                <a:solidFill>
-                  <a:schemeClr val="bg1"/>
-                </a:solidFill>
-                <a:ea typeface="+mn-lt"/>
-                <a:cs typeface="+mn-lt"/>
-              </a:rPr>
-              <a:t>сложен</a:t>
-            </a:r>
-            <a:r>
-              <a:rPr lang="en-US" sz="3350" b="1" dirty="0">
-                <a:solidFill>
-                  <a:schemeClr val="bg1"/>
-                </a:solidFill>
-                <a:ea typeface="+mn-lt"/>
-                <a:cs typeface="+mn-lt"/>
-              </a:rPr>
-              <a:t> </a:t>
-            </a:r>
-            <a:r>
-              <a:rPr lang="en-US" sz="3350" b="1" dirty="0" err="1">
-                <a:solidFill>
-                  <a:schemeClr val="bg1"/>
-                </a:solidFill>
-                <a:ea typeface="+mn-lt"/>
-                <a:cs typeface="+mn-lt"/>
-              </a:rPr>
-              <a:t>списък</a:t>
-            </a:r>
-            <a:r>
-              <a:rPr lang="en-US" sz="3350" dirty="0">
-                <a:ea typeface="+mn-lt"/>
-                <a:cs typeface="+mn-lt"/>
-              </a:rPr>
-              <a:t> и </a:t>
-            </a:r>
-            <a:r>
-              <a:rPr lang="en-US" sz="3350" dirty="0" err="1">
-                <a:ea typeface="+mn-lt"/>
-                <a:cs typeface="+mn-lt"/>
-              </a:rPr>
-              <a:t>ги</a:t>
-            </a:r>
-            <a:r>
-              <a:rPr lang="en-US" sz="3350" dirty="0">
-                <a:ea typeface="+mn-lt"/>
-                <a:cs typeface="+mn-lt"/>
-              </a:rPr>
-              <a:t> </a:t>
-            </a:r>
-            <a:r>
-              <a:rPr lang="en-US" sz="3350" dirty="0" err="1">
-                <a:ea typeface="+mn-lt"/>
-                <a:cs typeface="+mn-lt"/>
-              </a:rPr>
-              <a:t>отпечатайте</a:t>
-            </a:r>
-            <a:endParaRPr lang="en-US" sz="3350" dirty="0">
-              <a:ea typeface="+mn-lt"/>
-              <a:cs typeface="+mn-lt"/>
-            </a:endParaRPr>
+              <a:t> и ги отпечатайте</a:t>
+            </a:r>
           </a:p>
           <a:p>
             <a:pPr marL="0" indent="0">
@@ -21313,42 +19821,10 @@
           <a:lstStyle/>
           <a:p>
             <a:r>
-              <a:rPr lang="en-US" sz="3950" dirty="0" err="1"/>
-              <a:t>Задача</a:t>
-            </a:r>
-            <a:r>
               <a:rPr lang="en-US" sz="3950" dirty="0"/>
-              <a:t>: </a:t>
-            </a:r>
-            <a:r>
-              <a:rPr lang="en-US" sz="3950" dirty="0" err="1"/>
-              <a:t>Градове</a:t>
-            </a:r>
-            <a:r>
-              <a:rPr lang="en-US" sz="3950" dirty="0"/>
-              <a:t> </a:t>
-            </a:r>
-            <a:r>
-              <a:rPr lang="en-US" sz="3950" dirty="0" err="1"/>
-              <a:t>по</a:t>
-            </a:r>
-            <a:r>
-              <a:rPr lang="en-US" sz="3950" dirty="0"/>
-              <a:t> </a:t>
-            </a:r>
-            <a:r>
-              <a:rPr lang="en-US" sz="3950" dirty="0" err="1"/>
-              <a:t>континент</a:t>
-            </a:r>
-            <a:r>
-              <a:rPr lang="en-US" sz="3950" dirty="0"/>
-              <a:t> и </a:t>
-            </a:r>
-            <a:r>
-              <a:rPr lang="en-US" sz="3950" dirty="0" err="1"/>
-              <a:t>държава</a:t>
-            </a:r>
-            <a:endParaRPr lang="en-US" sz="3950" dirty="0" err="1">
+              <a:t>Задача: Градове по континент и държава</a:t>
+            </a:r>
+            <a:endParaRPr lang="en-US" sz="3950" dirty="0">
               <a:cs typeface="Calibri"/>
             </a:endParaRPr>
           </a:p>
@@ -21954,61 +20430,15 @@
           <a:lstStyle/>
           <a:p>
             <a:r>
-              <a:rPr lang="en-US" sz="3950" dirty="0" err="1"/>
-              <a:t>Решение</a:t>
-            </a:r>
-            <a:r>
               <a:rPr lang="en-US" sz="3950" dirty="0"/>
-              <a:t>: </a:t>
-            </a:r>
-            <a:r>
-              <a:rPr lang="en-US" sz="3950" dirty="0" err="1">
-                <a:ea typeface="+mj-lt"/>
-                <a:cs typeface="+mj-lt"/>
-              </a:rPr>
-              <a:t>Градове</a:t>
+              <a:t>Решение: </a:t>
             </a:r>
             <a:r>
               <a:rPr lang="en-US" sz="3950" dirty="0">
                 <a:ea typeface="+mj-lt"/>
                 <a:cs typeface="+mj-lt"/>
               </a:rPr>
-              <a:t> </a:t>
-            </a:r>
-            <a:r>
-              <a:rPr lang="en-US" sz="3950" dirty="0" err="1">
-                <a:ea typeface="+mj-lt"/>
-                <a:cs typeface="+mj-lt"/>
-              </a:rPr>
-              <a:t>по</a:t>
-            </a:r>
-            <a:r>
-              <a:rPr lang="en-US" sz="3950" dirty="0">
-                <a:ea typeface="+mj-lt"/>
-                <a:cs typeface="+mj-lt"/>
-              </a:rPr>
-              <a:t> </a:t>
-            </a:r>
-            <a:r>
-              <a:rPr lang="en-US" sz="3950" dirty="0" err="1">
-                <a:ea typeface="+mj-lt"/>
-                <a:cs typeface="+mj-lt"/>
-              </a:rPr>
-              <a:t>континент</a:t>
-            </a:r>
-            <a:r>
-              <a:rPr lang="en-US" sz="3950" dirty="0">
-                <a:ea typeface="+mj-lt"/>
-                <a:cs typeface="+mj-lt"/>
-              </a:rPr>
-              <a:t> и </a:t>
-            </a:r>
-            <a:r>
-              <a:rPr lang="en-US" sz="3950" dirty="0" err="1">
-                <a:ea typeface="+mj-lt"/>
-                <a:cs typeface="+mj-lt"/>
-              </a:rPr>
-              <a:t>държава</a:t>
+              <a:t>Градове по континент и държава</a:t>
             </a:r>
             <a:r>
               <a:rPr lang="en-US" sz="3950" dirty="0"/>
@@ -22243,15 +20673,7 @@
             </a:pPr>
             <a:r>
               <a:rPr lang="en-US" sz="2400" dirty="0"/>
-              <a:t>var n = int.Parse(</a:t>
-            </a:r>
-            <a:r>
-              <a:rPr lang="en-US" sz="2400" dirty="0" err="1"/>
-              <a:t>Console.ReadLine</a:t>
-            </a:r>
-            <a:r>
-              <a:rPr lang="en-US" sz="2400" dirty="0"/>
-              <a:t>());</a:t>
+              <a:t>var n = int.Parse(Console.ReadLine());</a:t>
             </a:r>
             <a:endParaRPr lang="bg-BG" sz="2400" dirty="0"/>
           </a:p>
@@ -22358,79 +20780,7 @@
                 </a:solidFill>
                 <a:latin typeface="Consolas"/>
               </a:rPr>
-              <a:t>// </a:t>
-            </a:r>
-            <a:r>
-              <a:rPr lang="en-US" sz="2400" i="1" dirty="0" err="1">
-                <a:solidFill>
-                  <a:schemeClr val="accent2"/>
-                </a:solidFill>
-                <a:latin typeface="Consolas"/>
-              </a:rPr>
-              <a:t>Продължаваме</a:t>
-            </a:r>
-            <a:r>
-              <a:rPr lang="en-US" sz="2400" i="1" dirty="0">
-                <a:solidFill>
-                  <a:schemeClr val="accent2"/>
-                </a:solidFill>
-                <a:latin typeface="Consolas"/>
-              </a:rPr>
-              <a:t> </a:t>
-            </a:r>
-            <a:r>
-              <a:rPr lang="en-US" sz="2400" i="1" dirty="0" err="1">
-                <a:solidFill>
-                  <a:schemeClr val="accent2"/>
-                </a:solidFill>
-                <a:latin typeface="Consolas"/>
-              </a:rPr>
-              <a:t>на</a:t>
-            </a:r>
-            <a:r>
-              <a:rPr lang="en-US" sz="2400" i="1" dirty="0">
-                <a:solidFill>
-                  <a:schemeClr val="accent2"/>
-                </a:solidFill>
-                <a:latin typeface="Consolas"/>
-              </a:rPr>
-              <a:t> </a:t>
-            </a:r>
-            <a:r>
-              <a:rPr lang="en-US" sz="2400" i="1" dirty="0" err="1">
-                <a:solidFill>
-                  <a:schemeClr val="accent2"/>
-                </a:solidFill>
-                <a:latin typeface="Consolas"/>
-              </a:rPr>
-              <a:t>следващият</a:t>
-            </a:r>
-            <a:r>
-              <a:rPr lang="en-US" sz="2400" i="1" dirty="0">
-                <a:solidFill>
-                  <a:schemeClr val="accent2"/>
-                </a:solidFill>
-                <a:latin typeface="Consolas"/>
-              </a:rPr>
-              <a:t> </a:t>
-            </a:r>
-            <a:r>
-              <a:rPr lang="en-US" sz="2400" i="1" dirty="0" err="1">
-                <a:solidFill>
-                  <a:schemeClr val="accent2"/>
-                </a:solidFill>
-                <a:latin typeface="Consolas"/>
-              </a:rPr>
-              <a:t>слайд</a:t>
-            </a:r>
-            <a:r>
-              <a:rPr lang="en-US" sz="2400" i="1" dirty="0">
-                <a:solidFill>
-                  <a:schemeClr val="accent2"/>
-                </a:solidFill>
-                <a:latin typeface="Consolas"/>
-              </a:rPr>
-              <a:t> ... </a:t>
+              <a:t>// Продължаваме на следващият слайд ... </a:t>
             </a:r>
             <a:endParaRPr lang="en-US" sz="2400" b="0" dirty="0">
               <a:solidFill>
@@ -22858,64 +21208,22 @@
           <a:lstStyle/>
           <a:p>
             <a:r>
-              <a:rPr lang="en-US" sz="3950" dirty="0" err="1">
-                <a:ea typeface="+mj-lt"/>
-                <a:cs typeface="+mj-lt"/>
-              </a:rPr>
-              <a:t>Решение</a:t>
-            </a:r>
-            <a:r>
-              <a:rPr lang="en-US" sz="3950" dirty="0"/>
-              <a:t>: </a:t>
-            </a:r>
-            <a:r>
-              <a:rPr lang="en-US" sz="3950" dirty="0" err="1">
-                <a:ea typeface="+mj-lt"/>
-                <a:cs typeface="+mj-lt"/>
-              </a:rPr>
-              <a:t>Градове</a:t>
-            </a:r>
-            <a:r>
               <a:rPr lang="en-US" sz="3950" dirty="0">
                 <a:ea typeface="+mj-lt"/>
                 <a:cs typeface="+mj-lt"/>
               </a:rPr>
-              <a:t> </a:t>
-            </a:r>
-            <a:r>
-              <a:rPr lang="en-US" sz="3950" dirty="0" err="1">
-                <a:ea typeface="+mj-lt"/>
-                <a:cs typeface="+mj-lt"/>
-              </a:rPr>
-              <a:t>по</a:t>
+              <a:t>Решение</a:t>
+            </a:r>
+            <a:r>
+              <a:rPr lang="en-US" sz="3950" dirty="0"/>
+              <a:t>: </a:t>
             </a:r>
             <a:r>
               <a:rPr lang="en-US" sz="3950" dirty="0">
                 <a:ea typeface="+mj-lt"/>
                 <a:cs typeface="+mj-lt"/>
               </a:rPr>
-              <a:t> </a:t>
-            </a:r>
-            <a:r>
-              <a:rPr lang="en-US" sz="3950" dirty="0" err="1">
-                <a:ea typeface="+mj-lt"/>
-                <a:cs typeface="+mj-lt"/>
-              </a:rPr>
-              <a:t>континент</a:t>
-            </a:r>
-            <a:r>
-              <a:rPr lang="en-US" sz="3950" dirty="0">
-                <a:ea typeface="+mj-lt"/>
-                <a:cs typeface="+mj-lt"/>
-              </a:rPr>
-              <a:t> и </a:t>
-            </a:r>
-            <a:r>
-              <a:rPr lang="en-US" sz="3950" dirty="0" err="1">
-                <a:ea typeface="+mj-lt"/>
-                <a:cs typeface="+mj-lt"/>
-              </a:rPr>
-              <a:t>държава</a:t>
+              <a:t>Градове по континент и държава</a:t>
             </a:r>
             <a:r>
               <a:rPr lang="en-US" sz="3950" dirty="0"/>
@@ -24180,71 +22488,22 @@
           <a:lstStyle/>
           <a:p>
             <a:r>
-              <a:rPr lang="en-US" sz="3950" dirty="0" err="1">
-                <a:ea typeface="+mj-lt"/>
-                <a:cs typeface="+mj-lt"/>
-              </a:rPr>
-              <a:t>Решение</a:t>
-            </a:r>
-            <a:r>
-              <a:rPr lang="en-US" sz="3950" dirty="0"/>
-              <a:t>:</a:t>
-            </a:r>
-            <a:r>
               <a:rPr lang="en-US" sz="3950" dirty="0">
                 <a:ea typeface="+mj-lt"/>
                 <a:cs typeface="+mj-lt"/>
               </a:rPr>
-              <a:t> </a:t>
-            </a:r>
-            <a:r>
-              <a:rPr lang="en-US" sz="3950" dirty="0" err="1">
-                <a:ea typeface="+mj-lt"/>
-                <a:cs typeface="+mj-lt"/>
-              </a:rPr>
-              <a:t>Градове</a:t>
+              <a:t>Решение</a:t>
+            </a:r>
+            <a:r>
+              <a:rPr lang="en-US" sz="3950" dirty="0"/>
+              <a:t>:</a:t>
             </a:r>
             <a:r>
               <a:rPr lang="en-US" sz="3950" dirty="0">
                 <a:ea typeface="+mj-lt"/>
                 <a:cs typeface="+mj-lt"/>
               </a:rPr>
-              <a:t> </a:t>
-            </a:r>
-            <a:r>
-              <a:rPr lang="en-US" sz="3950" dirty="0" err="1">
-                <a:ea typeface="+mj-lt"/>
-                <a:cs typeface="+mj-lt"/>
-              </a:rPr>
-              <a:t>по</a:t>
-            </a:r>
-            <a:r>
-              <a:rPr lang="en-US" sz="3950" dirty="0">
-                <a:ea typeface="+mj-lt"/>
-                <a:cs typeface="+mj-lt"/>
-              </a:rPr>
-              <a:t> </a:t>
-            </a:r>
-            <a:r>
-              <a:rPr lang="en-US" sz="3950" dirty="0" err="1">
-                <a:ea typeface="+mj-lt"/>
-                <a:cs typeface="+mj-lt"/>
-              </a:rPr>
-              <a:t>континент</a:t>
-            </a:r>
-            <a:r>
-              <a:rPr lang="en-US" sz="3950" dirty="0">
-                <a:ea typeface="+mj-lt"/>
-                <a:cs typeface="+mj-lt"/>
-              </a:rPr>
-              <a:t> и </a:t>
-            </a:r>
-            <a:r>
-              <a:rPr lang="en-US" sz="3950" dirty="0" err="1">
-                <a:ea typeface="+mj-lt"/>
-                <a:cs typeface="+mj-lt"/>
-              </a:rPr>
-              <a:t>държава</a:t>
+              <a:t> Градове по континент и държава</a:t>
             </a:r>
             <a:r>
               <a:rPr lang="en-US" sz="3950" dirty="0"/>
@@ -24562,72 +22821,9 @@
                 </a:solidFill>
                 <a:latin typeface="Consolas"/>
               </a:rPr>
-              <a:t> </a:t>
-            </a:r>
-            <a:r>
-              <a:rPr lang="en-US" sz="2400" i="1" dirty="0" err="1">
-                <a:solidFill>
-                  <a:schemeClr val="accent2"/>
-                </a:solidFill>
-                <a:latin typeface="Consolas"/>
-              </a:rPr>
-              <a:t>Отпечатайте</a:t>
-            </a:r>
-            <a:r>
-              <a:rPr lang="en-US" sz="2400" i="1" dirty="0">
-                <a:solidFill>
-                  <a:schemeClr val="accent2"/>
-                </a:solidFill>
-                <a:latin typeface="Consolas"/>
-              </a:rPr>
-              <a:t> </a:t>
-            </a:r>
-            <a:r>
-              <a:rPr lang="en-US" sz="2400" i="1" dirty="0" err="1">
-                <a:solidFill>
-                  <a:schemeClr val="accent2"/>
-                </a:solidFill>
-                <a:latin typeface="Consolas"/>
-              </a:rPr>
-              <a:t>държавите</a:t>
-            </a:r>
-            <a:r>
-              <a:rPr lang="en-US" sz="2400" i="1" dirty="0">
-                <a:solidFill>
-                  <a:schemeClr val="accent2"/>
-                </a:solidFill>
-                <a:latin typeface="Consolas"/>
-              </a:rPr>
-              <a:t> с </a:t>
-            </a:r>
-            <a:r>
-              <a:rPr lang="en-US" sz="2400" i="1" dirty="0" err="1">
-                <a:solidFill>
-                  <a:schemeClr val="accent2"/>
-                </a:solidFill>
-                <a:latin typeface="Consolas"/>
-              </a:rPr>
-              <a:t>нейните</a:t>
-            </a:r>
-            <a:r>
-              <a:rPr lang="en-US" sz="2400" i="1" dirty="0">
-                <a:solidFill>
-                  <a:schemeClr val="accent2"/>
-                </a:solidFill>
-                <a:latin typeface="Consolas"/>
-              </a:rPr>
-              <a:t> </a:t>
-            </a:r>
-            <a:r>
-              <a:rPr lang="en-US" sz="2400" i="1" dirty="0" err="1">
-                <a:solidFill>
-                  <a:schemeClr val="accent2"/>
-                </a:solidFill>
-                <a:latin typeface="Consolas"/>
-              </a:rPr>
-              <a:t>градове</a:t>
-            </a:r>
-            <a:endParaRPr lang="en-US" sz="2400" i="1" dirty="0" err="1">
+              <a:t> Отпечатайте държавите с нейните градове</a:t>
+            </a:r>
+            <a:endParaRPr lang="en-US" sz="2400" i="1" dirty="0">
               <a:solidFill>
                 <a:schemeClr val="accent2"/>
               </a:solidFill>
@@ -24807,28 +23003,16 @@
           <a:p>
             <a:pPr algn="ctr"/>
             <a:r>
-              <a:rPr lang="en-US" sz="1950" dirty="0" err="1"/>
-              <a:t>Тествайте</a:t>
-            </a:r>
-            <a:r>
               <a:rPr lang="en-US" sz="1950" dirty="0"/>
-              <a:t> </a:t>
-            </a:r>
-            <a:r>
-              <a:rPr lang="en-US" sz="1950" dirty="0" err="1"/>
-              <a:t>решението</a:t>
-            </a:r>
-            <a:r>
-              <a:rPr lang="en-US" sz="1950" dirty="0"/>
-              <a:t> в Judge: </a:t>
+              <a:t>Тествайте решението в Judge: </a:t>
             </a:r>
             <a:r>
               <a:rPr lang="en-US" sz="1950" dirty="0">
                 <a:hlinkClick r:id="rId2"/>
               </a:rPr>
-              <a:t>https://judge.softuni.org/Contests/Practice/Index/3178#6</a:t>
-            </a:r>
-            <a:endParaRPr lang="en-US" sz="1950">
+              <a:t>https://judge.softuni.org/Contests/Practice/Index/4160#3</a:t>
+            </a:r>
+            <a:endParaRPr lang="en-US" sz="1950" dirty="0">
               <a:cs typeface="Calibri"/>
             </a:endParaRPr>
           </a:p>
@@ -25309,19 +23493,7 @@
               <a:rPr lang="en-GB" sz="5350" dirty="0">
                 <a:cs typeface="Arial"/>
               </a:rPr>
-              <a:t>HashSet&lt;T&gt; и </a:t>
-            </a:r>
-            <a:r>
-              <a:rPr lang="en-GB" sz="5350" dirty="0" err="1">
-                <a:cs typeface="Arial"/>
-              </a:rPr>
-              <a:t>SortedSet</a:t>
-            </a:r>
-            <a:r>
-              <a:rPr lang="en-GB" sz="5350" dirty="0">
-                <a:cs typeface="Arial"/>
-              </a:rPr>
-              <a:t>&lt;T&gt;</a:t>
+              <a:t>HashSet&lt;T&gt; и SortedSet&lt;T&gt;</a:t>
             </a:r>
             <a:endParaRPr lang="en-US" sz="5350" dirty="0">
               <a:cs typeface="Arial"/>
@@ -25390,46 +23562,18 @@
               </a:lnSpc>
             </a:pPr>
             <a:r>
-              <a:rPr lang="en-US" sz="3600" dirty="0" err="1"/>
-              <a:t>Сетът</a:t>
-            </a:r>
-            <a:r>
               <a:rPr lang="en-US" sz="3600" dirty="0"/>
-              <a:t> </a:t>
-            </a:r>
-            <a:r>
-              <a:rPr lang="en-US" sz="3600" dirty="0" err="1"/>
-              <a:t>съдържа</a:t>
-            </a:r>
-            <a:r>
-              <a:rPr lang="en-US" sz="3600" dirty="0"/>
-              <a:t> </a:t>
-            </a:r>
-            <a:r>
-              <a:rPr lang="en-US" sz="3600" b="1" dirty="0" err="1">
+              <a:t>Сетът съдържа </a:t>
+            </a:r>
+            <a:r>
+              <a:rPr lang="en-US" sz="3600" b="1" dirty="0">
                 <a:solidFill>
                   <a:schemeClr val="bg1"/>
                 </a:solidFill>
               </a:rPr>
-              <a:t>уникални</a:t>
-            </a:r>
-            <a:r>
-              <a:rPr lang="en-US" sz="3600" b="1" dirty="0">
-                <a:solidFill>
-                  <a:schemeClr val="bg1"/>
-                </a:solidFill>
-              </a:rPr>
-              <a:t> </a:t>
-            </a:r>
-            <a:r>
-              <a:rPr lang="en-US" sz="3600" b="1" dirty="0" err="1">
-                <a:solidFill>
-                  <a:schemeClr val="bg1"/>
-                </a:solidFill>
-              </a:rPr>
-              <a:t>елементи</a:t>
-            </a:r>
-            <a:endParaRPr lang="en-US" sz="3600" b="1" dirty="0" err="1">
+              <a:t>уникални елементи</a:t>
+            </a:r>
+            <a:endParaRPr lang="en-US" sz="3600" b="1" dirty="0">
               <a:solidFill>
                 <a:schemeClr val="bg1"/>
               </a:solidFill>
@@ -25444,34 +23588,10 @@
             </a:pPr>
             <a:r>
               <a:rPr lang="en-US" sz="3350" dirty="0"/>
-              <a:t>С </a:t>
-            </a:r>
-            <a:r>
-              <a:rPr lang="en-US" sz="3350" dirty="0" err="1"/>
-              <a:t>него</a:t>
-            </a:r>
-            <a:r>
-              <a:rPr lang="en-US" sz="3350" dirty="0"/>
-              <a:t> </a:t>
-            </a:r>
-            <a:r>
-              <a:rPr lang="en-US" sz="3350" dirty="0" err="1"/>
-              <a:t>можем</a:t>
-            </a:r>
-            <a:r>
-              <a:rPr lang="en-US" sz="3350" dirty="0"/>
-              <a:t> </a:t>
-            </a:r>
-            <a:r>
-              <a:rPr lang="en-US" sz="3350" dirty="0" err="1"/>
-              <a:t>да</a:t>
-            </a:r>
-            <a:r>
-              <a:rPr lang="en-US" sz="3350" dirty="0"/>
-              <a:t> </a:t>
-            </a:r>
-            <a:r>
-              <a:rPr lang="en-US" sz="3350" b="1" dirty="0" err="1">
+              <a:t>С него можем да </a:t>
+            </a:r>
+            <a:r>
+              <a:rPr lang="en-US" sz="3350" b="1" dirty="0">
                 <a:solidFill>
                   <a:schemeClr val="bg1"/>
                 </a:solidFill>
@@ -25483,27 +23603,19 @@
               <a:t>, </a:t>
             </a:r>
             <a:r>
-              <a:rPr lang="en-US" sz="3350" b="1" dirty="0" err="1">
+              <a:rPr lang="en-US" sz="3350" b="1" dirty="0">
                 <a:solidFill>
                   <a:schemeClr val="bg1"/>
                 </a:solidFill>
               </a:rPr>
-              <a:t>премахваме</a:t>
-            </a:r>
-            <a:r>
-              <a:rPr lang="en-US" sz="3350" b="1" dirty="0">
-                <a:solidFill>
-                  <a:schemeClr val="bg1"/>
-                </a:solidFill>
-              </a:rPr>
-              <a:t> </a:t>
+              <a:t>премахваме </a:t>
             </a:r>
             <a:r>
               <a:rPr lang="en-US" sz="3350" dirty="0"/>
               <a:t>и </a:t>
             </a:r>
             <a:r>
-              <a:rPr lang="en-US" sz="3350" b="1" dirty="0" err="1">
+              <a:rPr lang="en-US" sz="3350" b="1" dirty="0">
                 <a:solidFill>
                   <a:schemeClr val="bg1"/>
                 </a:solidFill>
@@ -25512,13 +23624,9 @@
             </a:r>
             <a:r>
               <a:rPr lang="en-US" sz="3350" dirty="0"/>
-              <a:t> </a:t>
-            </a:r>
-            <a:r>
-              <a:rPr lang="en-US" sz="3350" dirty="0" err="1"/>
-              <a:t>елементи</a:t>
-            </a:r>
-            <a:endParaRPr lang="en-US" sz="3350" dirty="0" err="1">
+              <a:t> елементи</a:t>
+            </a:r>
+            <a:endParaRPr lang="en-US" sz="3350" dirty="0">
               <a:cs typeface="Calibri"/>
             </a:endParaRPr>
           </a:p>
@@ -25529,44 +23637,16 @@
               </a:lnSpc>
             </a:pPr>
             <a:r>
-              <a:rPr lang="en-US" sz="3350" dirty="0" err="1"/>
-              <a:t>Много</a:t>
-            </a:r>
-            <a:r>
               <a:rPr lang="en-US" sz="3350" dirty="0"/>
-              <a:t> </a:t>
-            </a:r>
-            <a:r>
-              <a:rPr lang="en-US" sz="3350" b="1" dirty="0" err="1">
+              <a:t>Много </a:t>
+            </a:r>
+            <a:r>
+              <a:rPr lang="en-US" sz="3350" b="1" dirty="0">
                 <a:solidFill>
                   <a:schemeClr val="bg1"/>
                 </a:solidFill>
               </a:rPr>
-              <a:t>бързо</a:t>
-            </a:r>
-            <a:r>
-              <a:rPr lang="en-US" sz="3350" b="1" dirty="0">
-                <a:solidFill>
-                  <a:schemeClr val="bg1"/>
-                </a:solidFill>
-              </a:rPr>
-              <a:t> </a:t>
-            </a:r>
-            <a:r>
-              <a:rPr lang="en-US" sz="3350" b="1" dirty="0" err="1">
-                <a:solidFill>
-                  <a:schemeClr val="bg1"/>
-                </a:solidFill>
-              </a:rPr>
-              <a:t>изпълнение</a:t>
-            </a:r>
-            <a:r>
-              <a:rPr lang="en-US" sz="3350" b="1" dirty="0">
-                <a:solidFill>
-                  <a:schemeClr val="bg1"/>
-                </a:solidFill>
-              </a:rPr>
-              <a:t> </a:t>
+              <a:t>бързо изпълнение </a:t>
             </a:r>
             <a:endParaRPr lang="en-US" sz="3350" b="1" dirty="0">
               <a:solidFill>
@@ -25601,28 +23681,8 @@
               </a:lnSpc>
             </a:pPr>
             <a:r>
-              <a:rPr lang="en-US" sz="3350" dirty="0" err="1"/>
-              <a:t>Колекция</a:t>
-            </a:r>
-            <a:r>
               <a:rPr lang="en-US" sz="3350" dirty="0"/>
-              <a:t> </a:t>
-            </a:r>
-            <a:r>
-              <a:rPr lang="en-US" sz="3350" dirty="0" err="1"/>
-              <a:t>от</a:t>
-            </a:r>
-            <a:r>
-              <a:rPr lang="en-US" sz="3350" dirty="0"/>
-              <a:t> </a:t>
-            </a:r>
-            <a:r>
-              <a:rPr lang="en-US" sz="3350" dirty="0" err="1"/>
-              <a:t>елементи</a:t>
-            </a:r>
-            <a:r>
-              <a:rPr lang="en-US" sz="3350" dirty="0"/>
-              <a:t> в </a:t>
+              <a:t>Колекция от елементи в </a:t>
             </a:r>
             <a:r>
               <a:rPr lang="en-US" sz="3350" b="1" dirty="0">
@@ -25630,17 +23690,9 @@
                   <a:schemeClr val="bg1"/>
                 </a:solidFill>
               </a:rPr>
-              <a:t>hash-</a:t>
-            </a:r>
-            <a:r>
-              <a:rPr lang="en-US" sz="3350" b="1" dirty="0" err="1">
-                <a:solidFill>
-                  <a:schemeClr val="bg1"/>
-                </a:solidFill>
-              </a:rPr>
-              <a:t>таблица</a:t>
-            </a:r>
-            <a:endParaRPr lang="en-US" sz="3350" b="1" dirty="0" err="1">
+              <a:t>hash-таблица</a:t>
+            </a:r>
+            <a:endParaRPr lang="en-US" sz="3350" b="1" dirty="0">
               <a:solidFill>
                 <a:schemeClr val="bg1"/>
               </a:solidFill>
@@ -25654,70 +23706,18 @@
               </a:lnSpc>
             </a:pPr>
             <a:r>
-              <a:rPr lang="en-US" sz="3350" dirty="0" err="1"/>
-              <a:t>Елементите</a:t>
-            </a:r>
-            <a:r>
               <a:rPr lang="en-US" sz="3350" dirty="0"/>
-              <a:t> </a:t>
-            </a:r>
-            <a:r>
-              <a:rPr lang="en-US" sz="3350" b="1" dirty="0" err="1">
+              <a:t>Елементите </a:t>
+            </a:r>
+            <a:r>
+              <a:rPr lang="en-US" sz="3350" b="1" dirty="0">
                 <a:solidFill>
                   <a:schemeClr val="bg1"/>
                 </a:solidFill>
               </a:rPr>
-              <a:t>не</a:t>
-            </a:r>
-            <a:r>
-              <a:rPr lang="en-US" sz="3350" b="1" dirty="0">
-                <a:solidFill>
-                  <a:schemeClr val="bg1"/>
-                </a:solidFill>
-              </a:rPr>
-              <a:t> </a:t>
-            </a:r>
-            <a:r>
-              <a:rPr lang="en-US" sz="3350" b="1" dirty="0" err="1">
-                <a:solidFill>
-                  <a:schemeClr val="bg1"/>
-                </a:solidFill>
-              </a:rPr>
-              <a:t>са</a:t>
-            </a:r>
-            <a:r>
-              <a:rPr lang="en-US" sz="3350" b="1" dirty="0">
-                <a:solidFill>
-                  <a:schemeClr val="bg1"/>
-                </a:solidFill>
-              </a:rPr>
-              <a:t> в </a:t>
-            </a:r>
-            <a:r>
-              <a:rPr lang="en-US" sz="3350" b="1" dirty="0" err="1">
-                <a:solidFill>
-                  <a:schemeClr val="bg1"/>
-                </a:solidFill>
-              </a:rPr>
-              <a:t>определен</a:t>
-            </a:r>
-            <a:r>
-              <a:rPr lang="en-US" sz="3350" b="1" dirty="0">
-                <a:solidFill>
-                  <a:schemeClr val="bg1"/>
-                </a:solidFill>
-              </a:rPr>
-              <a:t> </a:t>
-            </a:r>
-            <a:r>
-              <a:rPr lang="en-US" sz="3350" b="1" dirty="0" err="1">
-                <a:solidFill>
-                  <a:schemeClr val="bg1"/>
-                </a:solidFill>
-              </a:rPr>
-              <a:t>ред</a:t>
-            </a:r>
-            <a:endParaRPr lang="en-US" sz="3350" b="1" dirty="0" err="1">
+              <a:t>не са в определен ред</a:t>
+            </a:r>
+            <a:endParaRPr lang="en-US" sz="3350" b="1" dirty="0">
               <a:solidFill>
                 <a:schemeClr val="bg1"/>
               </a:solidFill>
@@ -25731,44 +23731,14 @@
               </a:lnSpc>
             </a:pPr>
             <a:r>
-              <a:rPr lang="en-US" sz="3350" dirty="0" err="1">
+              <a:rPr lang="en-US" sz="3350" dirty="0">
                 <a:solidFill>
                   <a:srgbClr val="234465"/>
                 </a:solidFill>
                 <a:latin typeface="Calibri"/>
                 <a:cs typeface="Calibri"/>
               </a:rPr>
-              <a:t>Подобно</a:t>
-            </a:r>
-            <a:r>
-              <a:rPr lang="en-US" sz="3350" dirty="0">
-                <a:solidFill>
-                  <a:srgbClr val="234465"/>
-                </a:solidFill>
-                <a:latin typeface="Calibri"/>
-                <a:cs typeface="Calibri"/>
-              </a:rPr>
-              <a:t> </a:t>
-            </a:r>
-            <a:r>
-              <a:rPr lang="en-US" sz="3350" dirty="0" err="1">
-                <a:solidFill>
-                  <a:srgbClr val="234465"/>
-                </a:solidFill>
-                <a:latin typeface="Calibri"/>
-                <a:cs typeface="Calibri"/>
-              </a:rPr>
-              <a:t>на</a:t>
-            </a:r>
-            <a:r>
-              <a:rPr lang="en-US" sz="3350" dirty="0">
-                <a:solidFill>
-                  <a:srgbClr val="234465"/>
-                </a:solidFill>
-                <a:latin typeface="Calibri"/>
-                <a:cs typeface="Calibri"/>
-              </a:rPr>
-              <a:t> </a:t>
+              <a:t>Подобно на </a:t>
             </a:r>
             <a:r>
               <a:rPr lang="en-US" sz="3350" b="1" dirty="0">
@@ -25785,24 +23755,16 @@
             </a:r>
             <a:r>
               <a:rPr lang="en-US" sz="3350" dirty="0"/>
-              <a:t> с </a:t>
-            </a:r>
-            <a:r>
-              <a:rPr lang="en-US" sz="3350" dirty="0" err="1"/>
-              <a:t>различна</a:t>
-            </a:r>
-            <a:r>
-              <a:rPr lang="en-US" sz="3350" dirty="0"/>
-              <a:t> </a:t>
-            </a:r>
-            <a:r>
-              <a:rPr lang="en-US" sz="3350" dirty="0" err="1">
+              <a:t> с различна </a:t>
+            </a:r>
+            <a:r>
+              <a:rPr lang="en-US" sz="3350" dirty="0">
                 <a:ea typeface="+mn-lt"/>
                 <a:cs typeface="+mn-lt"/>
               </a:rPr>
               <a:t>имплементация</a:t>
             </a:r>
-            <a:endParaRPr lang="en-US" sz="3350" dirty="0" err="1">
+            <a:endParaRPr lang="en-US" sz="3350" dirty="0">
               <a:cs typeface="Calibri"/>
             </a:endParaRPr>
           </a:p>
@@ -25824,12 +23786,8 @@
           <a:lstStyle/>
           <a:p>
             <a:r>
-              <a:rPr lang="en-US" sz="3950" dirty="0" err="1"/>
-              <a:t>Сет</a:t>
-            </a:r>
-            <a:r>
               <a:rPr lang="en-US" sz="3950" dirty="0"/>
-              <a:t> в C#</a:t>
+              <a:t>Сет в C#</a:t>
             </a:r>
           </a:p>
         </p:txBody>
@@ -26354,7 +24312,7 @@
               </a:rPr>
               <a:t>&lt;T&gt;</a:t>
             </a:r>
-            <a:endParaRPr lang="bg-BG" sz="3350">
+            <a:endParaRPr lang="bg-BG" sz="3350" dirty="0">
               <a:solidFill>
                 <a:schemeClr val="bg1"/>
               </a:solidFill>
@@ -26364,52 +24322,8 @@
           <a:p>
             <a:pPr lvl="1" indent="-360045"/>
             <a:r>
-              <a:rPr lang="en-US" sz="3150" dirty="0" err="1"/>
-              <a:t>Бързо</a:t>
-            </a:r>
-            <a:r>
               <a:rPr lang="en-US" sz="3150" dirty="0"/>
-              <a:t> "</a:t>
-            </a:r>
-            <a:r>
-              <a:rPr lang="en-US" sz="3150" dirty="0" err="1"/>
-              <a:t>добавя</a:t>
-            </a:r>
-            <a:r>
-              <a:rPr lang="en-US" sz="3150" dirty="0"/>
-              <a:t>", "</a:t>
-            </a:r>
-            <a:r>
-              <a:rPr lang="en-US" sz="3150" dirty="0" err="1"/>
-              <a:t>търси</a:t>
-            </a:r>
-            <a:r>
-              <a:rPr lang="en-US" sz="3150" dirty="0"/>
-              <a:t>" и "</a:t>
-            </a:r>
-            <a:r>
-              <a:rPr lang="en-US" sz="3150" dirty="0" err="1"/>
-              <a:t>премахва</a:t>
-            </a:r>
-            <a:r>
-              <a:rPr lang="en-US" sz="3150" dirty="0"/>
-              <a:t>" </a:t>
-            </a:r>
-            <a:r>
-              <a:rPr lang="en-US" sz="3150" dirty="0" err="1"/>
-              <a:t>благодарение</a:t>
-            </a:r>
-            <a:r>
-              <a:rPr lang="en-US" sz="3150" dirty="0"/>
-              <a:t>  </a:t>
-            </a:r>
-            <a:r>
-              <a:rPr lang="en-US" sz="3150" dirty="0" err="1"/>
-              <a:t>на</a:t>
-            </a:r>
-            <a:r>
-              <a:rPr lang="en-US" sz="3150" dirty="0"/>
-              <a:t> </a:t>
+              <a:t>Бързо "добавя", "търси" и "премахва" благодарение  на </a:t>
             </a:r>
             <a:r>
               <a:rPr lang="en-US" sz="3150" b="1" dirty="0">
@@ -26417,17 +24331,9 @@
                   <a:schemeClr val="bg1"/>
                 </a:solidFill>
               </a:rPr>
-              <a:t>hash-</a:t>
-            </a:r>
-            <a:r>
-              <a:rPr lang="en-US" sz="3150" b="1" dirty="0" err="1">
-                <a:solidFill>
-                  <a:schemeClr val="bg1"/>
-                </a:solidFill>
-              </a:rPr>
-              <a:t>таблица</a:t>
-            </a:r>
-            <a:endParaRPr lang="en-US" sz="3150" b="1" dirty="0" err="1">
+              <a:t>hash-таблица</a:t>
+            </a:r>
+            <a:endParaRPr lang="en-US" sz="3150" b="1" dirty="0">
               <a:solidFill>
                 <a:schemeClr val="bg1"/>
               </a:solidFill>
@@ -26437,39 +24343,21 @@
           <a:p>
             <a:pPr lvl="1" indent="-360045"/>
             <a:r>
-              <a:rPr lang="en-US" sz="3150" dirty="0" err="1">
-                <a:sym typeface="Wingdings" panose="05000000000000000000" pitchFamily="2" charset="2"/>
-              </a:rPr>
-              <a:t>Не</a:t>
-            </a:r>
-            <a:r>
               <a:rPr lang="en-US" sz="3150" dirty="0">
                 <a:sym typeface="Wingdings" panose="05000000000000000000" pitchFamily="2" charset="2"/>
               </a:rPr>
-              <a:t> </a:t>
-            </a:r>
-            <a:r>
-              <a:rPr lang="en-US" sz="3150" dirty="0" err="1">
+              <a:t>Не позволява </a:t>
+            </a:r>
+            <a:r>
+              <a:rPr lang="en-US" sz="3150" b="1" dirty="0">
+                <a:solidFill>
+                  <a:schemeClr val="bg1"/>
+                </a:solidFill>
                 <a:sym typeface="Wingdings" panose="05000000000000000000" pitchFamily="2" charset="2"/>
               </a:rPr>
-              <a:t>позволява</a:t>
-            </a:r>
-            <a:r>
-              <a:rPr lang="en-US" sz="3150" dirty="0">
-                <a:sym typeface="Wingdings" panose="05000000000000000000" pitchFamily="2" charset="2"/>
-              </a:rPr>
-              <a:t> </a:t>
-            </a:r>
-            <a:r>
-              <a:rPr lang="en-US" sz="3150" b="1" dirty="0" err="1">
-                <a:solidFill>
-                  <a:schemeClr val="bg1"/>
-                </a:solidFill>
-                <a:sym typeface="Wingdings" panose="05000000000000000000" pitchFamily="2" charset="2"/>
-              </a:rPr>
               <a:t>допликации</a:t>
             </a:r>
-            <a:endParaRPr lang="en-US" sz="3150" b="1" dirty="0" err="1">
+            <a:endParaRPr lang="en-US" sz="3150" b="1" dirty="0">
               <a:solidFill>
                 <a:schemeClr val="bg1"/>
               </a:solidFill>
@@ -26479,63 +24367,21 @@
           <a:p>
             <a:pPr lvl="1" indent="-360045"/>
             <a:r>
-              <a:rPr lang="en-US" sz="3150" dirty="0" err="1">
-                <a:sym typeface="Wingdings" panose="05000000000000000000" pitchFamily="2" charset="2"/>
-              </a:rPr>
-              <a:t>Редът</a:t>
-            </a:r>
-            <a:r>
               <a:rPr lang="en-US" sz="3150" dirty="0">
                 <a:sym typeface="Wingdings" panose="05000000000000000000" pitchFamily="2" charset="2"/>
               </a:rPr>
-              <a:t> </a:t>
-            </a:r>
-            <a:r>
-              <a:rPr lang="en-US" sz="3150" dirty="0" err="1">
+              <a:t>Редът за вмъкване не е </a:t>
+            </a:r>
+            <a:r>
+              <a:rPr lang="en-US" sz="3150" b="1" dirty="0">
+                <a:solidFill>
+                  <a:schemeClr val="bg1"/>
+                </a:solidFill>
                 <a:sym typeface="Wingdings" panose="05000000000000000000" pitchFamily="2" charset="2"/>
               </a:rPr>
-              <a:t>за</a:t>
-            </a:r>
-            <a:r>
-              <a:rPr lang="en-US" sz="3150" dirty="0">
-                <a:sym typeface="Wingdings" panose="05000000000000000000" pitchFamily="2" charset="2"/>
-              </a:rPr>
-              <a:t> </a:t>
-            </a:r>
-            <a:r>
-              <a:rPr lang="en-US" sz="3150" dirty="0" err="1">
-                <a:sym typeface="Wingdings" panose="05000000000000000000" pitchFamily="2" charset="2"/>
-              </a:rPr>
-              <a:t>вмъкване</a:t>
-            </a:r>
-            <a:r>
-              <a:rPr lang="en-US" sz="3150" dirty="0">
-                <a:sym typeface="Wingdings" panose="05000000000000000000" pitchFamily="2" charset="2"/>
-              </a:rPr>
-              <a:t> </a:t>
-            </a:r>
-            <a:r>
-              <a:rPr lang="en-US" sz="3150" dirty="0" err="1">
-                <a:sym typeface="Wingdings" panose="05000000000000000000" pitchFamily="2" charset="2"/>
-              </a:rPr>
-              <a:t>не</a:t>
-            </a:r>
-            <a:r>
-              <a:rPr lang="en-US" sz="3150" dirty="0">
-                <a:sym typeface="Wingdings" panose="05000000000000000000" pitchFamily="2" charset="2"/>
-              </a:rPr>
-              <a:t> е </a:t>
-            </a:r>
-            <a:r>
-              <a:rPr lang="en-US" sz="3150" b="1" dirty="0" err="1">
-                <a:solidFill>
-                  <a:schemeClr val="bg1"/>
-                </a:solidFill>
-                <a:sym typeface="Wingdings" panose="05000000000000000000" pitchFamily="2" charset="2"/>
-              </a:rPr>
               <a:t>гарантиран</a:t>
             </a:r>
-            <a:endParaRPr lang="en-GB" dirty="0" err="1">
+            <a:endParaRPr lang="en-GB" dirty="0">
               <a:solidFill>
                 <a:schemeClr val="bg1"/>
               </a:solidFill>
@@ -26575,81 +24421,13 @@
               </a:rPr>
               <a:t>List&lt;T&gt;</a:t>
             </a:r>
-            <a:endParaRPr lang="bg-BG"/>
+            <a:endParaRPr lang="bg-BG" dirty="0"/>
           </a:p>
           <a:p>
             <a:pPr lvl="1" indent="-360045"/>
             <a:r>
-              <a:rPr lang="en-US" sz="3150" dirty="0" err="1"/>
-              <a:t>Бързо</a:t>
-            </a:r>
-            <a:r>
               <a:rPr lang="en-US" sz="3150" dirty="0"/>
-              <a:t> "</a:t>
-            </a:r>
-            <a:r>
-              <a:rPr lang="en-US" sz="3150" dirty="0" err="1"/>
-              <a:t>добавя</a:t>
-            </a:r>
-            <a:r>
-              <a:rPr lang="en-US" sz="3150" dirty="0"/>
-              <a:t>", </a:t>
-            </a:r>
-            <a:r>
-              <a:rPr lang="en-US" sz="3150" dirty="0" err="1"/>
-              <a:t>бавно</a:t>
-            </a:r>
-            <a:r>
-              <a:rPr lang="en-US" sz="3150" dirty="0"/>
-              <a:t> "</a:t>
-            </a:r>
-            <a:r>
-              <a:rPr lang="en-US" sz="3150" dirty="0" err="1"/>
-              <a:t>търси</a:t>
-            </a:r>
-            <a:r>
-              <a:rPr lang="en-US" sz="3150" dirty="0"/>
-              <a:t>" и "</a:t>
-            </a:r>
-            <a:r>
-              <a:rPr lang="en-US" sz="3150" dirty="0" err="1"/>
-              <a:t>премахва</a:t>
-            </a:r>
-            <a:r>
-              <a:rPr lang="en-US" sz="3150" dirty="0"/>
-              <a:t>" (</a:t>
-            </a:r>
-            <a:r>
-              <a:rPr lang="en-US" sz="3150" dirty="0" err="1"/>
-              <a:t>преминава</a:t>
-            </a:r>
-            <a:r>
-              <a:rPr lang="en-US" sz="3150" dirty="0"/>
-              <a:t> </a:t>
-            </a:r>
-            <a:r>
-              <a:rPr lang="en-US" sz="3150" dirty="0" err="1"/>
-              <a:t>през</a:t>
-            </a:r>
-            <a:r>
-              <a:rPr lang="en-US" sz="3150" dirty="0"/>
-              <a:t> </a:t>
-            </a:r>
-            <a:r>
-              <a:rPr lang="en-US" sz="3150" dirty="0" err="1"/>
-              <a:t>всеки</a:t>
-            </a:r>
-            <a:r>
-              <a:rPr lang="en-US" sz="3150" dirty="0"/>
-              <a:t> </a:t>
-            </a:r>
-            <a:r>
-              <a:rPr lang="en-US" sz="3150" dirty="0" err="1"/>
-              <a:t>елемент</a:t>
-            </a:r>
-            <a:r>
-              <a:rPr lang="en-US" sz="3150" dirty="0"/>
-              <a:t>)</a:t>
+              <a:t>Бързо "добавя", бавно "търси" и "премахва" (преминава през всеки елемент)</a:t>
             </a:r>
             <a:endParaRPr lang="en-US" sz="3150" dirty="0">
               <a:cs typeface="Calibri"/>
@@ -26658,16 +24436,8 @@
           <a:p>
             <a:pPr lvl="1" indent="-360045"/>
             <a:r>
-              <a:rPr lang="en-US" sz="3150" dirty="0" err="1"/>
-              <a:t>Може</a:t>
-            </a:r>
-            <a:r>
               <a:rPr lang="en-US" sz="3150" dirty="0"/>
-              <a:t> </a:t>
-            </a:r>
-            <a:r>
-              <a:rPr lang="en-US" sz="3150" dirty="0" err="1"/>
-              <a:t>да</a:t>
+              <a:t>Може да</a:t>
             </a:r>
             <a:r>
               <a:rPr lang="en-US" sz="3150" dirty="0">
@@ -26675,33 +24445,17 @@
                   <a:srgbClr val="234465"/>
                 </a:solidFill>
               </a:rPr>
-              <a:t> </a:t>
-            </a:r>
-            <a:r>
-              <a:rPr lang="en-US" sz="3150" dirty="0" err="1">
-                <a:solidFill>
-                  <a:srgbClr val="234465"/>
-                </a:solidFill>
-              </a:rPr>
-              <a:t>има</a:t>
-            </a:r>
-            <a:r>
-              <a:rPr lang="en-US" sz="3150" dirty="0">
-                <a:solidFill>
-                  <a:srgbClr val="234465"/>
-                </a:solidFill>
-              </a:rPr>
-              <a:t> </a:t>
-            </a:r>
-            <a:r>
-              <a:rPr lang="en-US" sz="3150" b="1" dirty="0" err="1">
+              <a:t> има </a:t>
+            </a:r>
+            <a:r>
+              <a:rPr lang="en-US" sz="3150" b="1" dirty="0">
                 <a:solidFill>
                   <a:schemeClr val="bg1"/>
                 </a:solidFill>
               </a:rPr>
               <a:t>допликации</a:t>
             </a:r>
-            <a:endParaRPr lang="en-US" sz="3150" b="1" dirty="0" err="1">
+            <a:endParaRPr lang="en-US" sz="3150" b="1" dirty="0">
               <a:solidFill>
                 <a:schemeClr val="bg1"/>
               </a:solidFill>
@@ -26711,58 +24465,23 @@
           <a:p>
             <a:pPr lvl="1" indent="-360045"/>
             <a:r>
-              <a:rPr lang="en-US" sz="3150" err="1">
-                <a:ea typeface="+mn-lt"/>
-                <a:cs typeface="+mn-lt"/>
-              </a:rPr>
-              <a:t>Редът</a:t>
-            </a:r>
-            <a:r>
               <a:rPr lang="en-US" sz="3150" dirty="0">
                 <a:ea typeface="+mn-lt"/>
                 <a:cs typeface="+mn-lt"/>
               </a:rPr>
-              <a:t> </a:t>
-            </a:r>
-            <a:r>
-              <a:rPr lang="en-US" sz="3150" err="1">
+              <a:t>Редът за вмъкване е </a:t>
+            </a:r>
+            <a:r>
+              <a:rPr lang="en-US" sz="3150" b="1" dirty="0">
+                <a:solidFill>
+                  <a:schemeClr val="bg1"/>
+                </a:solidFill>
                 <a:ea typeface="+mn-lt"/>
                 <a:cs typeface="+mn-lt"/>
               </a:rPr>
-              <a:t>за</a:t>
-            </a:r>
-            <a:r>
-              <a:rPr lang="en-US" sz="3150" dirty="0">
-                <a:ea typeface="+mn-lt"/>
-                <a:cs typeface="+mn-lt"/>
-              </a:rPr>
-              <a:t> </a:t>
-            </a:r>
-            <a:r>
-              <a:rPr lang="en-US" sz="3150" err="1">
-                <a:ea typeface="+mn-lt"/>
-                <a:cs typeface="+mn-lt"/>
-              </a:rPr>
-              <a:t>вмъкване</a:t>
-            </a:r>
-            <a:r>
-              <a:rPr lang="en-US" sz="3150" dirty="0">
-                <a:ea typeface="+mn-lt"/>
-                <a:cs typeface="+mn-lt"/>
-              </a:rPr>
-              <a:t> е </a:t>
-            </a:r>
-            <a:r>
-              <a:rPr lang="en-US" sz="3150" b="1" err="1">
-                <a:solidFill>
-                  <a:schemeClr val="bg1"/>
-                </a:solidFill>
-                <a:ea typeface="+mn-lt"/>
-                <a:cs typeface="+mn-lt"/>
-              </a:rPr>
               <a:t>гарантиран</a:t>
             </a:r>
-            <a:endParaRPr lang="en-US" b="1" err="1">
+            <a:endParaRPr lang="en-US" b="1" dirty="0">
               <a:solidFill>
                 <a:schemeClr val="bg1"/>
               </a:solidFill>
@@ -26793,15 +24512,7 @@
           <a:p>
             <a:r>
               <a:rPr lang="en-US" sz="3950" dirty="0"/>
-              <a:t>List&lt;T&gt; </a:t>
-            </a:r>
-            <a:r>
-              <a:rPr lang="en-US" sz="3950" dirty="0" err="1"/>
-              <a:t>срещу</a:t>
-            </a:r>
-            <a:r>
-              <a:rPr lang="en-US" sz="3950" dirty="0"/>
-              <a:t> </a:t>
+              <a:t>List&lt;T&gt; срещу </a:t>
             </a:r>
             <a:r>
               <a:rPr lang="en-US" sz="3950" noProof="1"/>
@@ -28263,20 +25974,24 @@
           <a:p>
             <a:pPr marL="360045" indent="-360045"/>
             <a:r>
-              <a:rPr lang="en-US" sz="3600" dirty="0" err="1"/>
-              <a:t>Прочетете</a:t>
-            </a:r>
-            <a:r>
               <a:rPr lang="en-US" sz="3600" dirty="0"/>
-              <a:t> </a:t>
-            </a:r>
-            <a:r>
-              <a:rPr lang="en-US" sz="3600" b="1" dirty="0" err="1">
+              <a:t>Прочетете </a:t>
+            </a:r>
+            <a:r>
+              <a:rPr lang="en-US" sz="3600" b="1" dirty="0">
                 <a:solidFill>
                   <a:schemeClr val="bg1"/>
                 </a:solidFill>
               </a:rPr>
-              <a:t>редица</a:t>
+              <a:t>редица от имена</a:t>
+            </a:r>
+            <a:r>
+              <a:rPr lang="en-US" sz="3600" dirty="0">
+                <a:solidFill>
+                  <a:srgbClr val="234465"/>
+                </a:solidFill>
+              </a:rPr>
+              <a:t> и принтирайте всички уникални </a:t>
             </a:r>
             <a:r>
               <a:rPr lang="en-US" sz="3600" b="1" dirty="0">
@@ -28284,103 +25999,7 @@
                   <a:schemeClr val="bg1"/>
                 </a:solidFill>
               </a:rPr>
-              <a:t> </a:t>
-            </a:r>
-            <a:r>
-              <a:rPr lang="en-US" sz="3600" b="1" dirty="0" err="1">
-                <a:solidFill>
-                  <a:schemeClr val="bg1"/>
-                </a:solidFill>
-              </a:rPr>
-              <a:t>от</a:t>
-            </a:r>
-            <a:r>
-              <a:rPr lang="en-US" sz="3600" b="1" dirty="0">
-                <a:solidFill>
-                  <a:schemeClr val="bg1"/>
-                </a:solidFill>
-              </a:rPr>
-              <a:t> </a:t>
-            </a:r>
-            <a:r>
-              <a:rPr lang="en-US" sz="3600" b="1" dirty="0" err="1">
-                <a:solidFill>
-                  <a:schemeClr val="bg1"/>
-                </a:solidFill>
-              </a:rPr>
-              <a:t>имена</a:t>
-            </a:r>
-            <a:r>
-              <a:rPr lang="en-US" sz="3600" dirty="0">
-                <a:solidFill>
-                  <a:srgbClr val="234465"/>
-                </a:solidFill>
-              </a:rPr>
-              <a:t> и </a:t>
-            </a:r>
-            <a:r>
-              <a:rPr lang="en-US" sz="3600" dirty="0" err="1">
-                <a:solidFill>
-                  <a:srgbClr val="234465"/>
-                </a:solidFill>
-              </a:rPr>
-              <a:t>принтирайте</a:t>
-            </a:r>
-            <a:r>
-              <a:rPr lang="en-US" sz="3600" dirty="0">
-                <a:solidFill>
-                  <a:srgbClr val="234465"/>
-                </a:solidFill>
-              </a:rPr>
-              <a:t> </a:t>
-            </a:r>
-            <a:r>
-              <a:rPr lang="en-US" sz="3600" dirty="0" err="1">
-                <a:solidFill>
-                  <a:srgbClr val="234465"/>
-                </a:solidFill>
-              </a:rPr>
-              <a:t>всички</a:t>
-            </a:r>
-            <a:r>
-              <a:rPr lang="en-US" sz="3600" dirty="0">
-                <a:solidFill>
-                  <a:srgbClr val="234465"/>
-                </a:solidFill>
-              </a:rPr>
-              <a:t> </a:t>
-            </a:r>
-            <a:r>
-              <a:rPr lang="en-US" sz="3600" dirty="0" err="1">
-                <a:solidFill>
-                  <a:srgbClr val="234465"/>
-                </a:solidFill>
-              </a:rPr>
-              <a:t>уникални</a:t>
-            </a:r>
-            <a:r>
-              <a:rPr lang="en-US" sz="3600" dirty="0">
-                <a:solidFill>
-                  <a:srgbClr val="234465"/>
-                </a:solidFill>
-              </a:rPr>
-              <a:t> </a:t>
-            </a:r>
-            <a:r>
-              <a:rPr lang="en-US" sz="3600" b="1" dirty="0" err="1">
-                <a:solidFill>
-                  <a:schemeClr val="bg1"/>
-                </a:solidFill>
-              </a:rPr>
-              <a:t>имена</a:t>
-            </a:r>
-            <a:r>
-              <a:rPr lang="en-US" sz="3600" b="1" dirty="0">
-                <a:solidFill>
-                  <a:schemeClr val="bg1"/>
-                </a:solidFill>
-              </a:rPr>
-              <a:t>  </a:t>
+              <a:t>имена  </a:t>
             </a:r>
             <a:endParaRPr lang="en-US" sz="3600" b="1" dirty="0">
               <a:solidFill>
@@ -28407,26 +26026,10 @@
           <a:lstStyle/>
           <a:p>
             <a:r>
-              <a:rPr lang="en-US" sz="3950" dirty="0" err="1"/>
-              <a:t>Задача</a:t>
-            </a:r>
-            <a:r>
               <a:rPr lang="en-US" sz="3950" dirty="0"/>
-              <a:t>: </a:t>
-            </a:r>
-            <a:r>
-              <a:rPr lang="en-US" sz="3950" dirty="0" err="1"/>
-              <a:t>Уникални</a:t>
-            </a:r>
-            <a:r>
-              <a:rPr lang="en-US" sz="3950" dirty="0"/>
-              <a:t> </a:t>
-            </a:r>
-            <a:r>
-              <a:rPr lang="en-US" sz="3950" dirty="0" err="1"/>
-              <a:t>имена</a:t>
-            </a:r>
-            <a:endParaRPr lang="en-US" sz="3950" dirty="0" err="1">
+              <a:t>Задача: Уникални имена</a:t>
+            </a:r>
+            <a:endParaRPr lang="en-US" sz="3950" dirty="0">
               <a:cs typeface="Calibri"/>
             </a:endParaRPr>
           </a:p>
@@ -29940,35 +27543,17 @@
           <a:lstStyle/>
           <a:p>
             <a:r>
-              <a:rPr lang="en-US" sz="3950" dirty="0" err="1"/>
-              <a:t>Решение</a:t>
-            </a:r>
-            <a:r>
               <a:rPr lang="en-US" sz="3950" dirty="0"/>
-              <a:t>: </a:t>
-            </a:r>
-            <a:r>
-              <a:rPr lang="en-US" sz="3950" dirty="0" err="1">
-                <a:ea typeface="+mj-lt"/>
-                <a:cs typeface="+mj-lt"/>
-              </a:rPr>
-              <a:t>Уникални</a:t>
+              <a:t>Решение: </a:t>
             </a:r>
             <a:r>
               <a:rPr lang="en-US" sz="3950" dirty="0">
                 <a:ea typeface="+mj-lt"/>
                 <a:cs typeface="+mj-lt"/>
               </a:rPr>
-              <a:t> </a:t>
-            </a:r>
-            <a:r>
-              <a:rPr lang="en-US" sz="3950" dirty="0" err="1">
-                <a:ea typeface="+mj-lt"/>
-                <a:cs typeface="+mj-lt"/>
-              </a:rPr>
-              <a:t>имена</a:t>
-            </a:r>
-            <a:endParaRPr lang="en-US" sz="3950" b="0" dirty="0" err="1">
+              <a:t>Уникални имена</a:t>
+            </a:r>
+            <a:endParaRPr lang="en-US" sz="3950" b="0" dirty="0">
               <a:ea typeface="+mj-lt"/>
               <a:cs typeface="+mj-lt"/>
             </a:endParaRPr>
@@ -30567,28 +28152,16 @@
           <a:p>
             <a:pPr algn="ctr"/>
             <a:r>
-              <a:rPr lang="en-US" sz="1950" dirty="0" err="1"/>
-              <a:t>Тествайте</a:t>
-            </a:r>
-            <a:r>
               <a:rPr lang="en-US" sz="1950" dirty="0"/>
-              <a:t> </a:t>
-            </a:r>
-            <a:r>
-              <a:rPr lang="en-US" sz="1950" dirty="0" err="1"/>
-              <a:t>решението</a:t>
-            </a:r>
-            <a:r>
-              <a:rPr lang="en-US" sz="1950" dirty="0"/>
-              <a:t> в Judge: </a:t>
+              <a:t>Тествайте решението в Judge: </a:t>
             </a:r>
             <a:r>
               <a:rPr lang="en-US" sz="1950" dirty="0">
                 <a:hlinkClick r:id="rId2"/>
               </a:rPr>
-              <a:t>https://judge.softuni.org/Contests/Practice/Index/3178#8</a:t>
-            </a:r>
-            <a:endParaRPr lang="en-US" sz="1950">
+              <a:t>https://judge.softuni.org/Contests/Practice/Index/4160#4</a:t>
+            </a:r>
+            <a:endParaRPr lang="en-US" sz="1950" dirty="0">
               <a:cs typeface="Calibri"/>
             </a:endParaRPr>
           </a:p>
@@ -31122,12 +28695,8 @@
           <a:lstStyle/>
           <a:p>
             <a:r>
-              <a:rPr lang="en-GB" dirty="0" err="1"/>
-              <a:t>SortedSet</a:t>
-            </a:r>
-            <a:r>
               <a:rPr lang="en-GB" dirty="0"/>
-              <a:t>&lt;T&gt;</a:t>
+              <a:t>SortedSet&lt;T&gt;</a:t>
             </a:r>
           </a:p>
         </p:txBody>
@@ -32178,46 +29747,11 @@
           <a:lstStyle/>
           <a:p>
             <a:r>
-              <a:rPr lang="en-US" sz="3950" dirty="0" err="1">
-                <a:ea typeface="+mj-lt"/>
-                <a:cs typeface="+mj-lt"/>
-              </a:rPr>
-              <a:t>Какво</a:t>
-            </a:r>
-            <a:r>
               <a:rPr lang="en-US" sz="3950" dirty="0">
                 <a:ea typeface="+mj-lt"/>
                 <a:cs typeface="+mj-lt"/>
               </a:rPr>
-              <a:t> </a:t>
-            </a:r>
-            <a:r>
-              <a:rPr lang="en-US" sz="3950" dirty="0" err="1">
-                <a:ea typeface="+mj-lt"/>
-                <a:cs typeface="+mj-lt"/>
-              </a:rPr>
-              <a:t>научихме</a:t>
-            </a:r>
-            <a:r>
-              <a:rPr lang="en-US" sz="3950" dirty="0">
-                <a:ea typeface="+mj-lt"/>
-                <a:cs typeface="+mj-lt"/>
-              </a:rPr>
-              <a:t> </a:t>
-            </a:r>
-            <a:r>
-              <a:rPr lang="en-US" sz="3950" dirty="0" err="1">
-                <a:ea typeface="+mj-lt"/>
-                <a:cs typeface="+mj-lt"/>
-              </a:rPr>
-              <a:t>днес</a:t>
-            </a:r>
-            <a:r>
-              <a:rPr lang="en-US" sz="3950" dirty="0">
-                <a:ea typeface="+mj-lt"/>
-                <a:cs typeface="+mj-lt"/>
-              </a:rPr>
-              <a:t>? </a:t>
+              <a:t>Какво научихме днес? </a:t>
             </a:r>
             <a:endParaRPr lang="en-US" sz="3950" b="0" dirty="0">
               <a:ea typeface="+mj-lt"/>
@@ -32629,25 +30163,16 @@
               </a:spcAft>
             </a:pPr>
             <a:r>
-              <a:rPr lang="en-GB" sz="3550" dirty="0" err="1">
+              <a:rPr lang="en-GB" sz="3550" dirty="0">
                 <a:solidFill>
                   <a:schemeClr val="bg2"/>
                 </a:solidFill>
                 <a:cs typeface="Calibri"/>
               </a:rPr>
-              <a:t>Мулти-речниците</a:t>
-            </a:r>
-            <a:r>
-              <a:rPr lang="en-GB" sz="3550" dirty="0">
-                <a:solidFill>
-                  <a:schemeClr val="bg2"/>
-                </a:solidFill>
-                <a:cs typeface="Calibri"/>
-              </a:rPr>
-              <a:t> </a:t>
-            </a:r>
-            <a:r>
-              <a:rPr lang="en-GB" sz="3550" b="1" dirty="0" err="1">
+              <a:t>Мулти-речниците </a:t>
+            </a:r>
+            <a:r>
+              <a:rPr lang="en-GB" sz="3550" b="1" dirty="0">
                 <a:solidFill>
                   <a:schemeClr val="bg1">
                     <a:lumMod val="60000"/>
@@ -32656,7 +30181,16 @@
                 </a:solidFill>
                 <a:cs typeface="Calibri"/>
               </a:rPr>
-              <a:t>съдържат</a:t>
+              <a:t>съдържат колекции</a:t>
+            </a:r>
+            <a:r>
+              <a:rPr lang="en-GB" sz="3550" dirty="0">
+                <a:solidFill>
+                  <a:schemeClr val="bg2"/>
+                </a:solidFill>
+                <a:cs typeface="Calibri"/>
+              </a:rPr>
+              <a:t> като </a:t>
             </a:r>
             <a:r>
               <a:rPr lang="en-GB" sz="3550" b="1" dirty="0">
@@ -32668,10 +30202,32 @@
                 </a:solidFill>
                 <a:cs typeface="Calibri"/>
               </a:rPr>
-              <a:t> </a:t>
-            </a:r>
-            <a:r>
-              <a:rPr lang="en-GB" sz="3550" b="1" dirty="0" err="1">
+              <a:t>стойности</a:t>
+            </a:r>
+          </a:p>
+          <a:p>
+            <a:pPr marL="456565" indent="-456565" latinLnBrk="0">
+              <a:lnSpc>
+                <a:spcPct val="100000"/>
+              </a:lnSpc>
+              <a:spcBef>
+                <a:spcPts val="400"/>
+              </a:spcBef>
+              <a:spcAft>
+                <a:spcPts val="400"/>
+              </a:spcAft>
+            </a:pPr>
+            <a:r>
+              <a:rPr lang="en-GB" sz="3550" dirty="0">
+                <a:solidFill>
+                  <a:schemeClr val="bg2"/>
+                </a:solidFill>
+                <a:cs typeface="Calibri"/>
+              </a:rPr>
+              <a:t>Сложните речници </a:t>
+            </a:r>
+            <a:r>
+              <a:rPr lang="en-GB" sz="3550" b="1" dirty="0">
                 <a:solidFill>
                   <a:schemeClr val="bg1">
                     <a:lumMod val="60000"/>
@@ -32680,7 +30236,7 @@
                 </a:solidFill>
                 <a:cs typeface="Calibri"/>
               </a:rPr>
-              <a:t>колекции</a:t>
+              <a:t>съдържат речници</a:t>
             </a:r>
             <a:r>
               <a:rPr lang="en-GB" sz="3550" dirty="0">
@@ -32689,28 +30245,10 @@
                 </a:solidFill>
                 <a:cs typeface="Calibri"/>
               </a:rPr>
-              <a:t> </a:t>
-            </a:r>
-            <a:r>
-              <a:rPr lang="en-GB" sz="3550" dirty="0" err="1">
-                <a:solidFill>
-                  <a:schemeClr val="bg2"/>
-                </a:solidFill>
-                <a:cs typeface="Calibri"/>
-              </a:rPr>
-              <a:t>като</a:t>
-            </a:r>
-            <a:r>
-              <a:rPr lang="en-GB" sz="3550" dirty="0">
-                <a:solidFill>
-                  <a:schemeClr val="bg2"/>
-                </a:solidFill>
-                <a:cs typeface="Calibri"/>
-              </a:rPr>
-              <a:t> </a:t>
-            </a:r>
-            <a:r>
-              <a:rPr lang="en-GB" sz="3550" b="1" dirty="0" err="1">
+              <a:t> като </a:t>
+            </a:r>
+            <a:r>
+              <a:rPr lang="en-GB" sz="3550" b="1" dirty="0">
                 <a:solidFill>
                   <a:schemeClr val="bg1">
                     <a:lumMod val="60000"/>
@@ -32720,6 +30258,65 @@
                 <a:cs typeface="Calibri"/>
               </a:rPr>
               <a:t>стойности</a:t>
+            </a:r>
+            <a:endParaRPr lang="en-GB" sz="3550" b="1" dirty="0">
+              <a:solidFill>
+                <a:schemeClr val="bg1">
+                  <a:lumMod val="60000"/>
+                  <a:lumOff val="40000"/>
+                </a:schemeClr>
+              </a:solidFill>
+            </a:endParaRPr>
+          </a:p>
+          <a:p>
+            <a:pPr marL="456565" indent="-456565" latinLnBrk="0">
+              <a:lnSpc>
+                <a:spcPct val="100000"/>
+              </a:lnSpc>
+              <a:spcBef>
+                <a:spcPts val="400"/>
+              </a:spcBef>
+              <a:spcAft>
+                <a:spcPts val="400"/>
+              </a:spcAft>
+            </a:pPr>
+            <a:r>
+              <a:rPr lang="en-GB" sz="3550" dirty="0">
+                <a:solidFill>
+                  <a:schemeClr val="bg2"/>
+                </a:solidFill>
+              </a:rPr>
+              <a:t>Сет съдържа </a:t>
+            </a:r>
+            <a:r>
+              <a:rPr lang="en-GB" sz="3550" b="1" dirty="0">
+                <a:solidFill>
+                  <a:schemeClr val="bg1">
+                    <a:lumMod val="60000"/>
+                    <a:lumOff val="40000"/>
+                  </a:schemeClr>
+                </a:solidFill>
+              </a:rPr>
+              <a:t>уникални стойности </a:t>
+            </a:r>
+            <a:r>
+              <a:rPr lang="en-GB" sz="3550" dirty="0">
+                <a:solidFill>
+                  <a:schemeClr val="bg2"/>
+                </a:solidFill>
+              </a:rPr>
+              <a:t>в </a:t>
+            </a:r>
+            <a:r>
+              <a:rPr lang="en-GB" sz="3550" b="1" dirty="0">
+                <a:solidFill>
+                  <a:schemeClr val="bg1">
+                    <a:lumMod val="60000"/>
+                    <a:lumOff val="40000"/>
+                  </a:schemeClr>
+                </a:solidFill>
+              </a:rPr>
+              <a:t>неспецефично подреждане</a:t>
             </a:r>
             <a:endParaRPr lang="en-GB" sz="3550" b="1" dirty="0">
               <a:solidFill>
@@ -32732,7 +30329,7 @@
             </a:endParaRPr>
           </a:p>
           <a:p>
-            <a:pPr marL="456565" indent="-456565" latinLnBrk="0">
+            <a:pPr marL="989965" lvl="1" indent="-380365">
               <a:lnSpc>
                 <a:spcPct val="100000"/>
               </a:lnSpc>
@@ -32744,127 +30341,21 @@
               </a:spcAft>
             </a:pPr>
             <a:r>
-              <a:rPr lang="en-GB" sz="3550" dirty="0" err="1">
+              <a:rPr lang="en-GB" sz="3350" dirty="0">
                 <a:solidFill>
                   <a:schemeClr val="bg2"/>
                 </a:solidFill>
-                <a:cs typeface="Calibri"/>
-              </a:rPr>
-              <a:t>Сложните</a:t>
-            </a:r>
-            <a:r>
-              <a:rPr lang="en-GB" sz="3550" dirty="0">
-                <a:solidFill>
-                  <a:schemeClr val="bg2"/>
-                </a:solidFill>
-                <a:cs typeface="Calibri"/>
-              </a:rPr>
-              <a:t> </a:t>
-            </a:r>
-            <a:r>
-              <a:rPr lang="en-GB" sz="3550" dirty="0" err="1">
-                <a:solidFill>
-                  <a:schemeClr val="bg2"/>
-                </a:solidFill>
-                <a:cs typeface="Calibri"/>
-              </a:rPr>
-              <a:t>речници</a:t>
-            </a:r>
-            <a:r>
-              <a:rPr lang="en-GB" sz="3550" dirty="0">
-                <a:solidFill>
-                  <a:schemeClr val="bg2"/>
-                </a:solidFill>
-                <a:cs typeface="Calibri"/>
-              </a:rPr>
-              <a:t> </a:t>
-            </a:r>
-            <a:r>
-              <a:rPr lang="en-GB" sz="3550" b="1" dirty="0" err="1">
-                <a:solidFill>
-                  <a:schemeClr val="bg1">
-                    <a:lumMod val="60000"/>
-                    <a:lumOff val="40000"/>
-                  </a:schemeClr>
-                </a:solidFill>
-                <a:cs typeface="Calibri"/>
-              </a:rPr>
-              <a:t>съдържат</a:t>
-            </a:r>
-            <a:r>
-              <a:rPr lang="en-GB" sz="3550" b="1" dirty="0">
-                <a:solidFill>
-                  <a:schemeClr val="bg1">
-                    <a:lumMod val="60000"/>
-                    <a:lumOff val="40000"/>
-                  </a:schemeClr>
-                </a:solidFill>
-                <a:cs typeface="Calibri"/>
-              </a:rPr>
-              <a:t> </a:t>
-            </a:r>
-            <a:r>
-              <a:rPr lang="en-GB" sz="3550" b="1" dirty="0" err="1">
-                <a:solidFill>
-                  <a:schemeClr val="bg1">
-                    <a:lumMod val="60000"/>
-                    <a:lumOff val="40000"/>
-                  </a:schemeClr>
-                </a:solidFill>
-                <a:cs typeface="Calibri"/>
-              </a:rPr>
-              <a:t>речници</a:t>
-            </a:r>
-            <a:r>
-              <a:rPr lang="en-GB" sz="3550" dirty="0">
-                <a:solidFill>
-                  <a:schemeClr val="bg2"/>
-                </a:solidFill>
-                <a:cs typeface="Calibri"/>
-              </a:rPr>
-              <a:t> </a:t>
-            </a:r>
-            <a:r>
-              <a:rPr lang="en-GB" sz="3550" dirty="0" err="1">
-                <a:solidFill>
-                  <a:schemeClr val="bg2"/>
-                </a:solidFill>
-                <a:cs typeface="Calibri"/>
-              </a:rPr>
-              <a:t>като</a:t>
-            </a:r>
-            <a:r>
-              <a:rPr lang="en-GB" sz="3550" dirty="0">
-                <a:solidFill>
-                  <a:schemeClr val="bg2"/>
-                </a:solidFill>
-                <a:cs typeface="Calibri"/>
-              </a:rPr>
-              <a:t> </a:t>
-            </a:r>
-            <a:r>
-              <a:rPr lang="en-GB" sz="3550" b="1" dirty="0" err="1">
-                <a:solidFill>
-                  <a:schemeClr val="bg1">
-                    <a:lumMod val="60000"/>
-                    <a:lumOff val="40000"/>
-                  </a:schemeClr>
-                </a:solidFill>
-                <a:cs typeface="Calibri"/>
-              </a:rPr>
-              <a:t>стойности</a:t>
-            </a:r>
-            <a:endParaRPr lang="en-GB" sz="3550" b="1" dirty="0" err="1">
+              </a:rPr>
+              <a:t>Без дупликации</a:t>
+            </a:r>
+            <a:endParaRPr lang="en-GB" dirty="0">
               <a:solidFill>
-                <a:schemeClr val="bg1">
-                  <a:lumMod val="60000"/>
-                  <a:lumOff val="40000"/>
-                </a:schemeClr>
+                <a:schemeClr val="bg2"/>
               </a:solidFill>
             </a:endParaRPr>
           </a:p>
           <a:p>
-            <a:pPr marL="456565" indent="-456565" latinLnBrk="0">
+            <a:pPr marL="989965" lvl="1" indent="-380365" latinLnBrk="0">
               <a:lnSpc>
                 <a:spcPct val="100000"/>
               </a:lnSpc>
@@ -32876,243 +30367,14 @@
               </a:spcAft>
             </a:pPr>
             <a:r>
-              <a:rPr lang="en-GB" sz="3550" dirty="0" err="1">
+              <a:rPr lang="en-GB" sz="3350" dirty="0">
                 <a:solidFill>
                   <a:schemeClr val="bg2"/>
                 </a:solidFill>
               </a:rPr>
-              <a:t>Сет</a:t>
-            </a:r>
-            <a:r>
-              <a:rPr lang="en-GB" sz="3550" dirty="0">
-                <a:solidFill>
-                  <a:schemeClr val="bg2"/>
-                </a:solidFill>
-              </a:rPr>
-              <a:t> </a:t>
-            </a:r>
-            <a:r>
-              <a:rPr lang="en-GB" sz="3550" dirty="0" err="1">
-                <a:solidFill>
-                  <a:schemeClr val="bg2"/>
-                </a:solidFill>
-              </a:rPr>
-              <a:t>съдържа</a:t>
-            </a:r>
-            <a:r>
-              <a:rPr lang="en-GB" sz="3550" dirty="0">
-                <a:solidFill>
-                  <a:schemeClr val="bg2"/>
-                </a:solidFill>
-              </a:rPr>
-              <a:t> </a:t>
-            </a:r>
-            <a:r>
-              <a:rPr lang="en-GB" sz="3550" b="1" dirty="0" err="1">
-                <a:solidFill>
-                  <a:schemeClr val="bg1">
-                    <a:lumMod val="60000"/>
-                    <a:lumOff val="40000"/>
-                  </a:schemeClr>
-                </a:solidFill>
-              </a:rPr>
-              <a:t>уникални</a:t>
-            </a:r>
-            <a:r>
-              <a:rPr lang="en-GB" sz="3550" b="1" dirty="0">
-                <a:solidFill>
-                  <a:schemeClr val="bg1">
-                    <a:lumMod val="60000"/>
-                    <a:lumOff val="40000"/>
-                  </a:schemeClr>
-                </a:solidFill>
-              </a:rPr>
-              <a:t> </a:t>
-            </a:r>
-            <a:r>
-              <a:rPr lang="en-GB" sz="3550" b="1" dirty="0" err="1">
-                <a:solidFill>
-                  <a:schemeClr val="bg1">
-                    <a:lumMod val="60000"/>
-                    <a:lumOff val="40000"/>
-                  </a:schemeClr>
-                </a:solidFill>
-              </a:rPr>
-              <a:t>стойности</a:t>
-            </a:r>
-            <a:r>
-              <a:rPr lang="en-GB" sz="3550" b="1" dirty="0">
-                <a:solidFill>
-                  <a:schemeClr val="bg1">
-                    <a:lumMod val="60000"/>
-                    <a:lumOff val="40000"/>
-                  </a:schemeClr>
-                </a:solidFill>
-              </a:rPr>
-              <a:t> </a:t>
-            </a:r>
-            <a:r>
-              <a:rPr lang="en-GB" sz="3550" dirty="0">
-                <a:solidFill>
-                  <a:schemeClr val="bg2"/>
-                </a:solidFill>
-              </a:rPr>
-              <a:t>в </a:t>
-            </a:r>
-            <a:r>
-              <a:rPr lang="en-GB" sz="3550" b="1" dirty="0" err="1">
-                <a:solidFill>
-                  <a:schemeClr val="bg1">
-                    <a:lumMod val="60000"/>
-                    <a:lumOff val="40000"/>
-                  </a:schemeClr>
-                </a:solidFill>
-              </a:rPr>
-              <a:t>неспецефично</a:t>
-            </a:r>
-            <a:r>
-              <a:rPr lang="en-GB" sz="3550" b="1" dirty="0">
-                <a:solidFill>
-                  <a:schemeClr val="bg1">
-                    <a:lumMod val="60000"/>
-                    <a:lumOff val="40000"/>
-                  </a:schemeClr>
-                </a:solidFill>
-              </a:rPr>
-              <a:t> </a:t>
-            </a:r>
-            <a:r>
-              <a:rPr lang="en-GB" sz="3550" b="1" dirty="0" err="1">
-                <a:solidFill>
-                  <a:schemeClr val="bg1">
-                    <a:lumMod val="60000"/>
-                    <a:lumOff val="40000"/>
-                  </a:schemeClr>
-                </a:solidFill>
-              </a:rPr>
-              <a:t>подреждане</a:t>
-            </a:r>
-            <a:endParaRPr lang="en-GB" sz="3550" b="1" dirty="0" err="1">
-              <a:solidFill>
-                <a:schemeClr val="bg1">
-                  <a:lumMod val="60000"/>
-                  <a:lumOff val="40000"/>
-                </a:schemeClr>
-              </a:solidFill>
-              <a:cs typeface="Calibri"/>
-            </a:endParaRPr>
-          </a:p>
-          <a:p>
-            <a:pPr marL="989965" lvl="1" indent="-380365">
-              <a:lnSpc>
-                <a:spcPct val="100000"/>
-              </a:lnSpc>
-              <a:spcBef>
-                <a:spcPts val="400"/>
-              </a:spcBef>
-              <a:spcAft>
-                <a:spcPts val="400"/>
-              </a:spcAft>
-            </a:pPr>
-            <a:r>
-              <a:rPr lang="en-GB" sz="3350" dirty="0" err="1">
-                <a:solidFill>
-                  <a:schemeClr val="bg2"/>
-                </a:solidFill>
-              </a:rPr>
-              <a:t>Без</a:t>
-            </a:r>
-            <a:r>
-              <a:rPr lang="en-GB" sz="3350" dirty="0">
-                <a:solidFill>
-                  <a:schemeClr val="bg2"/>
-                </a:solidFill>
-              </a:rPr>
-              <a:t> </a:t>
-            </a:r>
-            <a:r>
-              <a:rPr lang="en-GB" sz="3350" dirty="0" err="1">
-                <a:solidFill>
-                  <a:schemeClr val="bg2"/>
-                </a:solidFill>
-              </a:rPr>
-              <a:t>дупликации</a:t>
-            </a:r>
-            <a:endParaRPr lang="en-GB" dirty="0" err="1">
-              <a:solidFill>
-                <a:schemeClr val="bg2"/>
-              </a:solidFill>
-            </a:endParaRPr>
-          </a:p>
-          <a:p>
-            <a:pPr marL="989965" lvl="1" indent="-380365" latinLnBrk="0">
-              <a:lnSpc>
-                <a:spcPct val="100000"/>
-              </a:lnSpc>
-              <a:spcBef>
-                <a:spcPts val="400"/>
-              </a:spcBef>
-              <a:spcAft>
-                <a:spcPts val="400"/>
-              </a:spcAft>
-            </a:pPr>
-            <a:r>
-              <a:rPr lang="en-GB" sz="3350" dirty="0" err="1">
-                <a:solidFill>
-                  <a:schemeClr val="bg2"/>
-                </a:solidFill>
-              </a:rPr>
-              <a:t>Бързо</a:t>
-            </a:r>
-            <a:r>
-              <a:rPr lang="en-GB" sz="3350" dirty="0">
-                <a:solidFill>
-                  <a:schemeClr val="bg2"/>
-                </a:solidFill>
-              </a:rPr>
-              <a:t> </a:t>
-            </a:r>
-            <a:r>
-              <a:rPr lang="en-GB" sz="3350" dirty="0" err="1">
-                <a:solidFill>
-                  <a:schemeClr val="bg2"/>
-                </a:solidFill>
-              </a:rPr>
-              <a:t>добавяне</a:t>
-            </a:r>
-            <a:r>
-              <a:rPr lang="en-GB" sz="3350" dirty="0">
-                <a:solidFill>
-                  <a:schemeClr val="bg2"/>
-                </a:solidFill>
-              </a:rPr>
-              <a:t>, </a:t>
-            </a:r>
-            <a:r>
-              <a:rPr lang="en-GB" sz="3350" dirty="0" err="1">
-                <a:solidFill>
-                  <a:schemeClr val="bg2"/>
-                </a:solidFill>
-              </a:rPr>
-              <a:t>търсене</a:t>
-            </a:r>
-            <a:r>
-              <a:rPr lang="en-GB" sz="3350" dirty="0">
-                <a:solidFill>
-                  <a:schemeClr val="bg2"/>
-                </a:solidFill>
-              </a:rPr>
-              <a:t> и </a:t>
-            </a:r>
-            <a:r>
-              <a:rPr lang="en-GB" sz="3350" dirty="0" err="1">
-                <a:solidFill>
-                  <a:schemeClr val="bg2"/>
-                </a:solidFill>
-              </a:rPr>
-              <a:t>премахване</a:t>
-            </a:r>
-            <a:endParaRPr lang="en-GB" sz="3350" dirty="0" err="1">
+              <a:t>Бързо добавяне, търсене и премахване</a:t>
+            </a:r>
+            <a:endParaRPr lang="en-GB" sz="3350" dirty="0">
               <a:solidFill>
                 <a:schemeClr val="bg2"/>
               </a:solidFill>
@@ -33449,14 +30711,14 @@
           <a:lstStyle/>
           <a:p>
             <a:r>
-              <a:rPr lang="en-US" sz="8800">
+              <a:rPr lang="en-US" sz="8800" dirty="0">
                 <a:solidFill>
                   <a:srgbClr val="234465"/>
                 </a:solidFill>
               </a:rPr>
               <a:t>Въпроси?</a:t>
             </a:r>
-            <a:endParaRPr lang="en-US" sz="8800"/>
+            <a:endParaRPr lang="en-US" sz="8800" dirty="0"/>
           </a:p>
         </p:txBody>
       </p:sp>
@@ -33530,34 +30792,34 @@
               </a:lnSpc>
             </a:pPr>
             <a:r>
-              <a:rPr lang="bg-BG"/>
+              <a:rPr lang="bg-BG" dirty="0"/>
               <a:t>Този курс</a:t>
             </a:r>
             <a:r>
-              <a:rPr lang="en-US"/>
+              <a:rPr lang="en-US" dirty="0"/>
               <a:t> (</a:t>
             </a:r>
             <a:r>
-              <a:rPr lang="bg-BG"/>
+              <a:rPr lang="bg-BG" dirty="0"/>
               <a:t>презентации, примери, демонстрационен код, упражнения, домашни, видео и други активи</a:t>
             </a:r>
             <a:r>
-              <a:rPr lang="en-US"/>
+              <a:rPr lang="en-US" dirty="0"/>
               <a:t>) </a:t>
             </a:r>
             <a:r>
-              <a:rPr lang="bg-BG"/>
+              <a:rPr lang="bg-BG" dirty="0"/>
               <a:t>представлява</a:t>
             </a:r>
             <a:r>
-              <a:rPr lang="en-US"/>
+              <a:rPr lang="en-US" dirty="0"/>
               <a:t> </a:t>
             </a:r>
             <a:r>
-              <a:rPr lang="bg-BG" b="1"/>
+              <a:rPr lang="bg-BG" b="1" dirty="0"/>
               <a:t>защитено авторско съдържание</a:t>
             </a:r>
-            <a:endParaRPr lang="en-US"/>
+            <a:endParaRPr lang="en-US" dirty="0"/>
           </a:p>
           <a:p>
             <a:pPr>
@@ -33566,15 +30828,15 @@
               </a:lnSpc>
             </a:pPr>
             <a:r>
-              <a:rPr lang="bg-BG"/>
+              <a:rPr lang="bg-BG" dirty="0"/>
               <a:t>Нерегламентирано копиране</a:t>
             </a:r>
             <a:r>
-              <a:rPr lang="en-US"/>
+              <a:rPr lang="en-US" dirty="0"/>
               <a:t>,</a:t>
             </a:r>
             <a:r>
-              <a:rPr lang="bg-BG"/>
+              <a:rPr lang="bg-BG" dirty="0"/>
               <a:t> разпространение или използване е незаконно</a:t>
             </a:r>
           </a:p>
@@ -33585,24 +30847,24 @@
               </a:lnSpc>
             </a:pPr>
             <a:r>
-              <a:rPr lang="en-US"/>
+              <a:rPr lang="en-US" dirty="0"/>
               <a:t>© </a:t>
             </a:r>
             <a:r>
-              <a:rPr lang="bg-BG"/>
+              <a:rPr lang="bg-BG" dirty="0"/>
               <a:t>СофтУни</a:t>
             </a:r>
             <a:r>
-              <a:rPr lang="en-US"/>
+              <a:rPr lang="en-US" dirty="0"/>
               <a:t> – </a:t>
             </a:r>
             <a:r>
-              <a:rPr lang="en-US">
+              <a:rPr lang="en-US" dirty="0">
                 <a:hlinkClick r:id="rId3"/>
               </a:rPr>
               <a:t>https://softuni.org</a:t>
             </a:r>
-            <a:endParaRPr lang="en-US"/>
+            <a:endParaRPr lang="en-US" dirty="0"/>
           </a:p>
           <a:p>
             <a:pPr>
@@ -33611,24 +30873,24 @@
               </a:lnSpc>
             </a:pPr>
             <a:r>
-              <a:rPr lang="en-US"/>
+              <a:rPr lang="en-US" dirty="0"/>
               <a:t>© </a:t>
             </a:r>
             <a:r>
-              <a:rPr lang="bg-BG"/>
+              <a:rPr lang="bg-BG" dirty="0"/>
               <a:t>Софтуерен университет</a:t>
             </a:r>
             <a:r>
-              <a:rPr lang="en-US"/>
+              <a:rPr lang="en-US" dirty="0"/>
               <a:t> – </a:t>
             </a:r>
             <a:r>
-              <a:rPr lang="en-US">
+              <a:rPr lang="en-US" dirty="0">
                 <a:hlinkClick r:id="rId4"/>
               </a:rPr>
               <a:t>https://softuni.bg</a:t>
             </a:r>
-            <a:endParaRPr lang="bg-BG"/>
+            <a:endParaRPr lang="bg-BG" dirty="0"/>
           </a:p>
           <a:p>
             <a:pPr>
@@ -33636,7 +30898,7 @@
                 <a:spcPct val="120000"/>
               </a:lnSpc>
             </a:pPr>
-            <a:endParaRPr lang="bg-BG"/>
+            <a:endParaRPr lang="bg-BG" dirty="0"/>
           </a:p>
         </p:txBody>
       </p:sp>
@@ -33703,7 +30965,7 @@
           <a:lstStyle/>
           <a:p>
             <a:r>
-              <a:rPr lang="bg-BG"/>
+              <a:rPr lang="bg-BG" dirty="0"/>
               <a:t>Лиценз</a:t>
             </a:r>
           </a:p>
@@ -33747,7 +31009,7 @@
               <a:pPr/>
               <a:t>34</a:t>
             </a:fld>
-            <a:endParaRPr lang="en-US" noProof="0"/>
+            <a:endParaRPr lang="en-US" noProof="0" dirty="0"/>
           </a:p>
         </p:txBody>
       </p:sp>
@@ -33817,97 +31079,13 @@
               </a:lnSpc>
             </a:pPr>
             <a:r>
-              <a:rPr lang="en-US" sz="3800" dirty="0" err="1">
-                <a:latin typeface="Calibri"/>
-                <a:cs typeface="Calibri"/>
-              </a:rPr>
-              <a:t>Асоциативните</a:t>
-            </a:r>
-            <a:r>
               <a:rPr lang="en-US" sz="3800" dirty="0">
                 <a:latin typeface="Calibri"/>
                 <a:cs typeface="Calibri"/>
               </a:rPr>
-              <a:t> </a:t>
-            </a:r>
-            <a:r>
-              <a:rPr lang="en-US" sz="3800" dirty="0" err="1">
-                <a:latin typeface="Calibri"/>
-                <a:cs typeface="Calibri"/>
-              </a:rPr>
-              <a:t>масиви</a:t>
-            </a:r>
-            <a:r>
-              <a:rPr lang="en-US" sz="3800" dirty="0">
-                <a:latin typeface="Calibri"/>
-                <a:cs typeface="Calibri"/>
-              </a:rPr>
-              <a:t> </a:t>
-            </a:r>
-            <a:r>
-              <a:rPr lang="en-US" sz="3800" dirty="0" err="1">
-                <a:latin typeface="Calibri"/>
-                <a:cs typeface="Calibri"/>
-              </a:rPr>
-              <a:t>са</a:t>
-            </a:r>
-            <a:r>
-              <a:rPr lang="en-US" sz="3800" dirty="0">
-                <a:latin typeface="Calibri"/>
-                <a:cs typeface="Calibri"/>
-              </a:rPr>
-              <a:t> </a:t>
-            </a:r>
-            <a:r>
-              <a:rPr lang="en-US" sz="3800" dirty="0" err="1">
-                <a:latin typeface="Calibri"/>
-                <a:cs typeface="Calibri"/>
-              </a:rPr>
-              <a:t>масиви</a:t>
-            </a:r>
-            <a:r>
-              <a:rPr lang="en-US" sz="3800" dirty="0">
-                <a:latin typeface="Calibri"/>
-                <a:cs typeface="Calibri"/>
-              </a:rPr>
-              <a:t> </a:t>
-            </a:r>
-            <a:r>
-              <a:rPr lang="en-US" sz="3800" dirty="0" err="1">
-                <a:latin typeface="Calibri"/>
-                <a:cs typeface="Calibri"/>
-              </a:rPr>
-              <a:t>индиксирани</a:t>
-            </a:r>
-            <a:r>
-              <a:rPr lang="en-US" sz="3800" dirty="0">
-                <a:latin typeface="Calibri"/>
-                <a:cs typeface="Calibri"/>
-              </a:rPr>
-              <a:t> </a:t>
-            </a:r>
-            <a:r>
-              <a:rPr lang="en-US" sz="3800" dirty="0" err="1">
-                <a:latin typeface="Calibri"/>
-                <a:cs typeface="Calibri"/>
-              </a:rPr>
-              <a:t>чрез</a:t>
-            </a:r>
-            <a:r>
-              <a:rPr lang="en-US" sz="3800" dirty="0">
-                <a:latin typeface="Calibri"/>
-                <a:cs typeface="Calibri"/>
-              </a:rPr>
-              <a:t> </a:t>
-            </a:r>
-            <a:r>
-              <a:rPr lang="en-US" sz="3800" dirty="0" err="1">
-                <a:latin typeface="Calibri"/>
-                <a:cs typeface="Calibri"/>
-              </a:rPr>
-              <a:t>ключове</a:t>
-            </a:r>
-            <a:endParaRPr lang="bg-BG" dirty="0" err="1">
+              <a:t>Асоциативните масиви са масиви индиксирани чрез ключове</a:t>
+            </a:r>
+            <a:endParaRPr lang="bg-BG" dirty="0">
               <a:latin typeface="Calibri"/>
               <a:cs typeface="Calibri"/>
             </a:endParaRPr>
@@ -33919,44 +31097,8 @@
               </a:lnSpc>
             </a:pPr>
             <a:r>
-              <a:rPr lang="en-US" sz="3600" dirty="0" err="1"/>
-              <a:t>Не</a:t>
-            </a:r>
-            <a:r>
               <a:rPr lang="en-US" sz="3600" dirty="0"/>
-              <a:t> </a:t>
-            </a:r>
-            <a:r>
-              <a:rPr lang="en-US" sz="3600" dirty="0" err="1"/>
-              <a:t>по</a:t>
-            </a:r>
-            <a:r>
-              <a:rPr lang="en-US" sz="3600" dirty="0"/>
-              <a:t> </a:t>
-            </a:r>
-            <a:r>
-              <a:rPr lang="en-US" sz="3600" dirty="0" err="1"/>
-              <a:t>номера</a:t>
-            </a:r>
-            <a:r>
-              <a:rPr lang="en-US" sz="3600" dirty="0"/>
-              <a:t> 0, 1, 2, … (</a:t>
-            </a:r>
-            <a:r>
-              <a:rPr lang="en-US" sz="3600" dirty="0" err="1"/>
-              <a:t>като</a:t>
-            </a:r>
-            <a:r>
-              <a:rPr lang="en-US" sz="3600" dirty="0"/>
-              <a:t> </a:t>
-            </a:r>
-            <a:r>
-              <a:rPr lang="en-US" sz="3600" dirty="0" err="1"/>
-              <a:t>масиви</a:t>
-            </a:r>
-            <a:r>
-              <a:rPr lang="en-US" sz="3600" dirty="0"/>
-              <a:t>)</a:t>
+              <a:t>Не по номера 0, 1, 2, … (като масиви)</a:t>
             </a:r>
             <a:endParaRPr lang="en-US" sz="3600" dirty="0">
               <a:cs typeface="Calibri"/>
@@ -33969,44 +31111,15 @@
               </a:lnSpc>
             </a:pPr>
             <a:r>
-              <a:rPr lang="en-US" sz="3800" dirty="0" err="1"/>
-              <a:t>Съдържа</a:t>
-            </a:r>
-            <a:r>
               <a:rPr lang="en-US" sz="3800" dirty="0"/>
-              <a:t> </a:t>
-            </a:r>
-            <a:r>
-              <a:rPr lang="en-US" sz="3800" dirty="0" err="1"/>
-              <a:t>колекция</a:t>
+              <a:t>Съдържа колекция</a:t>
             </a:r>
             <a:r>
               <a:rPr lang="en-US" sz="3800" dirty="0">
                 <a:latin typeface="Calibri"/>
                 <a:cs typeface="Calibri"/>
               </a:rPr>
-              <a:t> </a:t>
-            </a:r>
-            <a:r>
-              <a:rPr lang="en-US" sz="3800" dirty="0" err="1">
-                <a:latin typeface="Calibri"/>
-                <a:cs typeface="Calibri"/>
-              </a:rPr>
-              <a:t>от</a:t>
-            </a:r>
-            <a:r>
-              <a:rPr lang="en-US" sz="3800" dirty="0">
-                <a:latin typeface="Calibri"/>
-                <a:cs typeface="Calibri"/>
-              </a:rPr>
-              <a:t> </a:t>
-            </a:r>
-            <a:r>
-              <a:rPr lang="en-US" sz="3800" dirty="0" err="1">
-                <a:latin typeface="Calibri"/>
-                <a:cs typeface="Calibri"/>
-              </a:rPr>
-              <a:t>двойки</a:t>
+              <a:t> от двойки</a:t>
             </a:r>
             <a:r>
               <a:rPr lang="en-US" sz="3800" dirty="0">
@@ -34016,7 +31129,7 @@
               <a:t>{</a:t>
             </a:r>
             <a:r>
-              <a:rPr lang="en-US" sz="3800" b="1" dirty="0" err="1">
+              <a:rPr lang="en-US" sz="3800" b="1" dirty="0">
                 <a:solidFill>
                   <a:schemeClr val="bg1"/>
                 </a:solidFill>
@@ -34041,7 +31154,7 @@
               <a:t> </a:t>
             </a:r>
             <a:r>
-              <a:rPr lang="en-US" sz="3800" b="1" dirty="0" err="1">
+              <a:rPr lang="en-US" sz="3800" b="1" dirty="0">
                 <a:solidFill>
                   <a:schemeClr val="bg1"/>
                 </a:solidFill>
@@ -34093,36 +31206,8 @@
           <a:lstStyle/>
           <a:p>
             <a:r>
-              <a:rPr lang="en-US" sz="3950" dirty="0" err="1"/>
-              <a:t>Асоциативни</a:t>
-            </a:r>
-            <a:r>
               <a:rPr lang="en-US" sz="3950" dirty="0"/>
-              <a:t> </a:t>
-            </a:r>
-            <a:r>
-              <a:rPr lang="en-US" sz="3950" dirty="0" err="1"/>
-              <a:t>масиви</a:t>
-            </a:r>
-            <a:r>
-              <a:rPr lang="en-US" sz="3950" dirty="0"/>
-              <a:t> (</a:t>
-            </a:r>
-            <a:r>
-              <a:rPr lang="en-US" sz="3950" dirty="0" err="1"/>
-              <a:t>карти</a:t>
-            </a:r>
-            <a:r>
-              <a:rPr lang="en-US" sz="3950" dirty="0"/>
-              <a:t>, </a:t>
-            </a:r>
-            <a:r>
-              <a:rPr lang="en-US" sz="3950" dirty="0" err="1"/>
-              <a:t>речници</a:t>
-            </a:r>
-            <a:r>
-              <a:rPr lang="en-US" sz="3950" dirty="0"/>
-              <a:t>)</a:t>
+              <a:t>Асоциативни масиви (карти, речници)</a:t>
             </a:r>
           </a:p>
         </p:txBody>
@@ -35546,39 +32631,7 @@
             </a:r>
             <a:r>
               <a:rPr lang="en-US" sz="3800" dirty="0"/>
-              <a:t>-</a:t>
-            </a:r>
-            <a:r>
-              <a:rPr lang="en-US" sz="3800" dirty="0" err="1"/>
-              <a:t>представлява</a:t>
-            </a:r>
-            <a:r>
-              <a:rPr lang="en-US" sz="3800" dirty="0"/>
-              <a:t> </a:t>
-            </a:r>
-            <a:r>
-              <a:rPr lang="en-US" sz="3800" dirty="0" err="1"/>
-              <a:t>колекция</a:t>
-            </a:r>
-            <a:r>
-              <a:rPr lang="en-US" sz="3800" dirty="0"/>
-              <a:t> </a:t>
-            </a:r>
-            <a:r>
-              <a:rPr lang="en-US" sz="3800" dirty="0" err="1"/>
-              <a:t>от</a:t>
-            </a:r>
-            <a:r>
-              <a:rPr lang="en-US" sz="3800" dirty="0"/>
-              <a:t> </a:t>
-            </a:r>
-            <a:r>
-              <a:rPr lang="en-US" sz="3800" dirty="0" err="1"/>
-              <a:t>двойки</a:t>
-            </a:r>
-            <a:r>
-              <a:rPr lang="en-US" sz="3800" dirty="0"/>
-              <a:t> </a:t>
+              <a:t>-представлява колекция от двойки </a:t>
             </a:r>
             <a:endParaRPr lang="bg-BG" dirty="0"/>
           </a:p>
@@ -35589,30 +32642,18 @@
               </a:buClr>
             </a:pPr>
             <a:r>
-              <a:rPr lang="en-US" sz="3800" dirty="0" err="1"/>
-              <a:t>Ключовите</a:t>
-            </a:r>
-            <a:r>
               <a:rPr lang="en-US" sz="3800" dirty="0"/>
-              <a:t> </a:t>
-            </a:r>
-            <a:r>
-              <a:rPr lang="en-US" sz="3800" dirty="0" err="1"/>
-              <a:t>са</a:t>
-            </a:r>
-            <a:r>
-              <a:rPr lang="en-US" sz="3800" dirty="0"/>
-              <a:t> </a:t>
-            </a:r>
-            <a:r>
-              <a:rPr lang="en-US" sz="3800" b="1" dirty="0" err="1">
+              <a:t>Ключовите са </a:t>
+            </a:r>
+            <a:r>
+              <a:rPr lang="en-US" sz="3800" b="1" dirty="0">
                 <a:solidFill>
                   <a:schemeClr val="bg1"/>
                 </a:solidFill>
               </a:rPr>
               <a:t>уникални</a:t>
             </a:r>
-            <a:endParaRPr lang="en-US" sz="3800" b="1" dirty="0" err="1">
+            <a:endParaRPr lang="en-US" sz="3800" b="1" dirty="0">
               <a:solidFill>
                 <a:schemeClr val="bg1"/>
               </a:solidFill>
@@ -35626,83 +32667,13 @@
               </a:buClr>
             </a:pPr>
             <a:r>
-              <a:rPr lang="en-US" sz="3800" dirty="0" err="1">
-                <a:ea typeface="+mn-lt"/>
-                <a:cs typeface="+mn-lt"/>
-              </a:rPr>
-              <a:t>Поддържа</a:t>
-            </a:r>
-            <a:r>
               <a:rPr lang="en-US" sz="3800" dirty="0">
                 <a:ea typeface="+mn-lt"/>
                 <a:cs typeface="+mn-lt"/>
               </a:rPr>
-              <a:t> </a:t>
-            </a:r>
-            <a:r>
-              <a:rPr lang="en-US" sz="3800" dirty="0" err="1">
-                <a:ea typeface="+mn-lt"/>
-                <a:cs typeface="+mn-lt"/>
-              </a:rPr>
-              <a:t>ключовете</a:t>
-            </a:r>
-            <a:r>
-              <a:rPr lang="en-US" sz="3800" dirty="0">
-                <a:ea typeface="+mn-lt"/>
-                <a:cs typeface="+mn-lt"/>
-              </a:rPr>
-              <a:t> в </a:t>
-            </a:r>
-            <a:r>
-              <a:rPr lang="en-US" sz="3800" dirty="0" err="1">
-                <a:ea typeface="+mn-lt"/>
-                <a:cs typeface="+mn-lt"/>
-              </a:rPr>
-              <a:t>техния</a:t>
-            </a:r>
-            <a:r>
-              <a:rPr lang="en-US" sz="3800" dirty="0">
-                <a:ea typeface="+mn-lt"/>
-                <a:cs typeface="+mn-lt"/>
-              </a:rPr>
-              <a:t> </a:t>
-            </a:r>
-            <a:r>
-              <a:rPr lang="en-US" sz="3800" dirty="0" err="1">
-                <a:ea typeface="+mn-lt"/>
-                <a:cs typeface="+mn-lt"/>
-              </a:rPr>
-              <a:t>ред</a:t>
-            </a:r>
-            <a:r>
-              <a:rPr lang="en-US" sz="3800" dirty="0">
-                <a:ea typeface="+mn-lt"/>
-                <a:cs typeface="+mn-lt"/>
-              </a:rPr>
-              <a:t> </a:t>
-            </a:r>
-            <a:r>
-              <a:rPr lang="en-US" sz="3800" dirty="0" err="1">
-                <a:ea typeface="+mn-lt"/>
-                <a:cs typeface="+mn-lt"/>
-              </a:rPr>
-              <a:t>на</a:t>
-            </a:r>
-            <a:r>
-              <a:rPr lang="en-US" sz="3800" dirty="0">
-                <a:ea typeface="+mn-lt"/>
-                <a:cs typeface="+mn-lt"/>
-              </a:rPr>
-              <a:t> </a:t>
-            </a:r>
-            <a:r>
-              <a:rPr lang="en-US" sz="3800" dirty="0" err="1">
-                <a:ea typeface="+mn-lt"/>
-                <a:cs typeface="+mn-lt"/>
-              </a:rPr>
-              <a:t>добавяне</a:t>
-            </a:r>
-            <a:endParaRPr lang="en-US" sz="3800" dirty="0" err="1">
+              <a:t>Поддържа ключовете в техния ред на добавяне</a:t>
+            </a:r>
+            <a:endParaRPr lang="en-US" sz="3800" dirty="0">
               <a:cs typeface="Calibri"/>
             </a:endParaRPr>
           </a:p>
@@ -35735,10 +32706,10 @@
           <a:lstStyle/>
           <a:p>
             <a:r>
-              <a:rPr lang="en-US" sz="3950" dirty="0" err="1"/>
+              <a:rPr lang="en-US" sz="3950" dirty="0"/>
               <a:t>Речници</a:t>
             </a:r>
-            <a:endParaRPr lang="en-US" dirty="0" err="1"/>
+            <a:endParaRPr lang="en-US" dirty="0"/>
           </a:p>
         </p:txBody>
       </p:sp>
@@ -35956,7 +32927,7 @@
               </a:lnSpc>
             </a:pPr>
             <a:r>
-              <a:rPr lang="en-GB">
+              <a:rPr lang="en-GB" dirty="0">
                 <a:solidFill>
                   <a:schemeClr val="bg1"/>
                 </a:solidFill>
@@ -35964,11 +32935,11 @@
               <a:t>var</a:t>
             </a:r>
             <a:r>
-              <a:rPr lang="en-GB"/>
+              <a:rPr lang="en-GB" dirty="0"/>
               <a:t> fruits = </a:t>
             </a:r>
             <a:r>
-              <a:rPr lang="en-GB">
+              <a:rPr lang="en-GB" dirty="0">
                 <a:solidFill>
                   <a:schemeClr val="bg1"/>
                 </a:solidFill>
@@ -35976,7 +32947,7 @@
               <a:t>new Dictionary&lt;string, double&gt;</a:t>
             </a:r>
             <a:r>
-              <a:rPr lang="en-GB"/>
+              <a:rPr lang="en-GB" dirty="0"/>
               <a:t>();</a:t>
             </a:r>
           </a:p>
@@ -35987,11 +32958,11 @@
               </a:lnSpc>
             </a:pPr>
             <a:r>
-              <a:rPr lang="en-GB"/>
+              <a:rPr lang="en-GB" dirty="0"/>
               <a:t>fruits</a:t>
             </a:r>
             <a:r>
-              <a:rPr lang="en-GB">
+              <a:rPr lang="en-GB" dirty="0">
                 <a:solidFill>
                   <a:schemeClr val="bg1"/>
                 </a:solidFill>
@@ -35999,11 +32970,11 @@
               <a:t>[</a:t>
             </a:r>
             <a:r>
-              <a:rPr lang="en-GB"/>
+              <a:rPr lang="en-GB" dirty="0"/>
               <a:t>"banana"</a:t>
             </a:r>
             <a:r>
-              <a:rPr lang="en-GB">
+              <a:rPr lang="en-GB" dirty="0">
                 <a:solidFill>
                   <a:schemeClr val="bg1"/>
                 </a:solidFill>
@@ -36011,7 +32982,7 @@
               <a:t>]</a:t>
             </a:r>
             <a:r>
-              <a:rPr lang="en-GB"/>
+              <a:rPr lang="en-GB" dirty="0"/>
               <a:t> = 2.20;</a:t>
             </a:r>
           </a:p>
@@ -36022,11 +32993,11 @@
               </a:lnSpc>
             </a:pPr>
             <a:r>
-              <a:rPr lang="en-GB"/>
+              <a:rPr lang="en-GB" dirty="0"/>
               <a:t>fruits</a:t>
             </a:r>
             <a:r>
-              <a:rPr lang="en-GB">
+              <a:rPr lang="en-GB" dirty="0">
                 <a:solidFill>
                   <a:schemeClr val="bg1"/>
                 </a:solidFill>
@@ -36034,11 +33005,11 @@
               <a:t>[</a:t>
             </a:r>
             <a:r>
-              <a:rPr lang="en-GB"/>
+              <a:rPr lang="en-GB" dirty="0"/>
               <a:t>"apple"</a:t>
             </a:r>
             <a:r>
-              <a:rPr lang="en-GB">
+              <a:rPr lang="en-GB" dirty="0">
                 <a:solidFill>
                   <a:schemeClr val="bg1"/>
                 </a:solidFill>
@@ -36046,7 +33017,7 @@
               <a:t>]</a:t>
             </a:r>
             <a:r>
-              <a:rPr lang="en-GB"/>
+              <a:rPr lang="en-GB" dirty="0"/>
               <a:t> = 1.40;</a:t>
             </a:r>
           </a:p>
@@ -36057,11 +33028,11 @@
               </a:lnSpc>
             </a:pPr>
             <a:r>
-              <a:rPr lang="en-GB"/>
+              <a:rPr lang="en-GB" dirty="0"/>
               <a:t>fruits</a:t>
             </a:r>
             <a:r>
-              <a:rPr lang="en-GB">
+              <a:rPr lang="en-GB" dirty="0">
                 <a:solidFill>
                   <a:schemeClr val="bg1"/>
                 </a:solidFill>
@@ -36069,11 +33040,11 @@
               <a:t>[</a:t>
             </a:r>
             <a:r>
-              <a:rPr lang="en-GB"/>
+              <a:rPr lang="en-GB" dirty="0"/>
               <a:t>"kiwi"</a:t>
             </a:r>
             <a:r>
-              <a:rPr lang="en-GB">
+              <a:rPr lang="en-GB" dirty="0">
                 <a:solidFill>
                   <a:schemeClr val="bg1"/>
                 </a:solidFill>
@@ -36081,10 +33052,9 @@
               <a:t>]</a:t>
             </a:r>
             <a:r>
-              <a:rPr lang="en-GB"/>
+              <a:rPr lang="en-GB" dirty="0"/>
               <a:t> = 3.20;</a:t>
             </a:r>
-            <a:endParaRPr lang="en-GB" dirty="0"/>
           </a:p>
         </p:txBody>
       </p:sp>
@@ -36839,26 +33809,10 @@
               </a:buClr>
             </a:pPr>
             <a:r>
-              <a:rPr lang="en-US" sz="3800" dirty="0" err="1"/>
-              <a:t>Поддържа</a:t>
-            </a:r>
-            <a:r>
               <a:rPr lang="en-US" sz="3800" dirty="0"/>
-              <a:t> </a:t>
-            </a:r>
-            <a:r>
-              <a:rPr lang="en-US" sz="3800" dirty="0" err="1"/>
-              <a:t>ключовите</a:t>
-            </a:r>
-            <a:r>
-              <a:rPr lang="en-US" sz="3800" dirty="0"/>
-              <a:t> </a:t>
-            </a:r>
-            <a:r>
-              <a:rPr lang="en-US" sz="3800" dirty="0" err="1"/>
-              <a:t>сортирани</a:t>
-            </a:r>
-            <a:endParaRPr lang="en-US" sz="3800" dirty="0" err="1">
+              <a:t>Поддържа ключовите сортирани</a:t>
+            </a:r>
+            <a:endParaRPr lang="en-US" sz="3800" dirty="0">
               <a:cs typeface="Calibri"/>
             </a:endParaRPr>
           </a:p>
@@ -36869,26 +33823,10 @@
               </a:buClr>
             </a:pPr>
             <a:r>
-              <a:rPr lang="en-US" sz="3800" dirty="0" err="1"/>
-              <a:t>Използва</a:t>
-            </a:r>
-            <a:r>
               <a:rPr lang="en-US" sz="3800" dirty="0"/>
-              <a:t> </a:t>
-            </a:r>
-            <a:r>
-              <a:rPr lang="en-US" sz="3800" dirty="0" err="1"/>
-              <a:t>балансирано</a:t>
-            </a:r>
-            <a:r>
-              <a:rPr lang="en-US" sz="3800" dirty="0"/>
-              <a:t> </a:t>
-            </a:r>
-            <a:r>
-              <a:rPr lang="en-US" sz="3800" dirty="0" err="1"/>
-              <a:t>дърво</a:t>
-            </a:r>
-            <a:endParaRPr lang="en-US" sz="3800" dirty="0" err="1">
+              <a:t>Използва балансирано дърво</a:t>
+            </a:r>
+            <a:endParaRPr lang="en-US" sz="3800" dirty="0">
               <a:cs typeface="Calibri"/>
             </a:endParaRPr>
           </a:p>
@@ -36921,18 +33859,10 @@
           <a:lstStyle/>
           <a:p>
             <a:r>
-              <a:rPr lang="en-US" sz="3950" dirty="0" err="1"/>
-              <a:t>Сортиран</a:t>
-            </a:r>
-            <a:r>
               <a:rPr lang="en-US" sz="3950" dirty="0"/>
-              <a:t> </a:t>
-            </a:r>
-            <a:r>
-              <a:rPr lang="en-US" sz="3950" dirty="0" err="1"/>
-              <a:t>речник</a:t>
-            </a:r>
-            <a:endParaRPr lang="bg-BG" dirty="0" err="1"/>
+              <a:t>Сортиран речник</a:t>
+            </a:r>
+            <a:endParaRPr lang="bg-BG" dirty="0"/>
           </a:p>
         </p:txBody>
       </p:sp>
@@ -37150,7 +34080,7 @@
               </a:lnSpc>
             </a:pPr>
             <a:r>
-              <a:rPr lang="en-GB" sz="2798">
+              <a:rPr lang="en-GB" sz="2798" dirty="0">
                 <a:solidFill>
                   <a:schemeClr val="bg1"/>
                 </a:solidFill>
@@ -37158,7 +34088,7 @@
               <a:t>var</a:t>
             </a:r>
             <a:r>
-              <a:rPr lang="en-GB" sz="2798">
+              <a:rPr lang="en-GB" sz="2798" dirty="0">
                 <a:solidFill>
                   <a:schemeClr val="bg1">
                     <a:lumMod val="75000"/>
@@ -37168,11 +34098,11 @@
               <a:t> </a:t>
             </a:r>
             <a:r>
-              <a:rPr lang="en-GB" sz="2798"/>
+              <a:rPr lang="en-GB" sz="2798" dirty="0"/>
               <a:t>fruits = </a:t>
             </a:r>
             <a:r>
-              <a:rPr lang="en-GB" sz="2798">
+              <a:rPr lang="en-GB" sz="2798" dirty="0">
                 <a:solidFill>
                   <a:schemeClr val="bg1"/>
                 </a:solidFill>
@@ -37180,7 +34110,7 @@
               <a:t>new SortedDictionary&lt;string, double&gt;</a:t>
             </a:r>
             <a:r>
-              <a:rPr lang="en-GB" sz="2798"/>
+              <a:rPr lang="en-GB" sz="2798" dirty="0"/>
               <a:t>();</a:t>
             </a:r>
           </a:p>
@@ -37191,11 +34121,11 @@
               </a:lnSpc>
             </a:pPr>
             <a:r>
-              <a:rPr lang="en-GB" sz="2798"/>
+              <a:rPr lang="en-GB" sz="2798" dirty="0"/>
               <a:t>fruits</a:t>
             </a:r>
             <a:r>
-              <a:rPr lang="en-GB" sz="2798">
+              <a:rPr lang="en-GB" sz="2798" dirty="0">
                 <a:solidFill>
                   <a:schemeClr val="bg1"/>
                 </a:solidFill>
@@ -37203,11 +34133,11 @@
               <a:t>[</a:t>
             </a:r>
             <a:r>
-              <a:rPr lang="en-GB" sz="2798"/>
+              <a:rPr lang="en-GB" sz="2798" dirty="0"/>
               <a:t>"kiwi"</a:t>
             </a:r>
             <a:r>
-              <a:rPr lang="en-GB" sz="2798">
+              <a:rPr lang="en-GB" sz="2798" dirty="0">
                 <a:solidFill>
                   <a:schemeClr val="bg1"/>
                 </a:solidFill>
@@ -37215,7 +34145,7 @@
               <a:t>]</a:t>
             </a:r>
             <a:r>
-              <a:rPr lang="en-GB" sz="2798"/>
+              <a:rPr lang="en-GB" sz="2798" dirty="0"/>
               <a:t> = 4.50;</a:t>
             </a:r>
           </a:p>
@@ -37226,11 +34156,11 @@
               </a:lnSpc>
             </a:pPr>
             <a:r>
-              <a:rPr lang="en-GB" sz="2798"/>
+              <a:rPr lang="en-GB" sz="2798" dirty="0"/>
               <a:t>fruits</a:t>
             </a:r>
             <a:r>
-              <a:rPr lang="en-GB" sz="2798">
+              <a:rPr lang="en-GB" sz="2798" dirty="0">
                 <a:solidFill>
                   <a:schemeClr val="bg1"/>
                 </a:solidFill>
@@ -37238,11 +34168,11 @@
               <a:t>[</a:t>
             </a:r>
             <a:r>
-              <a:rPr lang="en-GB" sz="2798"/>
+              <a:rPr lang="en-GB" sz="2798" dirty="0"/>
               <a:t>"orange"</a:t>
             </a:r>
             <a:r>
-              <a:rPr lang="en-GB" sz="2798">
+              <a:rPr lang="en-GB" sz="2798" dirty="0">
                 <a:solidFill>
                   <a:schemeClr val="bg1"/>
                 </a:solidFill>
@@ -37250,7 +34180,7 @@
               <a:t>]</a:t>
             </a:r>
             <a:r>
-              <a:rPr lang="en-GB" sz="2798"/>
+              <a:rPr lang="en-GB" sz="2798" dirty="0"/>
               <a:t> = 2.50;</a:t>
             </a:r>
           </a:p>
@@ -37261,11 +34191,11 @@
               </a:lnSpc>
             </a:pPr>
             <a:r>
-              <a:rPr lang="en-GB" sz="2798"/>
+              <a:rPr lang="en-GB" sz="2798" dirty="0"/>
               <a:t>fruits</a:t>
             </a:r>
             <a:r>
-              <a:rPr lang="en-GB" sz="2798">
+              <a:rPr lang="en-GB" sz="2798" dirty="0">
                 <a:solidFill>
                   <a:schemeClr val="bg1"/>
                 </a:solidFill>
@@ -37273,11 +34203,11 @@
               <a:t>[</a:t>
             </a:r>
             <a:r>
-              <a:rPr lang="en-GB" sz="2798"/>
+              <a:rPr lang="en-GB" sz="2798" dirty="0"/>
               <a:t>"banana"</a:t>
             </a:r>
             <a:r>
-              <a:rPr lang="en-GB" sz="2798">
+              <a:rPr lang="en-GB" sz="2798" dirty="0">
                 <a:solidFill>
                   <a:schemeClr val="bg1"/>
                 </a:solidFill>
@@ -37285,10 +34215,9 @@
               <a:t>]</a:t>
             </a:r>
             <a:r>
-              <a:rPr lang="en-GB" sz="2798"/>
+              <a:rPr lang="en-GB" sz="2798" dirty="0"/>
               <a:t> = 2.20;</a:t>
             </a:r>
-            <a:endParaRPr lang="en-GB" sz="2798" dirty="0"/>
           </a:p>
         </p:txBody>
       </p:sp>
@@ -38033,7 +34962,7 @@
               <a:t>(</a:t>
             </a:r>
             <a:r>
-              <a:rPr lang="en-US" sz="3800" b="1" dirty="0" err="1">
+              <a:rPr lang="en-US" sz="3800" b="1" dirty="0">
                 <a:solidFill>
                   <a:schemeClr val="bg1"/>
                 </a:solidFill>
@@ -38045,7 +34974,7 @@
               <a:t>, </a:t>
             </a:r>
             <a:r>
-              <a:rPr lang="en-US" sz="3800" b="1" dirty="0" err="1">
+              <a:rPr lang="en-US" sz="3800" b="1" dirty="0">
                 <a:solidFill>
                   <a:schemeClr val="bg1"/>
                 </a:solidFill>
@@ -38054,13 +34983,9 @@
             </a:r>
             <a:r>
               <a:rPr lang="en-US" sz="3800" dirty="0"/>
-              <a:t>) </a:t>
-            </a:r>
-            <a:r>
-              <a:rPr lang="en-US" sz="3800" dirty="0" err="1"/>
-              <a:t>метод</a:t>
-            </a:r>
-            <a:endParaRPr lang="bg-BG" dirty="0" err="1"/>
+              <a:t>) метод</a:t>
+            </a:r>
+            <a:endParaRPr lang="bg-BG" dirty="0"/>
           </a:p>
           <a:p>
             <a:pPr marL="456565" indent="-456565">
@@ -38071,7 +34996,7 @@
                 <a:spcPts val="0"/>
               </a:spcBef>
             </a:pPr>
-            <a:endParaRPr lang="en-US" sz="3800">
+            <a:endParaRPr lang="en-US" sz="3800" dirty="0">
               <a:solidFill>
                 <a:srgbClr val="234465"/>
               </a:solidFill>
@@ -38087,7 +35012,7 @@
                 <a:spcPts val="0"/>
               </a:spcBef>
             </a:pPr>
-            <a:endParaRPr lang="en-US" sz="3800">
+            <a:endParaRPr lang="en-US" sz="3800" dirty="0">
               <a:solidFill>
                 <a:srgbClr val="234465"/>
               </a:solidFill>
@@ -38103,7 +35028,7 @@
                 <a:spcPts val="0"/>
               </a:spcBef>
             </a:pPr>
-            <a:endParaRPr lang="en-US" sz="3800">
+            <a:endParaRPr lang="en-US" sz="3800" dirty="0">
               <a:solidFill>
                 <a:srgbClr val="234465"/>
               </a:solidFill>
@@ -38135,7 +35060,7 @@
               <a:t>(</a:t>
             </a:r>
             <a:r>
-              <a:rPr lang="en-US" sz="3800" b="1" dirty="0" err="1">
+              <a:rPr lang="en-US" sz="3800" b="1" dirty="0">
                 <a:solidFill>
                   <a:schemeClr val="bg1"/>
                 </a:solidFill>
@@ -38148,17 +35073,9 @@
                   <a:srgbClr val="234465"/>
                 </a:solidFill>
               </a:rPr>
-              <a:t>) </a:t>
-            </a:r>
-            <a:r>
-              <a:rPr lang="en-US" sz="3800" dirty="0" err="1">
-                <a:solidFill>
-                  <a:srgbClr val="234465"/>
-                </a:solidFill>
-              </a:rPr>
-              <a:t>метод</a:t>
-            </a:r>
-            <a:endParaRPr lang="en-US" sz="3800" dirty="0" err="1">
+              <a:t>) метод</a:t>
+            </a:r>
+            <a:endParaRPr lang="en-US" sz="3800" dirty="0">
               <a:solidFill>
                 <a:srgbClr val="234465"/>
               </a:solidFill>
@@ -38194,18 +35111,10 @@
           <a:lstStyle/>
           <a:p>
             <a:r>
-              <a:rPr lang="en-US" sz="3950" dirty="0" err="1"/>
-              <a:t>Вградени</a:t>
-            </a:r>
-            <a:r>
               <a:rPr lang="en-US" sz="3950" dirty="0"/>
-              <a:t> </a:t>
-            </a:r>
-            <a:r>
-              <a:rPr lang="en-US" sz="3950" dirty="0" err="1"/>
-              <a:t>методи</a:t>
-            </a:r>
-            <a:endParaRPr lang="bg-BG" dirty="0" err="1"/>
+              <a:t>Вградени методи</a:t>
+            </a:r>
+            <a:endParaRPr lang="bg-BG" dirty="0"/>
           </a:p>
         </p:txBody>
       </p:sp>
@@ -38426,7 +35335,7 @@
               </a:spcAft>
             </a:pPr>
             <a:r>
-              <a:rPr lang="en-GB" sz="2799"/>
+              <a:rPr lang="en-GB" sz="2799" dirty="0"/>
               <a:t>var airplanes = new Dictionary&lt;string, int&gt;();</a:t>
             </a:r>
           </a:p>
@@ -38440,11 +35349,11 @@
               </a:spcAft>
             </a:pPr>
             <a:r>
-              <a:rPr lang="en-GB" sz="2799"/>
+              <a:rPr lang="en-GB" sz="2799" dirty="0"/>
               <a:t>airplanes.</a:t>
             </a:r>
             <a:r>
-              <a:rPr lang="en-GB" sz="2799">
+              <a:rPr lang="en-GB" sz="2799" dirty="0">
                 <a:solidFill>
                   <a:schemeClr val="bg1"/>
                 </a:solidFill>
@@ -38452,11 +35361,11 @@
               <a:t>Add</a:t>
             </a:r>
             <a:r>
-              <a:rPr lang="en-GB" sz="2799"/>
+              <a:rPr lang="en-GB" sz="2799" dirty="0"/>
               <a:t>(</a:t>
             </a:r>
             <a:r>
-              <a:rPr lang="en-GB" sz="2799">
+              <a:rPr lang="en-GB" sz="2799" dirty="0">
                 <a:solidFill>
                   <a:schemeClr val="bg1"/>
                 </a:solidFill>
@@ -38464,11 +35373,11 @@
               <a:t>"Boeing 737"</a:t>
             </a:r>
             <a:r>
-              <a:rPr lang="en-GB" sz="2799"/>
+              <a:rPr lang="en-GB" sz="2799" dirty="0"/>
               <a:t>, </a:t>
             </a:r>
             <a:r>
-              <a:rPr lang="en-GB" sz="2799">
+              <a:rPr lang="en-GB" sz="2799" dirty="0">
                 <a:solidFill>
                   <a:schemeClr val="bg1"/>
                 </a:solidFill>
@@ -38476,7 +35385,7 @@
               <a:t>130</a:t>
             </a:r>
             <a:r>
-              <a:rPr lang="en-GB" sz="2799"/>
+              <a:rPr lang="en-GB" sz="2799" dirty="0"/>
               <a:t>);</a:t>
             </a:r>
           </a:p>
@@ -38490,11 +35399,11 @@
               </a:spcAft>
             </a:pPr>
             <a:r>
-              <a:rPr lang="en-GB" sz="2799"/>
+              <a:rPr lang="en-GB" sz="2799" dirty="0"/>
               <a:t>airplanes.</a:t>
             </a:r>
             <a:r>
-              <a:rPr lang="en-GB" sz="2799">
+              <a:rPr lang="en-GB" sz="2799" dirty="0">
                 <a:solidFill>
                   <a:schemeClr val="bg1"/>
                 </a:solidFill>
@@ -38502,11 +35411,11 @@
               <a:t>Add</a:t>
             </a:r>
             <a:r>
-              <a:rPr lang="en-GB" sz="2799"/>
+              <a:rPr lang="en-GB" sz="2799" dirty="0"/>
               <a:t>(</a:t>
             </a:r>
             <a:r>
-              <a:rPr lang="en-GB" sz="2799">
+              <a:rPr lang="en-GB" sz="2799" dirty="0">
                 <a:solidFill>
                   <a:schemeClr val="bg1"/>
                 </a:solidFill>
@@ -38514,11 +35423,11 @@
               <a:t>"Airbus A320"</a:t>
             </a:r>
             <a:r>
-              <a:rPr lang="en-GB" sz="2799"/>
+              <a:rPr lang="en-GB" sz="2799" dirty="0"/>
               <a:t>, </a:t>
             </a:r>
             <a:r>
-              <a:rPr lang="en-GB" sz="2799">
+              <a:rPr lang="en-GB" sz="2799" dirty="0">
                 <a:solidFill>
                   <a:schemeClr val="bg1"/>
                 </a:solidFill>
@@ -38526,10 +35435,9 @@
               <a:t>150</a:t>
             </a:r>
             <a:r>
-              <a:rPr lang="en-GB" sz="2799"/>
+              <a:rPr lang="en-GB" sz="2799" dirty="0"/>
               <a:t>);</a:t>
             </a:r>
-            <a:endParaRPr lang="en-GB" sz="2799" dirty="0"/>
           </a:p>
         </p:txBody>
       </p:sp>
@@ -39274,7 +36182,7 @@
               </a:buClr>
             </a:pPr>
             <a:r>
-              <a:rPr lang="en-US" sz="3800" b="1" dirty="0" err="1">
+              <a:rPr lang="en-US" sz="3800" b="1" dirty="0">
                 <a:solidFill>
                   <a:schemeClr val="bg1"/>
                 </a:solidFill>
@@ -39290,7 +36198,7 @@
               <a:t>(</a:t>
             </a:r>
             <a:r>
-              <a:rPr lang="en-US" sz="3800" b="1" dirty="0" err="1">
+              <a:rPr lang="en-US" sz="3800" b="1" dirty="0">
                 <a:solidFill>
                   <a:schemeClr val="bg1"/>
                 </a:solidFill>
@@ -39303,49 +36211,9 @@
                   <a:srgbClr val="234465"/>
                 </a:solidFill>
               </a:rPr>
-              <a:t>) – </a:t>
-            </a:r>
-            <a:r>
-              <a:rPr lang="en-US" sz="3800" dirty="0" err="1">
-                <a:solidFill>
-                  <a:srgbClr val="234465"/>
-                </a:solidFill>
-              </a:rPr>
-              <a:t>много</a:t>
-            </a:r>
-            <a:r>
-              <a:rPr lang="en-US" sz="3800" dirty="0">
-                <a:solidFill>
-                  <a:srgbClr val="234465"/>
-                </a:solidFill>
-              </a:rPr>
-              <a:t> </a:t>
-            </a:r>
-            <a:r>
-              <a:rPr lang="en-US" sz="3800" dirty="0" err="1">
-                <a:solidFill>
-                  <a:srgbClr val="234465"/>
-                </a:solidFill>
-              </a:rPr>
-              <a:t>бърза</a:t>
-            </a:r>
-            <a:r>
-              <a:rPr lang="en-US" sz="3800" dirty="0">
-                <a:solidFill>
-                  <a:srgbClr val="234465"/>
-                </a:solidFill>
-              </a:rPr>
-              <a:t> </a:t>
-            </a:r>
-            <a:r>
-              <a:rPr lang="en-US" sz="3800" dirty="0" err="1">
-                <a:solidFill>
-                  <a:srgbClr val="234465"/>
-                </a:solidFill>
-              </a:rPr>
-              <a:t>операция</a:t>
-            </a:r>
-            <a:endParaRPr lang="bg-BG" dirty="0" err="1"/>
+              <a:t>) – много бърза операция</a:t>
+            </a:r>
+            <a:endParaRPr lang="bg-BG" dirty="0"/>
           </a:p>
           <a:p>
             <a:pPr marL="456565" indent="-456565">
@@ -39356,7 +36224,7 @@
                 <a:spcPts val="0"/>
               </a:spcBef>
             </a:pPr>
-            <a:endParaRPr lang="en-US" sz="3800">
+            <a:endParaRPr lang="en-US" sz="3800" dirty="0">
               <a:solidFill>
                 <a:srgbClr val="234465"/>
               </a:solidFill>
@@ -39372,7 +36240,7 @@
                 <a:spcPts val="0"/>
               </a:spcBef>
             </a:pPr>
-            <a:endParaRPr lang="en-US" sz="3800">
+            <a:endParaRPr lang="en-US" sz="3800" dirty="0">
               <a:solidFill>
                 <a:srgbClr val="234465"/>
               </a:solidFill>
@@ -39388,7 +36256,7 @@
                 <a:spcPts val="0"/>
               </a:spcBef>
             </a:pPr>
-            <a:endParaRPr lang="en-US" sz="3800">
+            <a:endParaRPr lang="en-US" sz="3800" dirty="0">
               <a:solidFill>
                 <a:srgbClr val="234465"/>
               </a:solidFill>
@@ -39408,7 +36276,7 @@
               </a:buClr>
             </a:pPr>
             <a:r>
-              <a:rPr lang="en-US" sz="3800" b="1" dirty="0" err="1">
+              <a:rPr lang="en-US" sz="3800" b="1" dirty="0">
                 <a:solidFill>
                   <a:schemeClr val="bg1"/>
                 </a:solidFill>
@@ -39424,7 +36292,7 @@
               <a:t>(</a:t>
             </a:r>
             <a:r>
-              <a:rPr lang="en-US" sz="3800" b="1" dirty="0" err="1">
+              <a:rPr lang="en-US" sz="3800" b="1" dirty="0">
                 <a:solidFill>
                   <a:schemeClr val="bg1"/>
                 </a:solidFill>
@@ -39437,49 +36305,9 @@
                   <a:srgbClr val="234465"/>
                 </a:solidFill>
               </a:rPr>
-              <a:t>) – </a:t>
-            </a:r>
-            <a:r>
-              <a:rPr lang="en-US" sz="3800" dirty="0" err="1">
-                <a:solidFill>
-                  <a:srgbClr val="234465"/>
-                </a:solidFill>
-              </a:rPr>
-              <a:t>много</a:t>
-            </a:r>
-            <a:r>
-              <a:rPr lang="en-US" sz="3800" dirty="0">
-                <a:solidFill>
-                  <a:srgbClr val="234465"/>
-                </a:solidFill>
-              </a:rPr>
-              <a:t> </a:t>
-            </a:r>
-            <a:r>
-              <a:rPr lang="en-US" sz="3800" dirty="0" err="1">
-                <a:solidFill>
-                  <a:srgbClr val="234465"/>
-                </a:solidFill>
-              </a:rPr>
-              <a:t>бавна</a:t>
-            </a:r>
-            <a:r>
-              <a:rPr lang="en-US" sz="3800" dirty="0">
-                <a:solidFill>
-                  <a:srgbClr val="234465"/>
-                </a:solidFill>
-              </a:rPr>
-              <a:t> </a:t>
-            </a:r>
-            <a:r>
-              <a:rPr lang="en-US" sz="3800" dirty="0" err="1">
-                <a:solidFill>
-                  <a:srgbClr val="234465"/>
-                </a:solidFill>
-              </a:rPr>
-              <a:t>операция</a:t>
-            </a:r>
-            <a:endParaRPr lang="en-US" sz="3800" dirty="0" err="1">
+              <a:t>) – много бавна операция</a:t>
+            </a:r>
+            <a:endParaRPr lang="en-US" sz="3800" dirty="0">
               <a:solidFill>
                 <a:srgbClr val="234465"/>
               </a:solidFill>
@@ -39517,25 +36345,11 @@
           <a:lstStyle/>
           <a:p>
             <a:r>
-              <a:rPr lang="en-US" sz="3950" dirty="0" err="1">
-                <a:ea typeface="+mj-lt"/>
-                <a:cs typeface="+mj-lt"/>
-              </a:rPr>
-              <a:t>Вградени</a:t>
-            </a:r>
-            <a:r>
               <a:rPr lang="en-US" sz="3950" dirty="0">
                 <a:ea typeface="+mj-lt"/>
                 <a:cs typeface="+mj-lt"/>
               </a:rPr>
-              <a:t> </a:t>
-            </a:r>
-            <a:r>
-              <a:rPr lang="en-US" sz="3950" dirty="0" err="1">
-                <a:ea typeface="+mj-lt"/>
-                <a:cs typeface="+mj-lt"/>
-              </a:rPr>
-              <a:t>методи</a:t>
+              <a:t>Вградени методи</a:t>
             </a:r>
             <a:r>
               <a:rPr lang="en-US" sz="3950" dirty="0"/>
@@ -39761,7 +36575,7 @@
               </a:lnSpc>
             </a:pPr>
             <a:r>
-              <a:rPr lang="en-GB" sz="2400"/>
+              <a:rPr lang="en-GB" sz="2400" dirty="0"/>
               <a:t>var dictionary = new Dictionary&lt;string, int&gt;();</a:t>
             </a:r>
           </a:p>
@@ -39772,7 +36586,7 @@
               </a:lnSpc>
             </a:pPr>
             <a:r>
-              <a:rPr lang="en-GB" sz="2400"/>
+              <a:rPr lang="en-GB" sz="2400" dirty="0"/>
               <a:t>dictionary.Add("Airbus A320", 150);</a:t>
             </a:r>
           </a:p>
@@ -39783,11 +36597,11 @@
               </a:lnSpc>
             </a:pPr>
             <a:r>
-              <a:rPr lang="en-GB" sz="2400"/>
+              <a:rPr lang="en-GB" sz="2400" dirty="0"/>
               <a:t>if (dictionary.</a:t>
             </a:r>
             <a:r>
-              <a:rPr lang="en-GB" sz="2400">
+              <a:rPr lang="en-GB" sz="2400" dirty="0">
                 <a:solidFill>
                   <a:schemeClr val="bg1"/>
                 </a:solidFill>
@@ -39795,11 +36609,11 @@
               <a:t>ContainsKey</a:t>
             </a:r>
             <a:r>
-              <a:rPr lang="en-GB" sz="2400"/>
+              <a:rPr lang="en-GB" sz="2400" dirty="0"/>
               <a:t>(</a:t>
             </a:r>
             <a:r>
-              <a:rPr lang="en-GB" sz="2400">
+              <a:rPr lang="en-GB" sz="2400" dirty="0">
                 <a:solidFill>
                   <a:schemeClr val="bg1"/>
                 </a:solidFill>
@@ -39807,7 +36621,7 @@
               <a:t>"Airbus A320"</a:t>
             </a:r>
             <a:r>
-              <a:rPr lang="en-GB" sz="2400"/>
+              <a:rPr lang="en-GB" sz="2400" dirty="0"/>
               <a:t>))</a:t>
             </a:r>
           </a:p>
@@ -39818,10 +36632,9 @@
               </a:lnSpc>
             </a:pPr>
             <a:r>
-              <a:rPr lang="en-GB" sz="2400"/>
+              <a:rPr lang="en-GB" sz="2400" dirty="0"/>
               <a:t>   Console.WriteLine($"Airbus A320 key exists");</a:t>
             </a:r>
-            <a:endParaRPr lang="en-GB" sz="2400" dirty="0"/>
           </a:p>
         </p:txBody>
       </p:sp>
@@ -40799,153 +37612,39 @@
           <a:p>
             <a:pPr marL="360045" indent="-360045"/>
             <a:r>
-              <a:rPr lang="en-US" sz="3600" dirty="0" err="1">
-                <a:cs typeface="Calibri"/>
-              </a:rPr>
-              <a:t>Прочетете</a:t>
-            </a:r>
-            <a:r>
               <a:rPr lang="en-US" sz="3600" dirty="0">
                 <a:cs typeface="Calibri"/>
               </a:rPr>
-              <a:t> </a:t>
-            </a:r>
-            <a:r>
-              <a:rPr lang="en-US" sz="3600" b="1" dirty="0" err="1">
+              <a:t>Прочетете </a:t>
+            </a:r>
+            <a:r>
+              <a:rPr lang="en-US" sz="3600" b="1" dirty="0">
                 <a:solidFill>
                   <a:schemeClr val="bg1"/>
                 </a:solidFill>
                 <a:cs typeface="Calibri"/>
               </a:rPr>
-              <a:t>масив</a:t>
-            </a:r>
-            <a:r>
-              <a:rPr lang="en-US" sz="3600" b="1" dirty="0">
-                <a:solidFill>
-                  <a:schemeClr val="bg1"/>
-                </a:solidFill>
-                <a:cs typeface="Calibri"/>
-              </a:rPr>
-              <a:t> </a:t>
-            </a:r>
-            <a:r>
-              <a:rPr lang="en-US" sz="3600" b="1" dirty="0" err="1">
-                <a:solidFill>
-                  <a:schemeClr val="bg1"/>
-                </a:solidFill>
-                <a:cs typeface="Calibri"/>
-              </a:rPr>
-              <a:t>от</a:t>
-            </a:r>
-            <a:r>
-              <a:rPr lang="en-US" sz="3600" b="1" dirty="0">
-                <a:solidFill>
-                  <a:schemeClr val="bg1"/>
-                </a:solidFill>
-                <a:cs typeface="Calibri"/>
-              </a:rPr>
-              <a:t> </a:t>
-            </a:r>
-            <a:r>
-              <a:rPr lang="en-US" sz="3600" b="1" dirty="0" err="1">
-                <a:solidFill>
-                  <a:schemeClr val="bg1"/>
-                </a:solidFill>
-                <a:cs typeface="Calibri"/>
-              </a:rPr>
-              <a:t>реални</a:t>
-            </a:r>
-            <a:r>
-              <a:rPr lang="en-US" sz="3600" b="1" dirty="0">
-                <a:solidFill>
-                  <a:schemeClr val="bg1"/>
-                </a:solidFill>
-                <a:cs typeface="Calibri"/>
-              </a:rPr>
-              <a:t> </a:t>
-            </a:r>
-            <a:r>
-              <a:rPr lang="en-US" sz="3600" b="1" dirty="0" err="1">
-                <a:solidFill>
-                  <a:schemeClr val="bg1"/>
-                </a:solidFill>
-                <a:cs typeface="Calibri"/>
-              </a:rPr>
-              <a:t>числа</a:t>
+              <a:t>масив от реални числа</a:t>
             </a:r>
             <a:r>
               <a:rPr lang="en-US" sz="3600" dirty="0">
                 <a:cs typeface="Calibri"/>
               </a:rPr>
-              <a:t> и </a:t>
-            </a:r>
-            <a:r>
-              <a:rPr lang="en-US" sz="3600" dirty="0" err="1">
+              <a:t> и отпечатайте колко пъти се </a:t>
+            </a:r>
+            <a:r>
+              <a:rPr lang="en-US" sz="3600" b="1" dirty="0">
+                <a:solidFill>
+                  <a:schemeClr val="bg1"/>
+                </a:solidFill>
                 <a:cs typeface="Calibri"/>
               </a:rPr>
-              <a:t>отпечатайте</a:t>
-            </a:r>
-            <a:r>
-              <a:rPr lang="en-US" sz="3600" dirty="0">
-                <a:cs typeface="Calibri"/>
-              </a:rPr>
-              <a:t> </a:t>
-            </a:r>
-            <a:r>
-              <a:rPr lang="en-US" sz="3600" dirty="0" err="1">
-                <a:cs typeface="Calibri"/>
-              </a:rPr>
-              <a:t>колко</a:t>
-            </a:r>
-            <a:r>
-              <a:rPr lang="en-US" sz="3600" dirty="0">
-                <a:cs typeface="Calibri"/>
-              </a:rPr>
-              <a:t> </a:t>
-            </a:r>
-            <a:r>
-              <a:rPr lang="en-US" sz="3600" dirty="0" err="1">
-                <a:cs typeface="Calibri"/>
-              </a:rPr>
-              <a:t>пъти</a:t>
-            </a:r>
-            <a:r>
-              <a:rPr lang="en-US" sz="3600" dirty="0">
-                <a:cs typeface="Calibri"/>
-              </a:rPr>
-              <a:t> </a:t>
-            </a:r>
-            <a:r>
-              <a:rPr lang="en-US" sz="3600" dirty="0" err="1">
-                <a:cs typeface="Calibri"/>
-              </a:rPr>
-              <a:t>се</a:t>
-            </a:r>
-            <a:r>
-              <a:rPr lang="en-US" sz="3600" dirty="0">
-                <a:cs typeface="Calibri"/>
-              </a:rPr>
-              <a:t> </a:t>
-            </a:r>
-            <a:r>
-              <a:rPr lang="en-US" sz="3600" b="1" dirty="0" err="1">
-                <a:solidFill>
-                  <a:schemeClr val="bg1"/>
-                </a:solidFill>
-                <a:cs typeface="Calibri"/>
-              </a:rPr>
               <a:t>срещат</a:t>
             </a:r>
-            <a:endParaRPr lang="en-US" sz="3600" b="1">
-              <a:solidFill>
-                <a:schemeClr val="bg1"/>
-              </a:solidFill>
-              <a:cs typeface="Calibri"/>
-            </a:endParaRPr>
           </a:p>
           <a:p>
             <a:pPr marL="360045" indent="-360045"/>
-            <a:endParaRPr lang="bg-BG" sz="3350">
+            <a:endParaRPr lang="bg-BG" sz="3350" dirty="0">
               <a:solidFill>
                 <a:schemeClr val="bg1"/>
               </a:solidFill>
@@ -40972,50 +37671,10 @@
           <a:lstStyle/>
           <a:p>
             <a:r>
-              <a:rPr lang="en-US" sz="3950" dirty="0" err="1"/>
-              <a:t>Задача</a:t>
-            </a:r>
-            <a:r>
               <a:rPr lang="en-US" sz="3950" dirty="0"/>
-              <a:t>: </a:t>
-            </a:r>
-            <a:r>
-              <a:rPr lang="en-US" sz="3950" dirty="0" err="1"/>
-              <a:t>Брой</a:t>
-            </a:r>
-            <a:r>
-              <a:rPr lang="en-US" sz="3950" dirty="0"/>
-              <a:t> </a:t>
-            </a:r>
-            <a:r>
-              <a:rPr lang="en-US" sz="3950" dirty="0" err="1"/>
-              <a:t>на</a:t>
-            </a:r>
-            <a:r>
-              <a:rPr lang="en-US" sz="3950" dirty="0"/>
-              <a:t> </a:t>
-            </a:r>
-            <a:r>
-              <a:rPr lang="en-US" sz="3950" dirty="0" err="1"/>
-              <a:t>еднакви</a:t>
-            </a:r>
-            <a:r>
-              <a:rPr lang="en-US" sz="3950" dirty="0"/>
-              <a:t> </a:t>
-            </a:r>
-            <a:r>
-              <a:rPr lang="en-US" sz="3950" dirty="0" err="1"/>
-              <a:t>стойности</a:t>
-            </a:r>
-            <a:r>
-              <a:rPr lang="en-US" sz="3950" dirty="0"/>
-              <a:t> в </a:t>
-            </a:r>
-            <a:r>
-              <a:rPr lang="en-US" sz="3950" dirty="0" err="1"/>
-              <a:t>масив</a:t>
-            </a:r>
-            <a:endParaRPr lang="en-US" sz="3950" dirty="0" err="1">
+              <a:t>Задача: Брой на еднакви стойности в масив</a:t>
+            </a:r>
+            <a:endParaRPr lang="en-US" sz="3950" dirty="0">
               <a:cs typeface="Calibri"/>
             </a:endParaRPr>
           </a:p>
